--- a/课程/4/4.pptx
+++ b/课程/4/4.pptx
@@ -5,7 +5,7 @@
     <p:sldMasterId id="2147483660" r:id="rId1"/>
   </p:sldMasterIdLst>
   <p:notesMasterIdLst>
-    <p:notesMasterId r:id="rId29"/>
+    <p:notesMasterId r:id="rId31"/>
   </p:notesMasterIdLst>
   <p:sldIdLst>
     <p:sldId id="309" r:id="rId2"/>
@@ -17,24 +17,26 @@
     <p:sldId id="264" r:id="rId8"/>
     <p:sldId id="262" r:id="rId9"/>
     <p:sldId id="263" r:id="rId10"/>
-    <p:sldId id="265" r:id="rId11"/>
-    <p:sldId id="266" r:id="rId12"/>
-    <p:sldId id="267" r:id="rId13"/>
-    <p:sldId id="268" r:id="rId14"/>
-    <p:sldId id="269" r:id="rId15"/>
-    <p:sldId id="270" r:id="rId16"/>
-    <p:sldId id="271" r:id="rId17"/>
-    <p:sldId id="272" r:id="rId18"/>
-    <p:sldId id="273" r:id="rId19"/>
-    <p:sldId id="274" r:id="rId20"/>
-    <p:sldId id="275" r:id="rId21"/>
-    <p:sldId id="276" r:id="rId22"/>
-    <p:sldId id="277" r:id="rId23"/>
-    <p:sldId id="278" r:id="rId24"/>
-    <p:sldId id="279" r:id="rId25"/>
-    <p:sldId id="281" r:id="rId26"/>
-    <p:sldId id="283" r:id="rId27"/>
-    <p:sldId id="282" r:id="rId28"/>
+    <p:sldId id="310" r:id="rId11"/>
+    <p:sldId id="311" r:id="rId12"/>
+    <p:sldId id="265" r:id="rId13"/>
+    <p:sldId id="266" r:id="rId14"/>
+    <p:sldId id="267" r:id="rId15"/>
+    <p:sldId id="268" r:id="rId16"/>
+    <p:sldId id="269" r:id="rId17"/>
+    <p:sldId id="270" r:id="rId18"/>
+    <p:sldId id="271" r:id="rId19"/>
+    <p:sldId id="272" r:id="rId20"/>
+    <p:sldId id="273" r:id="rId21"/>
+    <p:sldId id="274" r:id="rId22"/>
+    <p:sldId id="275" r:id="rId23"/>
+    <p:sldId id="276" r:id="rId24"/>
+    <p:sldId id="277" r:id="rId25"/>
+    <p:sldId id="278" r:id="rId26"/>
+    <p:sldId id="279" r:id="rId27"/>
+    <p:sldId id="281" r:id="rId28"/>
+    <p:sldId id="283" r:id="rId29"/>
+    <p:sldId id="282" r:id="rId30"/>
   </p:sldIdLst>
   <p:sldSz cx="12192000" cy="6858000"/>
   <p:notesSz cx="6858000" cy="9144000"/>
@@ -223,7 +225,7 @@
           <a:p>
             <a:fld id="{A6DF324B-7ED8-4A28-82BF-52D23688AEFD}" type="datetimeFigureOut">
               <a:rPr lang="zh-CN" altLang="en-US" smtClean="0"/>
-              <a:t>2021/7/8</a:t>
+              <a:t>2022/6/24</a:t>
             </a:fld>
             <a:endParaRPr lang="zh-CN" altLang="en-US"/>
           </a:p>
@@ -555,7 +557,7 @@
           <a:p>
             <a:fld id="{E8B26860-9CE6-43C2-A07C-70A196DAB9A0}" type="slidenum">
               <a:rPr lang="zh-CN" altLang="en-US" smtClean="0"/>
-              <a:t>20</a:t>
+              <a:t>22</a:t>
             </a:fld>
             <a:endParaRPr lang="zh-CN" altLang="en-US"/>
           </a:p>
@@ -1090,7 +1092,7 @@
           <a:p>
             <a:fld id="{530820CF-B880-4189-942D-D702A7CBA730}" type="datetimeFigureOut">
               <a:rPr lang="zh-CN" altLang="en-US" smtClean="0"/>
-              <a:t>2021/7/8</a:t>
+              <a:t>2022/6/24</a:t>
             </a:fld>
             <a:endParaRPr lang="zh-CN" altLang="en-US"/>
           </a:p>
@@ -1489,7 +1491,7 @@
           <a:p>
             <a:fld id="{530820CF-B880-4189-942D-D702A7CBA730}" type="datetimeFigureOut">
               <a:rPr lang="zh-CN" altLang="en-US" smtClean="0"/>
-              <a:t>2021/7/8</a:t>
+              <a:t>2022/6/24</a:t>
             </a:fld>
             <a:endParaRPr lang="zh-CN" altLang="en-US"/>
           </a:p>
@@ -1749,7 +1751,7 @@
           <a:p>
             <a:fld id="{530820CF-B880-4189-942D-D702A7CBA730}" type="datetimeFigureOut">
               <a:rPr lang="zh-CN" altLang="en-US" smtClean="0"/>
-              <a:t>2021/7/8</a:t>
+              <a:t>2022/6/24</a:t>
             </a:fld>
             <a:endParaRPr lang="zh-CN" altLang="en-US"/>
           </a:p>
@@ -2301,7 +2303,7 @@
           <a:p>
             <a:fld id="{530820CF-B880-4189-942D-D702A7CBA730}" type="datetimeFigureOut">
               <a:rPr lang="zh-CN" altLang="en-US" smtClean="0"/>
-              <a:t>2021/7/8</a:t>
+              <a:t>2022/6/24</a:t>
             </a:fld>
             <a:endParaRPr lang="zh-CN" altLang="en-US"/>
           </a:p>
@@ -2561,7 +2563,7 @@
           <a:p>
             <a:fld id="{530820CF-B880-4189-942D-D702A7CBA730}" type="datetimeFigureOut">
               <a:rPr lang="zh-CN" altLang="en-US" smtClean="0"/>
-              <a:t>2021/7/8</a:t>
+              <a:t>2022/6/24</a:t>
             </a:fld>
             <a:endParaRPr lang="zh-CN" altLang="en-US"/>
           </a:p>
@@ -3105,7 +3107,7 @@
           <a:p>
             <a:fld id="{530820CF-B880-4189-942D-D702A7CBA730}" type="datetimeFigureOut">
               <a:rPr lang="zh-CN" altLang="en-US" smtClean="0"/>
-              <a:t>2021/7/8</a:t>
+              <a:t>2022/6/24</a:t>
             </a:fld>
             <a:endParaRPr lang="zh-CN" altLang="en-US"/>
           </a:p>
@@ -3414,7 +3416,7 @@
           <a:p>
             <a:fld id="{530820CF-B880-4189-942D-D702A7CBA730}" type="datetimeFigureOut">
               <a:rPr lang="zh-CN" altLang="en-US" smtClean="0"/>
-              <a:t>2021/7/8</a:t>
+              <a:t>2022/6/24</a:t>
             </a:fld>
             <a:endParaRPr lang="zh-CN" altLang="en-US"/>
           </a:p>
@@ -3600,7 +3602,7 @@
           <a:p>
             <a:fld id="{530820CF-B880-4189-942D-D702A7CBA730}" type="datetimeFigureOut">
               <a:rPr lang="zh-CN" altLang="en-US" smtClean="0"/>
-              <a:t>2021/7/8</a:t>
+              <a:t>2022/6/24</a:t>
             </a:fld>
             <a:endParaRPr lang="zh-CN" altLang="en-US"/>
           </a:p>
@@ -3792,7 +3794,7 @@
           <a:p>
             <a:fld id="{530820CF-B880-4189-942D-D702A7CBA730}" type="datetimeFigureOut">
               <a:rPr lang="zh-CN" altLang="en-US" smtClean="0"/>
-              <a:t>2021/7/8</a:t>
+              <a:t>2022/6/24</a:t>
             </a:fld>
             <a:endParaRPr lang="zh-CN" altLang="en-US"/>
           </a:p>
@@ -3989,7 +3991,7 @@
           <a:p>
             <a:fld id="{530820CF-B880-4189-942D-D702A7CBA730}" type="datetimeFigureOut">
               <a:rPr lang="zh-CN" altLang="en-US" smtClean="0"/>
-              <a:t>2021/7/8</a:t>
+              <a:t>2022/6/24</a:t>
             </a:fld>
             <a:endParaRPr lang="zh-CN" altLang="en-US"/>
           </a:p>
@@ -4257,7 +4259,7 @@
           <a:p>
             <a:fld id="{530820CF-B880-4189-942D-D702A7CBA730}" type="datetimeFigureOut">
               <a:rPr lang="zh-CN" altLang="en-US" smtClean="0"/>
-              <a:t>2021/7/8</a:t>
+              <a:t>2022/6/24</a:t>
             </a:fld>
             <a:endParaRPr lang="zh-CN" altLang="en-US"/>
           </a:p>
@@ -4571,7 +4573,7 @@
           <a:p>
             <a:fld id="{530820CF-B880-4189-942D-D702A7CBA730}" type="datetimeFigureOut">
               <a:rPr lang="zh-CN" altLang="en-US" smtClean="0"/>
-              <a:t>2021/7/8</a:t>
+              <a:t>2022/6/24</a:t>
             </a:fld>
             <a:endParaRPr lang="zh-CN" altLang="en-US"/>
           </a:p>
@@ -5025,7 +5027,7 @@
           <a:p>
             <a:fld id="{530820CF-B880-4189-942D-D702A7CBA730}" type="datetimeFigureOut">
               <a:rPr lang="zh-CN" altLang="en-US" smtClean="0"/>
-              <a:t>2021/7/8</a:t>
+              <a:t>2022/6/24</a:t>
             </a:fld>
             <a:endParaRPr lang="zh-CN" altLang="en-US"/>
           </a:p>
@@ -5155,7 +5157,7 @@
           <a:p>
             <a:fld id="{530820CF-B880-4189-942D-D702A7CBA730}" type="datetimeFigureOut">
               <a:rPr lang="zh-CN" altLang="en-US" smtClean="0"/>
-              <a:t>2021/7/8</a:t>
+              <a:t>2022/6/24</a:t>
             </a:fld>
             <a:endParaRPr lang="zh-CN" altLang="en-US"/>
           </a:p>
@@ -5262,7 +5264,7 @@
           <a:p>
             <a:fld id="{530820CF-B880-4189-942D-D702A7CBA730}" type="datetimeFigureOut">
               <a:rPr lang="zh-CN" altLang="en-US" smtClean="0"/>
-              <a:t>2021/7/8</a:t>
+              <a:t>2022/6/24</a:t>
             </a:fld>
             <a:endParaRPr lang="zh-CN" altLang="en-US"/>
           </a:p>
@@ -5557,7 +5559,7 @@
           <a:p>
             <a:fld id="{530820CF-B880-4189-942D-D702A7CBA730}" type="datetimeFigureOut">
               <a:rPr lang="zh-CN" altLang="en-US" smtClean="0"/>
-              <a:t>2021/7/8</a:t>
+              <a:t>2022/6/24</a:t>
             </a:fld>
             <a:endParaRPr lang="zh-CN" altLang="en-US"/>
           </a:p>
@@ -5860,7 +5862,7 @@
           <a:p>
             <a:fld id="{530820CF-B880-4189-942D-D702A7CBA730}" type="datetimeFigureOut">
               <a:rPr lang="zh-CN" altLang="en-US" smtClean="0"/>
-              <a:t>2021/7/8</a:t>
+              <a:t>2022/6/24</a:t>
             </a:fld>
             <a:endParaRPr lang="zh-CN" altLang="en-US"/>
           </a:p>
@@ -6396,7 +6398,7 @@
           <a:p>
             <a:fld id="{530820CF-B880-4189-942D-D702A7CBA730}" type="datetimeFigureOut">
               <a:rPr lang="zh-CN" altLang="en-US" smtClean="0"/>
-              <a:t>2021/7/8</a:t>
+              <a:t>2022/6/24</a:t>
             </a:fld>
             <a:endParaRPr lang="zh-CN" altLang="en-US"/>
           </a:p>
@@ -6962,7 +6964,7 @@
             <a:pPr algn="ctr"/>
             <a:r>
               <a:rPr lang="en-US" altLang="zh-CN" b="1" dirty="0"/>
-              <a:t>2021</a:t>
+              <a:t>2022</a:t>
             </a:r>
             <a:r>
               <a:rPr lang="zh-CN" altLang="en-US" b="1" dirty="0"/>
@@ -7030,6 +7032,36 @@
           </a:p>
         </p:txBody>
       </p:sp>
+      <p:pic>
+        <p:nvPicPr>
+          <p:cNvPr id="4" name="图片 3">
+            <a:extLst>
+              <a:ext uri="{FF2B5EF4-FFF2-40B4-BE49-F238E27FC236}">
+                <a16:creationId xmlns:a16="http://schemas.microsoft.com/office/drawing/2014/main" id="{9779904D-B81D-F616-EBA7-D56F1C46C83D}"/>
+              </a:ext>
+            </a:extLst>
+          </p:cNvPr>
+          <p:cNvPicPr>
+            <a:picLocks noChangeAspect="1"/>
+          </p:cNvPicPr>
+          <p:nvPr/>
+        </p:nvPicPr>
+        <p:blipFill>
+          <a:blip r:embed="rId2"/>
+          <a:stretch>
+            <a:fillRect/>
+          </a:stretch>
+        </p:blipFill>
+        <p:spPr>
+          <a:xfrm>
+            <a:off x="6877686" y="7620"/>
+            <a:ext cx="3772535" cy="673100"/>
+          </a:xfrm>
+          <a:prstGeom prst="rect">
+            <a:avLst/>
+          </a:prstGeom>
+        </p:spPr>
+      </p:pic>
     </p:spTree>
   </p:cSld>
   <p:clrMapOvr>
@@ -7072,7 +7104,7 @@
           <p:cNvPr id="2" name="标题 1">
             <a:extLst>
               <a:ext uri="{FF2B5EF4-FFF2-40B4-BE49-F238E27FC236}">
-                <a16:creationId xmlns:a16="http://schemas.microsoft.com/office/drawing/2014/main" id="{DD26FA2A-E9BF-49D9-90F9-2178391B22CA}"/>
+                <a16:creationId xmlns:a16="http://schemas.microsoft.com/office/drawing/2014/main" id="{ED2C922F-7FB2-4865-93A1-1B29F695B31F}"/>
               </a:ext>
             </a:extLst>
           </p:cNvPr>
@@ -7090,16 +7122,20 @@
           <a:p>
             <a:pPr algn="ctr"/>
             <a:r>
+              <a:rPr lang="en-US" altLang="zh-CN" dirty="0"/>
+              <a:t>74HC138</a:t>
+            </a:r>
+            <a:r>
               <a:rPr lang="zh-CN" altLang="en-US" dirty="0"/>
-              <a:t>实验</a:t>
+              <a:t> </a:t>
             </a:r>
             <a:r>
               <a:rPr lang="en-US" altLang="zh-CN" dirty="0"/>
-              <a:t>16:3-8</a:t>
+              <a:t>3-8 </a:t>
             </a:r>
             <a:r>
               <a:rPr lang="zh-CN" altLang="en-US" dirty="0"/>
-              <a:t>译码器点灯实验</a:t>
+              <a:t>译码器</a:t>
             </a:r>
           </a:p>
         </p:txBody>
@@ -7109,7 +7145,7 @@
           <p:cNvPr id="3" name="内容占位符 2">
             <a:extLst>
               <a:ext uri="{FF2B5EF4-FFF2-40B4-BE49-F238E27FC236}">
-                <a16:creationId xmlns:a16="http://schemas.microsoft.com/office/drawing/2014/main" id="{88576463-427A-4317-A151-A89066A37715}"/>
+                <a16:creationId xmlns:a16="http://schemas.microsoft.com/office/drawing/2014/main" id="{E39C5BA3-A28A-47CA-AD60-11EF4D46838E}"/>
               </a:ext>
             </a:extLst>
           </p:cNvPr>
@@ -7117,10 +7153,15 @@
             <a:spLocks noGrp="1"/>
           </p:cNvSpPr>
           <p:nvPr>
-            <p:ph idx="1"/>
-          </p:nvPr>
-        </p:nvSpPr>
-        <p:spPr/>
+            <p:ph sz="half" idx="1"/>
+          </p:nvPr>
+        </p:nvSpPr>
+        <p:spPr>
+          <a:xfrm>
+            <a:off x="1309511" y="2897186"/>
+            <a:ext cx="4986528" cy="2886076"/>
+          </a:xfrm>
+        </p:spPr>
         <p:txBody>
           <a:bodyPr>
             <a:normAutofit/>
@@ -7128,111 +7169,143 @@
           <a:lstStyle/>
           <a:p>
             <a:r>
+              <a:rPr lang="en-US" altLang="zh-CN" dirty="0">
+                <a:hlinkClick r:id="rId2"/>
+              </a:rPr>
+              <a:t>https://blog.csdn.net/weixin_43772810/article/details/120775594</a:t>
+            </a:r>
+            <a:endParaRPr lang="en-US" altLang="zh-CN" dirty="0"/>
+          </a:p>
+          <a:p>
+            <a:r>
+              <a:rPr lang="en-US" altLang="zh-CN" dirty="0"/>
+              <a:t>A0~A2 </a:t>
+            </a:r>
+            <a:r>
               <a:rPr lang="zh-CN" altLang="en-US" dirty="0"/>
-              <a:t>利用</a:t>
+              <a:t>输入，高电平有效，</a:t>
             </a:r>
             <a:r>
               <a:rPr lang="en-US" altLang="zh-CN" dirty="0"/>
-              <a:t>74HC595 </a:t>
-            </a:r>
-            <a:r>
-              <a:rPr lang="zh-CN" altLang="zh-CN" dirty="0"/>
-              <a:t>控制</a:t>
-            </a:r>
+              <a:t>A0</a:t>
+            </a:r>
+            <a:r>
+              <a:rPr lang="zh-CN" altLang="en-US" dirty="0"/>
+              <a:t>为最低有效位</a:t>
+            </a:r>
+            <a:endParaRPr lang="en-US" altLang="zh-CN" dirty="0"/>
+          </a:p>
+          <a:p>
             <a:r>
               <a:rPr lang="en-US" altLang="zh-CN" dirty="0"/>
-              <a:t>8 </a:t>
-            </a:r>
-            <a:r>
-              <a:rPr lang="zh-CN" altLang="zh-CN" dirty="0"/>
-              <a:t>个</a:t>
+              <a:t>E1~E3 </a:t>
+            </a:r>
+            <a:r>
+              <a:rPr lang="zh-CN" altLang="en-US" dirty="0"/>
+              <a:t>使能控制，</a:t>
             </a:r>
             <a:r>
               <a:rPr lang="en-US" altLang="zh-CN" dirty="0"/>
-              <a:t>LED</a:t>
-            </a:r>
-          </a:p>
-          <a:p>
+              <a:t>E1</a:t>
+            </a:r>
             <a:r>
               <a:rPr lang="zh-CN" altLang="en-US" dirty="0"/>
-              <a:t>实验器材</a:t>
+              <a:t>、</a:t>
+            </a:r>
+            <a:r>
+              <a:rPr lang="en-US" altLang="zh-CN" dirty="0"/>
+              <a:t>E2</a:t>
+            </a:r>
+            <a:r>
+              <a:rPr lang="zh-CN" altLang="en-US" dirty="0"/>
+              <a:t>低电平有效，</a:t>
+            </a:r>
+            <a:r>
+              <a:rPr lang="en-US" altLang="zh-CN" dirty="0"/>
+              <a:t>E3</a:t>
+            </a:r>
+            <a:r>
+              <a:rPr lang="zh-CN" altLang="en-US" dirty="0"/>
+              <a:t>高电平有效</a:t>
             </a:r>
             <a:endParaRPr lang="en-US" altLang="zh-CN" dirty="0"/>
           </a:p>
           <a:p>
-            <a:pPr lvl="1"/>
             <a:r>
               <a:rPr lang="en-US" altLang="zh-CN" dirty="0"/>
-              <a:t>74HC595 </a:t>
-            </a:r>
-            <a:r>
-              <a:rPr lang="zh-CN" altLang="zh-CN" dirty="0"/>
-              <a:t>直插芯片</a:t>
-            </a:r>
-            <a:r>
-              <a:rPr lang="en-US" altLang="zh-CN" dirty="0"/>
-              <a:t>*1 </a:t>
-            </a:r>
-            <a:endParaRPr lang="zh-CN" altLang="zh-CN" sz="1000" dirty="0"/>
-          </a:p>
-          <a:p>
-            <a:pPr lvl="1"/>
-            <a:r>
-              <a:rPr lang="zh-CN" altLang="zh-CN" dirty="0"/>
-              <a:t>红色</a:t>
-            </a:r>
-            <a:r>
-              <a:rPr lang="en-US" altLang="zh-CN" dirty="0"/>
-              <a:t>LED*4 </a:t>
-            </a:r>
-            <a:endParaRPr lang="zh-CN" altLang="zh-CN" sz="1000" dirty="0"/>
-          </a:p>
-          <a:p>
-            <a:pPr lvl="1"/>
-            <a:r>
-              <a:rPr lang="zh-CN" altLang="zh-CN" dirty="0"/>
-              <a:t>绿色</a:t>
-            </a:r>
-            <a:r>
-              <a:rPr lang="en-US" altLang="zh-CN" dirty="0"/>
-              <a:t>LED*4</a:t>
-            </a:r>
-            <a:endParaRPr lang="zh-CN" altLang="zh-CN" sz="1000" dirty="0"/>
-          </a:p>
-          <a:p>
-            <a:pPr lvl="1"/>
-            <a:r>
-              <a:rPr lang="en-US" altLang="zh-CN" dirty="0"/>
-              <a:t>220</a:t>
-            </a:r>
-            <a:r>
-              <a:rPr lang="zh-CN" altLang="zh-CN" dirty="0"/>
-              <a:t>Ω直插电阻</a:t>
-            </a:r>
-            <a:r>
-              <a:rPr lang="en-US" altLang="zh-CN" dirty="0"/>
-              <a:t>*8</a:t>
-            </a:r>
-            <a:endParaRPr lang="zh-CN" altLang="zh-CN" sz="1000" dirty="0"/>
-          </a:p>
-          <a:p>
-            <a:pPr lvl="1"/>
-            <a:r>
-              <a:rPr lang="zh-CN" altLang="zh-CN" dirty="0"/>
-              <a:t>面包板</a:t>
+              <a:t>Y0~Y7 </a:t>
             </a:r>
             <a:r>
               <a:rPr lang="zh-CN" altLang="en-US" dirty="0"/>
-              <a:t>及跳线</a:t>
-            </a:r>
-            <a:endParaRPr lang="zh-CN" altLang="zh-CN" sz="1000" dirty="0"/>
-          </a:p>
-        </p:txBody>
-      </p:sp>
+              <a:t>输出，低电平有效</a:t>
+            </a:r>
+            <a:endParaRPr lang="en-US" altLang="zh-CN" dirty="0"/>
+          </a:p>
+        </p:txBody>
+      </p:sp>
+      <p:pic>
+        <p:nvPicPr>
+          <p:cNvPr id="7" name="内容占位符 6">
+            <a:extLst>
+              <a:ext uri="{FF2B5EF4-FFF2-40B4-BE49-F238E27FC236}">
+                <a16:creationId xmlns:a16="http://schemas.microsoft.com/office/drawing/2014/main" id="{6FD51EFF-544F-036D-7163-ED7F5525CF54}"/>
+              </a:ext>
+            </a:extLst>
+          </p:cNvPr>
+          <p:cNvPicPr>
+            <a:picLocks noGrp="1" noChangeAspect="1"/>
+          </p:cNvPicPr>
+          <p:nvPr>
+            <p:ph sz="half" idx="2"/>
+          </p:nvPr>
+        </p:nvPicPr>
+        <p:blipFill>
+          <a:blip r:embed="rId3"/>
+          <a:stretch>
+            <a:fillRect/>
+          </a:stretch>
+        </p:blipFill>
+        <p:spPr>
+          <a:xfrm>
+            <a:off x="7408069" y="2897187"/>
+            <a:ext cx="3362325" cy="2886075"/>
+          </a:xfrm>
+        </p:spPr>
+      </p:pic>
+      <p:pic>
+        <p:nvPicPr>
+          <p:cNvPr id="4" name="图片 3">
+            <a:extLst>
+              <a:ext uri="{FF2B5EF4-FFF2-40B4-BE49-F238E27FC236}">
+                <a16:creationId xmlns:a16="http://schemas.microsoft.com/office/drawing/2014/main" id="{7D9EB8F1-8CFD-6BCC-E9E3-A176508D9501}"/>
+              </a:ext>
+            </a:extLst>
+          </p:cNvPr>
+          <p:cNvPicPr>
+            <a:picLocks noChangeAspect="1"/>
+          </p:cNvPicPr>
+          <p:nvPr/>
+        </p:nvPicPr>
+        <p:blipFill>
+          <a:blip r:embed="rId4"/>
+          <a:stretch>
+            <a:fillRect/>
+          </a:stretch>
+        </p:blipFill>
+        <p:spPr>
+          <a:xfrm>
+            <a:off x="6877686" y="7620"/>
+            <a:ext cx="3772535" cy="673100"/>
+          </a:xfrm>
+          <a:prstGeom prst="rect">
+            <a:avLst/>
+          </a:prstGeom>
+        </p:spPr>
+      </p:pic>
     </p:spTree>
     <p:extLst>
       <p:ext uri="{BB962C8B-B14F-4D97-AF65-F5344CB8AC3E}">
-        <p14:creationId xmlns:p14="http://schemas.microsoft.com/office/powerpoint/2010/main" val="1779556343"/>
+        <p14:creationId xmlns:p14="http://schemas.microsoft.com/office/powerpoint/2010/main" val="254673585"/>
       </p:ext>
     </p:extLst>
   </p:cSld>
@@ -7273,10 +7346,10 @@
       </p:grpSpPr>
       <p:sp>
         <p:nvSpPr>
-          <p:cNvPr id="2" name="标题 1">
+          <p:cNvPr id="5" name="标题 4">
             <a:extLst>
               <a:ext uri="{FF2B5EF4-FFF2-40B4-BE49-F238E27FC236}">
-                <a16:creationId xmlns:a16="http://schemas.microsoft.com/office/drawing/2014/main" id="{EB17394E-7DB4-4A63-B56F-82905EAF1D83}"/>
+                <a16:creationId xmlns:a16="http://schemas.microsoft.com/office/drawing/2014/main" id="{4916516D-22D4-F270-7D64-D5D6755B9922}"/>
               </a:ext>
             </a:extLst>
           </p:cNvPr>
@@ -7287,56 +7360,80 @@
             <p:ph type="title"/>
           </p:nvPr>
         </p:nvSpPr>
-        <p:spPr/>
-        <p:txBody>
-          <a:bodyPr>
-            <a:normAutofit/>
-          </a:bodyPr>
+        <p:spPr>
+          <a:xfrm>
+            <a:off x="1309512" y="858837"/>
+            <a:ext cx="10272889" cy="1375316"/>
+          </a:xfrm>
+        </p:spPr>
+        <p:txBody>
+          <a:bodyPr/>
           <a:lstStyle/>
           <a:p>
             <a:r>
-              <a:rPr lang="zh-CN" altLang="en-US" sz="2800" dirty="0"/>
-              <a:t>原理图</a:t>
+              <a:rPr lang="en-US" altLang="zh-CN" dirty="0"/>
+              <a:t>74HC138 </a:t>
+            </a:r>
+            <a:r>
+              <a:rPr lang="zh-CN" altLang="en-US" dirty="0"/>
+              <a:t>演示</a:t>
             </a:r>
           </a:p>
         </p:txBody>
       </p:sp>
       <p:pic>
         <p:nvPicPr>
-          <p:cNvPr id="5" name="内容占位符 4">
+          <p:cNvPr id="1028" name="Picture 4">
             <a:extLst>
               <a:ext uri="{FF2B5EF4-FFF2-40B4-BE49-F238E27FC236}">
-                <a16:creationId xmlns:a16="http://schemas.microsoft.com/office/drawing/2014/main" id="{9DF4E95A-04AA-4971-AFEB-0BDC051A1F53}"/>
+                <a16:creationId xmlns:a16="http://schemas.microsoft.com/office/drawing/2014/main" id="{636B0DB4-2043-DF6F-FC0F-FE221EFE0FB3}"/>
               </a:ext>
             </a:extLst>
           </p:cNvPr>
           <p:cNvPicPr>
-            <a:picLocks noGrp="1" noChangeAspect="1"/>
+            <a:picLocks noGrp="1" noChangeAspect="1" noChangeArrowheads="1"/>
           </p:cNvPicPr>
           <p:nvPr>
             <p:ph idx="1"/>
           </p:nvPr>
         </p:nvPicPr>
         <p:blipFill>
-          <a:blip r:embed="rId2"/>
+          <a:blip r:embed="rId2">
+            <a:extLst>
+              <a:ext uri="{28A0092B-C50C-407E-A947-70E740481C1C}">
+                <a14:useLocalDpi xmlns:a14="http://schemas.microsoft.com/office/drawing/2010/main" val="0"/>
+              </a:ext>
+            </a:extLst>
+          </a:blip>
+          <a:srcRect/>
           <a:stretch>
             <a:fillRect/>
           </a:stretch>
         </p:blipFill>
-        <p:spPr>
+        <p:spPr bwMode="auto">
           <a:xfrm>
-            <a:off x="4305786" y="2667000"/>
-            <a:ext cx="4280515" cy="3332163"/>
+            <a:off x="2899889" y="2667000"/>
+            <a:ext cx="7092310" cy="3332163"/>
           </a:xfrm>
           <a:prstGeom prst="rect">
             <a:avLst/>
           </a:prstGeom>
+          <a:noFill/>
+          <a:extLst>
+            <a:ext uri="{909E8E84-426E-40DD-AFC4-6F175D3DCCD1}">
+              <a14:hiddenFill xmlns:a14="http://schemas.microsoft.com/office/drawing/2010/main">
+                <a:solidFill>
+                  <a:srgbClr val="FFFFFF"/>
+                </a:solidFill>
+              </a14:hiddenFill>
+            </a:ext>
+          </a:extLst>
         </p:spPr>
       </p:pic>
     </p:spTree>
     <p:extLst>
       <p:ext uri="{BB962C8B-B14F-4D97-AF65-F5344CB8AC3E}">
-        <p14:creationId xmlns:p14="http://schemas.microsoft.com/office/powerpoint/2010/main" val="476175797"/>
+        <p14:creationId xmlns:p14="http://schemas.microsoft.com/office/powerpoint/2010/main" val="235932949"/>
       </p:ext>
     </p:extLst>
   </p:cSld>
@@ -7380,7 +7477,7 @@
           <p:cNvPr id="2" name="标题 1">
             <a:extLst>
               <a:ext uri="{FF2B5EF4-FFF2-40B4-BE49-F238E27FC236}">
-                <a16:creationId xmlns:a16="http://schemas.microsoft.com/office/drawing/2014/main" id="{5D17F5F5-9D9B-4964-88D4-220972E4ABC5}"/>
+                <a16:creationId xmlns:a16="http://schemas.microsoft.com/office/drawing/2014/main" id="{DD26FA2A-E9BF-49D9-90F9-2178391B22CA}"/>
               </a:ext>
             </a:extLst>
           </p:cNvPr>
@@ -7389,6 +7486,43 @@
           </p:cNvSpPr>
           <p:nvPr>
             <p:ph type="title"/>
+          </p:nvPr>
+        </p:nvSpPr>
+        <p:spPr/>
+        <p:txBody>
+          <a:bodyPr/>
+          <a:lstStyle/>
+          <a:p>
+            <a:pPr algn="ctr"/>
+            <a:r>
+              <a:rPr lang="zh-CN" altLang="en-US" dirty="0"/>
+              <a:t>实验</a:t>
+            </a:r>
+            <a:r>
+              <a:rPr lang="en-US" altLang="zh-CN" dirty="0"/>
+              <a:t>16:3-8</a:t>
+            </a:r>
+            <a:r>
+              <a:rPr lang="zh-CN" altLang="en-US" dirty="0"/>
+              <a:t>译码器点灯实验</a:t>
+            </a:r>
+          </a:p>
+        </p:txBody>
+      </p:sp>
+      <p:sp>
+        <p:nvSpPr>
+          <p:cNvPr id="3" name="内容占位符 2">
+            <a:extLst>
+              <a:ext uri="{FF2B5EF4-FFF2-40B4-BE49-F238E27FC236}">
+                <a16:creationId xmlns:a16="http://schemas.microsoft.com/office/drawing/2014/main" id="{88576463-427A-4317-A151-A89066A37715}"/>
+              </a:ext>
+            </a:extLst>
+          </p:cNvPr>
+          <p:cNvSpPr>
+            <a:spLocks noGrp="1"/>
+          </p:cNvSpPr>
+          <p:nvPr>
+            <p:ph idx="1"/>
           </p:nvPr>
         </p:nvSpPr>
         <p:spPr/>
@@ -7399,27 +7533,136 @@
           <a:lstStyle/>
           <a:p>
             <a:r>
-              <a:rPr lang="zh-CN" altLang="en-US" sz="2800" dirty="0"/>
-              <a:t>实物图</a:t>
-            </a:r>
+              <a:rPr lang="zh-CN" altLang="en-US" dirty="0"/>
+              <a:t>利用</a:t>
+            </a:r>
+            <a:r>
+              <a:rPr lang="en-US" altLang="zh-CN" dirty="0"/>
+              <a:t>74HC595 </a:t>
+            </a:r>
+            <a:r>
+              <a:rPr lang="zh-CN" altLang="en-US" dirty="0"/>
+              <a:t>或 </a:t>
+            </a:r>
+            <a:r>
+              <a:rPr lang="en-US" altLang="zh-CN" dirty="0"/>
+              <a:t>74HC138 </a:t>
+            </a:r>
+            <a:r>
+              <a:rPr lang="zh-CN" altLang="zh-CN" dirty="0"/>
+              <a:t>控制</a:t>
+            </a:r>
+            <a:r>
+              <a:rPr lang="en-US" altLang="zh-CN" dirty="0"/>
+              <a:t>8 </a:t>
+            </a:r>
+            <a:r>
+              <a:rPr lang="zh-CN" altLang="zh-CN" dirty="0"/>
+              <a:t>个</a:t>
+            </a:r>
+            <a:r>
+              <a:rPr lang="en-US" altLang="zh-CN" dirty="0"/>
+              <a:t>LED</a:t>
+            </a:r>
+          </a:p>
+          <a:p>
+            <a:r>
+              <a:rPr lang="zh-CN" altLang="en-US" dirty="0"/>
+              <a:t>实验器材</a:t>
+            </a:r>
+            <a:endParaRPr lang="en-US" altLang="zh-CN" dirty="0"/>
+          </a:p>
+          <a:p>
+            <a:pPr lvl="1"/>
+            <a:r>
+              <a:rPr lang="en-US" altLang="zh-CN" dirty="0"/>
+              <a:t>74HC595 </a:t>
+            </a:r>
+            <a:r>
+              <a:rPr lang="zh-CN" altLang="en-US" dirty="0"/>
+              <a:t>或 </a:t>
+            </a:r>
+            <a:r>
+              <a:rPr lang="en-US" altLang="zh-CN" dirty="0"/>
+              <a:t>74HC138 </a:t>
+            </a:r>
+            <a:r>
+              <a:rPr lang="zh-CN" altLang="zh-CN" dirty="0"/>
+              <a:t>直插芯片</a:t>
+            </a:r>
+            <a:r>
+              <a:rPr lang="en-US" altLang="zh-CN" dirty="0"/>
+              <a:t>*1 </a:t>
+            </a:r>
+            <a:endParaRPr lang="zh-CN" altLang="zh-CN" sz="1000" dirty="0"/>
+          </a:p>
+          <a:p>
+            <a:pPr lvl="1"/>
+            <a:r>
+              <a:rPr lang="zh-CN" altLang="zh-CN" dirty="0"/>
+              <a:t>红色</a:t>
+            </a:r>
+            <a:r>
+              <a:rPr lang="en-US" altLang="zh-CN" dirty="0"/>
+              <a:t>LED*4 </a:t>
+            </a:r>
+            <a:endParaRPr lang="zh-CN" altLang="zh-CN" sz="1000" dirty="0"/>
+          </a:p>
+          <a:p>
+            <a:pPr lvl="1"/>
+            <a:r>
+              <a:rPr lang="zh-CN" altLang="zh-CN" dirty="0"/>
+              <a:t>绿色</a:t>
+            </a:r>
+            <a:r>
+              <a:rPr lang="en-US" altLang="zh-CN" dirty="0"/>
+              <a:t>LED*4</a:t>
+            </a:r>
+            <a:endParaRPr lang="zh-CN" altLang="zh-CN" sz="1000" dirty="0"/>
+          </a:p>
+          <a:p>
+            <a:pPr lvl="1"/>
+            <a:r>
+              <a:rPr lang="en-US" altLang="zh-CN" dirty="0"/>
+              <a:t>220</a:t>
+            </a:r>
+            <a:r>
+              <a:rPr lang="zh-CN" altLang="zh-CN" dirty="0"/>
+              <a:t>Ω直插电阻</a:t>
+            </a:r>
+            <a:r>
+              <a:rPr lang="en-US" altLang="zh-CN" dirty="0"/>
+              <a:t>*8</a:t>
+            </a:r>
+            <a:endParaRPr lang="zh-CN" altLang="zh-CN" sz="1000" dirty="0"/>
+          </a:p>
+          <a:p>
+            <a:pPr lvl="1"/>
+            <a:r>
+              <a:rPr lang="zh-CN" altLang="zh-CN" dirty="0"/>
+              <a:t>面包板</a:t>
+            </a:r>
+            <a:r>
+              <a:rPr lang="zh-CN" altLang="en-US" dirty="0"/>
+              <a:t>及跳线</a:t>
+            </a:r>
+            <a:endParaRPr lang="zh-CN" altLang="zh-CN" sz="1000" dirty="0"/>
           </a:p>
         </p:txBody>
       </p:sp>
       <p:pic>
         <p:nvPicPr>
-          <p:cNvPr id="5" name="内容占位符 4">
+          <p:cNvPr id="4" name="图片 3">
             <a:extLst>
               <a:ext uri="{FF2B5EF4-FFF2-40B4-BE49-F238E27FC236}">
-                <a16:creationId xmlns:a16="http://schemas.microsoft.com/office/drawing/2014/main" id="{7786BC35-C51E-44D3-9505-F5CCA22D1AAC}"/>
+                <a16:creationId xmlns:a16="http://schemas.microsoft.com/office/drawing/2014/main" id="{EEE2956E-AEFC-E7F0-3DC6-FB7F2E8E9C08}"/>
               </a:ext>
             </a:extLst>
           </p:cNvPr>
           <p:cNvPicPr>
-            <a:picLocks noGrp="1" noChangeAspect="1"/>
+            <a:picLocks noChangeAspect="1"/>
           </p:cNvPicPr>
-          <p:nvPr>
-            <p:ph idx="1"/>
-          </p:nvPr>
+          <p:nvPr/>
         </p:nvPicPr>
         <p:blipFill>
           <a:blip r:embed="rId2"/>
@@ -7429,8 +7672,8 @@
         </p:blipFill>
         <p:spPr>
           <a:xfrm>
-            <a:off x="4589143" y="2667000"/>
-            <a:ext cx="3713802" cy="3332163"/>
+            <a:off x="6877686" y="7620"/>
+            <a:ext cx="3772535" cy="673100"/>
           </a:xfrm>
           <a:prstGeom prst="rect">
             <a:avLst/>
@@ -7440,7 +7683,7 @@
     </p:spTree>
     <p:extLst>
       <p:ext uri="{BB962C8B-B14F-4D97-AF65-F5344CB8AC3E}">
-        <p14:creationId xmlns:p14="http://schemas.microsoft.com/office/powerpoint/2010/main" val="3703315657"/>
+        <p14:creationId xmlns:p14="http://schemas.microsoft.com/office/powerpoint/2010/main" val="1779556343"/>
       </p:ext>
     </p:extLst>
   </p:cSld>
@@ -7484,7 +7727,7 @@
           <p:cNvPr id="2" name="标题 1">
             <a:extLst>
               <a:ext uri="{FF2B5EF4-FFF2-40B4-BE49-F238E27FC236}">
-                <a16:creationId xmlns:a16="http://schemas.microsoft.com/office/drawing/2014/main" id="{9E7D0BED-6FAA-4C2B-A274-51C0266F2978}"/>
+                <a16:creationId xmlns:a16="http://schemas.microsoft.com/office/drawing/2014/main" id="{EB17394E-7DB4-4A63-B56F-82905EAF1D83}"/>
               </a:ext>
             </a:extLst>
           </p:cNvPr>
@@ -7497,100 +7740,33 @@
         </p:nvSpPr>
         <p:spPr/>
         <p:txBody>
-          <a:bodyPr/>
+          <a:bodyPr>
+            <a:normAutofit/>
+          </a:bodyPr>
           <a:lstStyle/>
           <a:p>
-            <a:pPr algn="ctr"/>
-            <a:r>
-              <a:rPr lang="zh-CN" altLang="en-US" dirty="0"/>
-              <a:t>光控灯</a:t>
-            </a:r>
-          </a:p>
-        </p:txBody>
-      </p:sp>
-      <p:sp>
-        <p:nvSpPr>
-          <p:cNvPr id="3" name="内容占位符 2">
+            <a:r>
+              <a:rPr lang="zh-CN" altLang="en-US" sz="2800" dirty="0"/>
+              <a:t>原理图</a:t>
+            </a:r>
+          </a:p>
+        </p:txBody>
+      </p:sp>
+      <p:pic>
+        <p:nvPicPr>
+          <p:cNvPr id="5" name="内容占位符 4">
             <a:extLst>
               <a:ext uri="{FF2B5EF4-FFF2-40B4-BE49-F238E27FC236}">
-                <a16:creationId xmlns:a16="http://schemas.microsoft.com/office/drawing/2014/main" id="{9F8E4961-0E22-47D0-83D7-218D51CF7CB1}"/>
+                <a16:creationId xmlns:a16="http://schemas.microsoft.com/office/drawing/2014/main" id="{9DF4E95A-04AA-4971-AFEB-0BDC051A1F53}"/>
               </a:ext>
             </a:extLst>
           </p:cNvPr>
-          <p:cNvSpPr>
-            <a:spLocks noGrp="1"/>
-          </p:cNvSpPr>
+          <p:cNvPicPr>
+            <a:picLocks noGrp="1" noChangeAspect="1"/>
+          </p:cNvPicPr>
           <p:nvPr>
             <p:ph idx="1"/>
           </p:nvPr>
-        </p:nvSpPr>
-        <p:spPr/>
-        <p:txBody>
-          <a:bodyPr/>
-          <a:lstStyle/>
-          <a:p>
-            <a:r>
-              <a:rPr lang="zh-CN" altLang="zh-CN" dirty="0"/>
-              <a:t>光敏电阻又称光导管，常用的制作材料为硫化镉，另外还有硒、硫化铝、硫化铅和硫化铋等材料。这些制作材料具有在特定波长的光照射下，其阻值迅速减小的特性。这是由于光照产生的载流子都参与导电，在外加电场的作用下作漂移运动，从而使光敏电阻器的阻值迅速下降。</a:t>
-            </a:r>
-          </a:p>
-          <a:p>
-            <a:r>
-              <a:rPr lang="zh-CN" altLang="zh-CN" dirty="0"/>
-              <a:t>特性：光照射时，射入光变强</a:t>
-            </a:r>
-            <a:r>
-              <a:rPr lang="zh-CN" altLang="en-US" dirty="0"/>
-              <a:t>，</a:t>
-            </a:r>
-            <a:r>
-              <a:rPr lang="zh-CN" altLang="zh-CN" dirty="0"/>
-              <a:t>电阻</a:t>
-            </a:r>
-            <a:r>
-              <a:rPr lang="en-US" altLang="zh-CN" dirty="0"/>
-              <a:t>  </a:t>
-            </a:r>
-            <a:r>
-              <a:rPr lang="zh-CN" altLang="zh-CN" dirty="0"/>
-              <a:t>减小，</a:t>
-            </a:r>
-            <a:endParaRPr lang="en-US" altLang="zh-CN" dirty="0"/>
-          </a:p>
-          <a:p>
-            <a:pPr marL="0" indent="0">
-              <a:buNone/>
-            </a:pPr>
-            <a:r>
-              <a:rPr lang="en-US" altLang="zh-CN" dirty="0"/>
-              <a:t>                    </a:t>
-            </a:r>
-            <a:r>
-              <a:rPr lang="zh-CN" altLang="zh-CN" dirty="0"/>
-              <a:t>射入光变弱，电阻增大</a:t>
-            </a:r>
-            <a:r>
-              <a:rPr lang="zh-CN" altLang="en-US" dirty="0"/>
-              <a:t>。</a:t>
-            </a:r>
-            <a:endParaRPr lang="zh-CN" altLang="zh-CN" dirty="0"/>
-          </a:p>
-          <a:p>
-            <a:endParaRPr lang="zh-CN" altLang="en-US" dirty="0"/>
-          </a:p>
-        </p:txBody>
-      </p:sp>
-      <p:pic>
-        <p:nvPicPr>
-          <p:cNvPr id="4" name="图片 3" descr="203523zjbxj9obpdkfdd78">
-            <a:extLst>
-              <a:ext uri="{FF2B5EF4-FFF2-40B4-BE49-F238E27FC236}">
-                <a16:creationId xmlns:a16="http://schemas.microsoft.com/office/drawing/2014/main" id="{CF498D7F-83BD-497A-9446-FB43306F66CE}"/>
-              </a:ext>
-            </a:extLst>
-          </p:cNvPr>
-          <p:cNvPicPr/>
-          <p:nvPr/>
         </p:nvPicPr>
         <p:blipFill>
           <a:blip r:embed="rId2"/>
@@ -7600,22 +7776,48 @@
         </p:blipFill>
         <p:spPr>
           <a:xfrm>
-            <a:off x="8399282" y="4298623"/>
-            <a:ext cx="2954518" cy="1701193"/>
+            <a:off x="4305786" y="2667000"/>
+            <a:ext cx="4280515" cy="3332163"/>
           </a:xfrm>
           <a:prstGeom prst="rect">
             <a:avLst/>
           </a:prstGeom>
-          <a:noFill/>
-          <a:ln w="9525">
-            <a:noFill/>
-          </a:ln>
+        </p:spPr>
+      </p:pic>
+      <p:pic>
+        <p:nvPicPr>
+          <p:cNvPr id="4" name="图片 3">
+            <a:extLst>
+              <a:ext uri="{FF2B5EF4-FFF2-40B4-BE49-F238E27FC236}">
+                <a16:creationId xmlns:a16="http://schemas.microsoft.com/office/drawing/2014/main" id="{482506FA-48F1-8FFE-36FA-BDF33218E9F9}"/>
+              </a:ext>
+            </a:extLst>
+          </p:cNvPr>
+          <p:cNvPicPr>
+            <a:picLocks noChangeAspect="1"/>
+          </p:cNvPicPr>
+          <p:nvPr/>
+        </p:nvPicPr>
+        <p:blipFill>
+          <a:blip r:embed="rId3"/>
+          <a:stretch>
+            <a:fillRect/>
+          </a:stretch>
+        </p:blipFill>
+        <p:spPr>
+          <a:xfrm>
+            <a:off x="6877686" y="7620"/>
+            <a:ext cx="3772535" cy="673100"/>
+          </a:xfrm>
+          <a:prstGeom prst="rect">
+            <a:avLst/>
+          </a:prstGeom>
         </p:spPr>
       </p:pic>
     </p:spTree>
     <p:extLst>
       <p:ext uri="{BB962C8B-B14F-4D97-AF65-F5344CB8AC3E}">
-        <p14:creationId xmlns:p14="http://schemas.microsoft.com/office/powerpoint/2010/main" val="3750386067"/>
+        <p14:creationId xmlns:p14="http://schemas.microsoft.com/office/powerpoint/2010/main" val="476175797"/>
       </p:ext>
     </p:extLst>
   </p:cSld>
@@ -7659,7 +7861,7 @@
           <p:cNvPr id="2" name="标题 1">
             <a:extLst>
               <a:ext uri="{FF2B5EF4-FFF2-40B4-BE49-F238E27FC236}">
-                <a16:creationId xmlns:a16="http://schemas.microsoft.com/office/drawing/2014/main" id="{B87BBEB3-2578-4996-BE2A-6735C5A5820A}"/>
+                <a16:creationId xmlns:a16="http://schemas.microsoft.com/office/drawing/2014/main" id="{5D17F5F5-9D9B-4964-88D4-220972E4ABC5}"/>
               </a:ext>
             </a:extLst>
           </p:cNvPr>
@@ -7672,126 +7874,84 @@
         </p:nvSpPr>
         <p:spPr/>
         <p:txBody>
-          <a:bodyPr/>
+          <a:bodyPr>
+            <a:normAutofit/>
+          </a:bodyPr>
           <a:lstStyle/>
           <a:p>
-            <a:pPr algn="ctr"/>
-            <a:r>
-              <a:rPr lang="zh-CN" altLang="en-US" dirty="0"/>
-              <a:t>实验</a:t>
-            </a:r>
-            <a:r>
-              <a:rPr lang="en-US" altLang="zh-CN" dirty="0"/>
-              <a:t>17</a:t>
-            </a:r>
-            <a:r>
-              <a:rPr lang="zh-CN" altLang="en-US" dirty="0"/>
-              <a:t>：光控实验</a:t>
-            </a:r>
-          </a:p>
-        </p:txBody>
-      </p:sp>
-      <p:sp>
-        <p:nvSpPr>
-          <p:cNvPr id="3" name="内容占位符 2">
+            <a:r>
+              <a:rPr lang="zh-CN" altLang="en-US" sz="2800" dirty="0"/>
+              <a:t>实物图</a:t>
+            </a:r>
+          </a:p>
+        </p:txBody>
+      </p:sp>
+      <p:pic>
+        <p:nvPicPr>
+          <p:cNvPr id="5" name="内容占位符 4">
             <a:extLst>
               <a:ext uri="{FF2B5EF4-FFF2-40B4-BE49-F238E27FC236}">
-                <a16:creationId xmlns:a16="http://schemas.microsoft.com/office/drawing/2014/main" id="{C89519D4-E615-43E4-8A60-CB25A9EAAD53}"/>
+                <a16:creationId xmlns:a16="http://schemas.microsoft.com/office/drawing/2014/main" id="{7786BC35-C51E-44D3-9505-F5CCA22D1AAC}"/>
               </a:ext>
             </a:extLst>
           </p:cNvPr>
-          <p:cNvSpPr>
-            <a:spLocks noGrp="1"/>
-          </p:cNvSpPr>
+          <p:cNvPicPr>
+            <a:picLocks noGrp="1" noChangeAspect="1"/>
+          </p:cNvPicPr>
           <p:nvPr>
             <p:ph idx="1"/>
           </p:nvPr>
-        </p:nvSpPr>
-        <p:spPr/>
-        <p:txBody>
-          <a:bodyPr/>
-          <a:lstStyle/>
-          <a:p>
-            <a:r>
-              <a:rPr lang="zh-CN" altLang="en-US" dirty="0"/>
-              <a:t>实验器材</a:t>
-            </a:r>
-            <a:endParaRPr lang="en-US" altLang="zh-CN" dirty="0"/>
-          </a:p>
-          <a:p>
-            <a:pPr lvl="1"/>
-            <a:r>
-              <a:rPr lang="zh-CN" altLang="zh-CN" dirty="0"/>
-              <a:t>光敏电阻</a:t>
-            </a:r>
-            <a:r>
-              <a:rPr lang="en-US" altLang="zh-CN" dirty="0"/>
-              <a:t>*1 </a:t>
-            </a:r>
-            <a:endParaRPr lang="zh-CN" altLang="zh-CN" sz="700" dirty="0"/>
-          </a:p>
-          <a:p>
-            <a:pPr lvl="1"/>
-            <a:r>
-              <a:rPr lang="zh-CN" altLang="zh-CN" dirty="0"/>
-              <a:t>红色</a:t>
-            </a:r>
-            <a:r>
-              <a:rPr lang="en-US" altLang="zh-CN" dirty="0"/>
-              <a:t>LED*1 </a:t>
-            </a:r>
-            <a:endParaRPr lang="zh-CN" altLang="zh-CN" sz="700" dirty="0"/>
-          </a:p>
-          <a:p>
-            <a:pPr lvl="1"/>
-            <a:r>
-              <a:rPr lang="en-US" altLang="zh-CN" dirty="0"/>
-              <a:t>10K</a:t>
-            </a:r>
-            <a:r>
-              <a:rPr lang="zh-CN" altLang="zh-CN" dirty="0"/>
-              <a:t>Ω电阻</a:t>
-            </a:r>
-            <a:r>
-              <a:rPr lang="en-US" altLang="zh-CN" dirty="0"/>
-              <a:t>*1</a:t>
-            </a:r>
-            <a:endParaRPr lang="zh-CN" altLang="zh-CN" sz="700" dirty="0"/>
-          </a:p>
-          <a:p>
-            <a:pPr lvl="1"/>
-            <a:r>
-              <a:rPr lang="en-US" altLang="zh-CN" dirty="0"/>
-              <a:t>220</a:t>
-            </a:r>
-            <a:r>
-              <a:rPr lang="zh-CN" altLang="zh-CN" dirty="0"/>
-              <a:t>Ω电阻</a:t>
-            </a:r>
-            <a:r>
-              <a:rPr lang="en-US" altLang="zh-CN" dirty="0"/>
-              <a:t>*1</a:t>
-            </a:r>
-            <a:endParaRPr lang="zh-CN" altLang="zh-CN" sz="700" dirty="0"/>
-          </a:p>
-          <a:p>
-            <a:pPr lvl="1"/>
-            <a:r>
-              <a:rPr lang="zh-CN" altLang="zh-CN" dirty="0"/>
-              <a:t>面包板</a:t>
-            </a:r>
-            <a:r>
-              <a:rPr lang="zh-CN" altLang="en-US" dirty="0"/>
-              <a:t>及跳线</a:t>
-            </a:r>
-            <a:endParaRPr lang="zh-CN" altLang="zh-CN" sz="1100" dirty="0"/>
-          </a:p>
-        </p:txBody>
-      </p:sp>
+        </p:nvPicPr>
+        <p:blipFill>
+          <a:blip r:embed="rId2"/>
+          <a:stretch>
+            <a:fillRect/>
+          </a:stretch>
+        </p:blipFill>
+        <p:spPr>
+          <a:xfrm>
+            <a:off x="4589143" y="2667000"/>
+            <a:ext cx="3713802" cy="3332163"/>
+          </a:xfrm>
+          <a:prstGeom prst="rect">
+            <a:avLst/>
+          </a:prstGeom>
+        </p:spPr>
+      </p:pic>
+      <p:pic>
+        <p:nvPicPr>
+          <p:cNvPr id="4" name="图片 3">
+            <a:extLst>
+              <a:ext uri="{FF2B5EF4-FFF2-40B4-BE49-F238E27FC236}">
+                <a16:creationId xmlns:a16="http://schemas.microsoft.com/office/drawing/2014/main" id="{FBDE9E21-2F27-DFDE-6A59-3DA6DC169C0E}"/>
+              </a:ext>
+            </a:extLst>
+          </p:cNvPr>
+          <p:cNvPicPr>
+            <a:picLocks noChangeAspect="1"/>
+          </p:cNvPicPr>
+          <p:nvPr/>
+        </p:nvPicPr>
+        <p:blipFill>
+          <a:blip r:embed="rId3"/>
+          <a:stretch>
+            <a:fillRect/>
+          </a:stretch>
+        </p:blipFill>
+        <p:spPr>
+          <a:xfrm>
+            <a:off x="6877686" y="7620"/>
+            <a:ext cx="3772535" cy="673100"/>
+          </a:xfrm>
+          <a:prstGeom prst="rect">
+            <a:avLst/>
+          </a:prstGeom>
+        </p:spPr>
+      </p:pic>
     </p:spTree>
     <p:extLst>
       <p:ext uri="{BB962C8B-B14F-4D97-AF65-F5344CB8AC3E}">
-        <p14:creationId xmlns:p14="http://schemas.microsoft.com/office/powerpoint/2010/main" val="167441169"/>
+        <p14:creationId xmlns:p14="http://schemas.microsoft.com/office/powerpoint/2010/main" val="3703315657"/>
       </p:ext>
     </p:extLst>
   </p:cSld>
@@ -7835,7 +7995,7 @@
           <p:cNvPr id="2" name="标题 1">
             <a:extLst>
               <a:ext uri="{FF2B5EF4-FFF2-40B4-BE49-F238E27FC236}">
-                <a16:creationId xmlns:a16="http://schemas.microsoft.com/office/drawing/2014/main" id="{EF752502-420F-4693-A943-BC9F03FB7724}"/>
+                <a16:creationId xmlns:a16="http://schemas.microsoft.com/office/drawing/2014/main" id="{9E7D0BED-6FAA-4C2B-A274-51C0266F2978}"/>
               </a:ext>
             </a:extLst>
           </p:cNvPr>
@@ -7848,33 +8008,100 @@
         </p:nvSpPr>
         <p:spPr/>
         <p:txBody>
-          <a:bodyPr>
-            <a:normAutofit/>
-          </a:bodyPr>
+          <a:bodyPr/>
           <a:lstStyle/>
           <a:p>
-            <a:r>
-              <a:rPr lang="zh-CN" altLang="en-US" sz="2800" dirty="0"/>
-              <a:t>实物图</a:t>
-            </a:r>
-          </a:p>
-        </p:txBody>
-      </p:sp>
-      <p:pic>
-        <p:nvPicPr>
-          <p:cNvPr id="5" name="内容占位符 4">
+            <a:pPr algn="ctr"/>
+            <a:r>
+              <a:rPr lang="zh-CN" altLang="en-US" dirty="0"/>
+              <a:t>光控灯</a:t>
+            </a:r>
+          </a:p>
+        </p:txBody>
+      </p:sp>
+      <p:sp>
+        <p:nvSpPr>
+          <p:cNvPr id="3" name="内容占位符 2">
             <a:extLst>
               <a:ext uri="{FF2B5EF4-FFF2-40B4-BE49-F238E27FC236}">
-                <a16:creationId xmlns:a16="http://schemas.microsoft.com/office/drawing/2014/main" id="{6B5E2774-A538-4DEF-8D67-1D5191FDFAC5}"/>
+                <a16:creationId xmlns:a16="http://schemas.microsoft.com/office/drawing/2014/main" id="{9F8E4961-0E22-47D0-83D7-218D51CF7CB1}"/>
               </a:ext>
             </a:extLst>
           </p:cNvPr>
-          <p:cNvPicPr>
-            <a:picLocks noGrp="1" noChangeAspect="1"/>
-          </p:cNvPicPr>
+          <p:cNvSpPr>
+            <a:spLocks noGrp="1"/>
+          </p:cNvSpPr>
           <p:nvPr>
             <p:ph idx="1"/>
           </p:nvPr>
+        </p:nvSpPr>
+        <p:spPr/>
+        <p:txBody>
+          <a:bodyPr/>
+          <a:lstStyle/>
+          <a:p>
+            <a:r>
+              <a:rPr lang="zh-CN" altLang="zh-CN" dirty="0"/>
+              <a:t>光敏电阻又称光导管，常用的制作材料为硫化镉，另外还有硒、硫化铝、硫化铅和硫化铋等材料。这些制作材料具有在特定波长的光照射下，其阻值迅速减小的特性。这是由于光照产生的载流子都参与导电，在外加电场的作用下作漂移运动，从而使光敏电阻器的阻值迅速下降。</a:t>
+            </a:r>
+          </a:p>
+          <a:p>
+            <a:r>
+              <a:rPr lang="zh-CN" altLang="zh-CN" dirty="0"/>
+              <a:t>特性：光照射时，射入光变强</a:t>
+            </a:r>
+            <a:r>
+              <a:rPr lang="zh-CN" altLang="en-US" dirty="0"/>
+              <a:t>，</a:t>
+            </a:r>
+            <a:r>
+              <a:rPr lang="zh-CN" altLang="zh-CN" dirty="0"/>
+              <a:t>电阻</a:t>
+            </a:r>
+            <a:r>
+              <a:rPr lang="en-US" altLang="zh-CN" dirty="0"/>
+              <a:t>  </a:t>
+            </a:r>
+            <a:r>
+              <a:rPr lang="zh-CN" altLang="zh-CN" dirty="0"/>
+              <a:t>减小，</a:t>
+            </a:r>
+            <a:endParaRPr lang="en-US" altLang="zh-CN" dirty="0"/>
+          </a:p>
+          <a:p>
+            <a:pPr marL="0" indent="0">
+              <a:buNone/>
+            </a:pPr>
+            <a:r>
+              <a:rPr lang="en-US" altLang="zh-CN" dirty="0"/>
+              <a:t>                    </a:t>
+            </a:r>
+            <a:r>
+              <a:rPr lang="zh-CN" altLang="zh-CN" dirty="0"/>
+              <a:t>射入光变弱，电阻增大</a:t>
+            </a:r>
+            <a:r>
+              <a:rPr lang="zh-CN" altLang="en-US" dirty="0"/>
+              <a:t>。</a:t>
+            </a:r>
+            <a:endParaRPr lang="zh-CN" altLang="zh-CN" dirty="0"/>
+          </a:p>
+          <a:p>
+            <a:endParaRPr lang="zh-CN" altLang="en-US" dirty="0"/>
+          </a:p>
+        </p:txBody>
+      </p:sp>
+      <p:pic>
+        <p:nvPicPr>
+          <p:cNvPr id="4" name="图片 3" descr="203523zjbxj9obpdkfdd78">
+            <a:extLst>
+              <a:ext uri="{FF2B5EF4-FFF2-40B4-BE49-F238E27FC236}">
+                <a16:creationId xmlns:a16="http://schemas.microsoft.com/office/drawing/2014/main" id="{CF498D7F-83BD-497A-9446-FB43306F66CE}"/>
+              </a:ext>
+            </a:extLst>
+          </p:cNvPr>
+          <p:cNvPicPr/>
+          <p:nvPr/>
         </p:nvPicPr>
         <p:blipFill>
           <a:blip r:embed="rId2"/>
@@ -7884,8 +8111,42 @@
         </p:blipFill>
         <p:spPr>
           <a:xfrm>
-            <a:off x="4964505" y="2667000"/>
-            <a:ext cx="2963077" cy="3332163"/>
+            <a:off x="8399282" y="4298623"/>
+            <a:ext cx="2954518" cy="1701193"/>
+          </a:xfrm>
+          <a:prstGeom prst="rect">
+            <a:avLst/>
+          </a:prstGeom>
+          <a:noFill/>
+          <a:ln w="9525">
+            <a:noFill/>
+          </a:ln>
+        </p:spPr>
+      </p:pic>
+      <p:pic>
+        <p:nvPicPr>
+          <p:cNvPr id="5" name="图片 4">
+            <a:extLst>
+              <a:ext uri="{FF2B5EF4-FFF2-40B4-BE49-F238E27FC236}">
+                <a16:creationId xmlns:a16="http://schemas.microsoft.com/office/drawing/2014/main" id="{94E87E2C-1EC3-D5D8-A363-A949755EA2CF}"/>
+              </a:ext>
+            </a:extLst>
+          </p:cNvPr>
+          <p:cNvPicPr>
+            <a:picLocks noChangeAspect="1"/>
+          </p:cNvPicPr>
+          <p:nvPr/>
+        </p:nvPicPr>
+        <p:blipFill>
+          <a:blip r:embed="rId3"/>
+          <a:stretch>
+            <a:fillRect/>
+          </a:stretch>
+        </p:blipFill>
+        <p:spPr>
+          <a:xfrm>
+            <a:off x="6877686" y="7620"/>
+            <a:ext cx="3772535" cy="673100"/>
           </a:xfrm>
           <a:prstGeom prst="rect">
             <a:avLst/>
@@ -7895,7 +8156,7 @@
     </p:spTree>
     <p:extLst>
       <p:ext uri="{BB962C8B-B14F-4D97-AF65-F5344CB8AC3E}">
-        <p14:creationId xmlns:p14="http://schemas.microsoft.com/office/powerpoint/2010/main" val="1863002030"/>
+        <p14:creationId xmlns:p14="http://schemas.microsoft.com/office/powerpoint/2010/main" val="3750386067"/>
       </p:ext>
     </p:extLst>
   </p:cSld>
@@ -7939,7 +8200,7 @@
           <p:cNvPr id="2" name="标题 1">
             <a:extLst>
               <a:ext uri="{FF2B5EF4-FFF2-40B4-BE49-F238E27FC236}">
-                <a16:creationId xmlns:a16="http://schemas.microsoft.com/office/drawing/2014/main" id="{AF1B85FA-2E01-429B-8771-DEA2E7DB3BC2}"/>
+                <a16:creationId xmlns:a16="http://schemas.microsoft.com/office/drawing/2014/main" id="{B87BBEB3-2578-4996-BE2A-6735C5A5820A}"/>
               </a:ext>
             </a:extLst>
           </p:cNvPr>
@@ -7957,18 +8218,17 @@
           <a:p>
             <a:pPr algn="ctr"/>
             <a:r>
+              <a:rPr lang="zh-CN" altLang="en-US" dirty="0"/>
+              <a:t>实验</a:t>
+            </a:r>
+            <a:r>
               <a:rPr lang="en-US" altLang="zh-CN" dirty="0"/>
-              <a:t>RGB</a:t>
+              <a:t>17</a:t>
             </a:r>
             <a:r>
               <a:rPr lang="zh-CN" altLang="en-US" dirty="0"/>
-              <a:t>三基色</a:t>
-            </a:r>
-            <a:r>
-              <a:rPr lang="en-US" altLang="zh-CN" dirty="0"/>
-              <a:t>LED</a:t>
-            </a:r>
-            <a:endParaRPr lang="zh-CN" altLang="en-US" dirty="0"/>
+              <a:t>：光控实验</a:t>
+            </a:r>
           </a:p>
         </p:txBody>
       </p:sp>
@@ -7977,7 +8237,7 @@
           <p:cNvPr id="3" name="内容占位符 2">
             <a:extLst>
               <a:ext uri="{FF2B5EF4-FFF2-40B4-BE49-F238E27FC236}">
-                <a16:creationId xmlns:a16="http://schemas.microsoft.com/office/drawing/2014/main" id="{36497081-4954-4308-9AEF-67EDC3BE0D59}"/>
+                <a16:creationId xmlns:a16="http://schemas.microsoft.com/office/drawing/2014/main" id="{C89519D4-E615-43E4-8A60-CB25A9EAAD53}"/>
               </a:ext>
             </a:extLst>
           </p:cNvPr>
@@ -7990,175 +8250,119 @@
         </p:nvSpPr>
         <p:spPr/>
         <p:txBody>
-          <a:bodyPr>
-            <a:normAutofit lnSpcReduction="10000"/>
-          </a:bodyPr>
+          <a:bodyPr/>
           <a:lstStyle/>
           <a:p>
             <a:r>
+              <a:rPr lang="zh-CN" altLang="en-US" dirty="0"/>
+              <a:t>实验器材</a:t>
+            </a:r>
+            <a:endParaRPr lang="en-US" altLang="zh-CN" dirty="0"/>
+          </a:p>
+          <a:p>
+            <a:pPr lvl="1"/>
+            <a:r>
               <a:rPr lang="zh-CN" altLang="zh-CN" dirty="0"/>
-              <a:t>三基色是指</a:t>
+              <a:t>光敏电阻</a:t>
             </a:r>
             <a:r>
               <a:rPr lang="en-US" altLang="zh-CN" dirty="0"/>
-              <a:t> RGB </a:t>
-            </a:r>
+              <a:t>*1 </a:t>
+            </a:r>
+            <a:endParaRPr lang="zh-CN" altLang="zh-CN" sz="700" dirty="0"/>
+          </a:p>
+          <a:p>
+            <a:pPr lvl="1"/>
             <a:r>
               <a:rPr lang="zh-CN" altLang="zh-CN" dirty="0"/>
-              <a:t>三种颜色，</a:t>
+              <a:t>红色</a:t>
             </a:r>
             <a:r>
               <a:rPr lang="en-US" altLang="zh-CN" dirty="0"/>
-              <a:t>R=Red</a:t>
+              <a:t>LED*1 </a:t>
+            </a:r>
+            <a:endParaRPr lang="zh-CN" altLang="zh-CN" sz="700" dirty="0"/>
+          </a:p>
+          <a:p>
+            <a:pPr lvl="1"/>
+            <a:r>
+              <a:rPr lang="en-US" altLang="zh-CN" dirty="0"/>
+              <a:t>10K</a:t>
             </a:r>
             <a:r>
               <a:rPr lang="zh-CN" altLang="zh-CN" dirty="0"/>
-              <a:t>，</a:t>
+              <a:t>Ω电阻</a:t>
             </a:r>
             <a:r>
               <a:rPr lang="en-US" altLang="zh-CN" dirty="0"/>
-              <a:t>G=Green</a:t>
+              <a:t>*1</a:t>
+            </a:r>
+            <a:endParaRPr lang="zh-CN" altLang="zh-CN" sz="700" dirty="0"/>
+          </a:p>
+          <a:p>
+            <a:pPr lvl="1"/>
+            <a:r>
+              <a:rPr lang="en-US" altLang="zh-CN" dirty="0"/>
+              <a:t>220</a:t>
             </a:r>
             <a:r>
               <a:rPr lang="zh-CN" altLang="zh-CN" dirty="0"/>
-              <a:t>，</a:t>
+              <a:t>Ω电阻</a:t>
             </a:r>
             <a:r>
               <a:rPr lang="en-US" altLang="zh-CN" dirty="0"/>
-              <a:t>B=Blue</a:t>
-            </a:r>
+              <a:t>*1</a:t>
+            </a:r>
+            <a:endParaRPr lang="zh-CN" altLang="zh-CN" sz="700" dirty="0"/>
+          </a:p>
+          <a:p>
+            <a:pPr lvl="1"/>
             <a:r>
               <a:rPr lang="zh-CN" altLang="zh-CN" dirty="0"/>
-              <a:t>，通过这三种颜色不同比例的混合，可以显示任何颜色</a:t>
+              <a:t>面包板</a:t>
             </a:r>
             <a:r>
               <a:rPr lang="zh-CN" altLang="en-US" dirty="0"/>
-              <a:t>。</a:t>
-            </a:r>
-            <a:endParaRPr lang="en-US" altLang="zh-CN" dirty="0"/>
-          </a:p>
-          <a:p>
-            <a:r>
-              <a:rPr lang="zh-CN" altLang="zh-CN" dirty="0"/>
-              <a:t>全彩的</a:t>
-            </a:r>
-            <a:r>
-              <a:rPr lang="en-US" altLang="zh-CN" dirty="0"/>
-              <a:t> LED </a:t>
-            </a:r>
-            <a:r>
-              <a:rPr lang="zh-CN" altLang="zh-CN" dirty="0"/>
-              <a:t>屏幕就是通过这种单个的</a:t>
-            </a:r>
-            <a:r>
-              <a:rPr lang="en-US" altLang="zh-CN" dirty="0"/>
-              <a:t> RGB </a:t>
-            </a:r>
-            <a:r>
-              <a:rPr lang="zh-CN" altLang="zh-CN" dirty="0"/>
-              <a:t>灯珠集成在一起做成的，一个</a:t>
-            </a:r>
-            <a:r>
-              <a:rPr lang="en-US" altLang="zh-CN" dirty="0"/>
-              <a:t> LED </a:t>
-            </a:r>
-            <a:r>
-              <a:rPr lang="zh-CN" altLang="zh-CN" dirty="0"/>
-              <a:t>就是一个像素，这个像素可以通过程序控制显示任何颜色、任何灰度</a:t>
-            </a:r>
-            <a:r>
-              <a:rPr lang="zh-CN" altLang="en-US" dirty="0"/>
-              <a:t>。</a:t>
-            </a:r>
-            <a:endParaRPr lang="en-US" altLang="zh-CN" dirty="0"/>
-          </a:p>
-          <a:p>
-            <a:r>
-              <a:rPr lang="zh-CN" altLang="zh-CN" dirty="0"/>
-              <a:t>使用</a:t>
-            </a:r>
-            <a:r>
-              <a:rPr lang="en-US" altLang="zh-CN" dirty="0"/>
-              <a:t> 1 </a:t>
-            </a:r>
-            <a:r>
-              <a:rPr lang="zh-CN" altLang="zh-CN" dirty="0"/>
-              <a:t>个单色 </a:t>
-            </a:r>
-            <a:r>
-              <a:rPr lang="en-US" altLang="zh-CN" dirty="0"/>
-              <a:t>LED</a:t>
-            </a:r>
-            <a:r>
-              <a:rPr lang="zh-CN" altLang="zh-CN" dirty="0"/>
-              <a:t>，主要功能是亮度变化，如果三种颜色都用</a:t>
-            </a:r>
-            <a:r>
-              <a:rPr lang="en-US" altLang="zh-CN" dirty="0"/>
-              <a:t> PWM </a:t>
-            </a:r>
-            <a:r>
-              <a:rPr lang="zh-CN" altLang="zh-CN" dirty="0"/>
-              <a:t>控制亮度，就可以混合出不同的比例</a:t>
-            </a:r>
-            <a:r>
-              <a:rPr lang="zh-CN" altLang="en-US" dirty="0"/>
-              <a:t>。</a:t>
-            </a:r>
-            <a:endParaRPr lang="en-US" altLang="zh-CN" dirty="0"/>
-          </a:p>
-          <a:p>
-            <a:r>
-              <a:rPr lang="zh-CN" altLang="zh-CN" dirty="0"/>
-              <a:t>既然三基色灯是</a:t>
-            </a:r>
-            <a:r>
-              <a:rPr lang="en-US" altLang="zh-CN" dirty="0"/>
-              <a:t> 3 </a:t>
-            </a:r>
-            <a:r>
-              <a:rPr lang="zh-CN" altLang="zh-CN" dirty="0"/>
-              <a:t>种颜色灯的组合，那么控制部分也就变得非常明确，</a:t>
-            </a:r>
-            <a:r>
-              <a:rPr lang="en-US" altLang="zh-CN" dirty="0"/>
-              <a:t>1 </a:t>
-            </a:r>
-            <a:r>
-              <a:rPr lang="zh-CN" altLang="zh-CN" dirty="0"/>
-              <a:t>种颜色用</a:t>
-            </a:r>
-            <a:r>
-              <a:rPr lang="en-US" altLang="zh-CN" dirty="0"/>
-              <a:t> 1 </a:t>
-            </a:r>
-            <a:r>
-              <a:rPr lang="zh-CN" altLang="zh-CN" dirty="0"/>
-              <a:t>路</a:t>
-            </a:r>
-            <a:r>
-              <a:rPr lang="en-US" altLang="zh-CN" dirty="0"/>
-              <a:t> PWM</a:t>
-            </a:r>
-            <a:r>
-              <a:rPr lang="zh-CN" altLang="zh-CN" dirty="0"/>
-              <a:t>，三种颜色就用三路</a:t>
-            </a:r>
-            <a:r>
-              <a:rPr lang="en-US" altLang="zh-CN" dirty="0"/>
-              <a:t> PWM</a:t>
-            </a:r>
-            <a:r>
-              <a:rPr lang="zh-CN" altLang="en-US" dirty="0"/>
-              <a:t>。</a:t>
-            </a:r>
-          </a:p>
-        </p:txBody>
-      </p:sp>
+              <a:t>及跳线</a:t>
+            </a:r>
+            <a:endParaRPr lang="zh-CN" altLang="zh-CN" sz="1100" dirty="0"/>
+          </a:p>
+        </p:txBody>
+      </p:sp>
+      <p:pic>
+        <p:nvPicPr>
+          <p:cNvPr id="4" name="图片 3">
+            <a:extLst>
+              <a:ext uri="{FF2B5EF4-FFF2-40B4-BE49-F238E27FC236}">
+                <a16:creationId xmlns:a16="http://schemas.microsoft.com/office/drawing/2014/main" id="{8FE2E510-E344-FB86-8121-4E2C9D9805B9}"/>
+              </a:ext>
+            </a:extLst>
+          </p:cNvPr>
+          <p:cNvPicPr>
+            <a:picLocks noChangeAspect="1"/>
+          </p:cNvPicPr>
+          <p:nvPr/>
+        </p:nvPicPr>
+        <p:blipFill>
+          <a:blip r:embed="rId2"/>
+          <a:stretch>
+            <a:fillRect/>
+          </a:stretch>
+        </p:blipFill>
+        <p:spPr>
+          <a:xfrm>
+            <a:off x="6877686" y="7620"/>
+            <a:ext cx="3772535" cy="673100"/>
+          </a:xfrm>
+          <a:prstGeom prst="rect">
+            <a:avLst/>
+          </a:prstGeom>
+        </p:spPr>
+      </p:pic>
     </p:spTree>
     <p:extLst>
       <p:ext uri="{BB962C8B-B14F-4D97-AF65-F5344CB8AC3E}">
-        <p14:creationId xmlns:p14="http://schemas.microsoft.com/office/powerpoint/2010/main" val="2903688124"/>
+        <p14:creationId xmlns:p14="http://schemas.microsoft.com/office/powerpoint/2010/main" val="167441169"/>
       </p:ext>
     </p:extLst>
   </p:cSld>
@@ -8202,7 +8406,7 @@
           <p:cNvPr id="2" name="标题 1">
             <a:extLst>
               <a:ext uri="{FF2B5EF4-FFF2-40B4-BE49-F238E27FC236}">
-                <a16:creationId xmlns:a16="http://schemas.microsoft.com/office/drawing/2014/main" id="{E48454E6-1F09-4CEE-91D7-0E3549A1EBCE}"/>
+                <a16:creationId xmlns:a16="http://schemas.microsoft.com/office/drawing/2014/main" id="{EF752502-420F-4693-A943-BC9F03FB7724}"/>
               </a:ext>
             </a:extLst>
           </p:cNvPr>
@@ -8215,217 +8419,56 @@
         </p:nvSpPr>
         <p:spPr/>
         <p:txBody>
-          <a:bodyPr/>
+          <a:bodyPr>
+            <a:normAutofit/>
+          </a:bodyPr>
           <a:lstStyle/>
           <a:p>
-            <a:pPr algn="ctr"/>
-            <a:r>
-              <a:rPr lang="en-US" altLang="zh-CN" dirty="0"/>
-              <a:t>RGB</a:t>
-            </a:r>
-            <a:r>
-              <a:rPr lang="zh-CN" altLang="en-US" dirty="0"/>
-              <a:t>三基色</a:t>
-            </a:r>
-            <a:r>
-              <a:rPr lang="en-US" altLang="zh-CN" dirty="0"/>
-              <a:t>LED</a:t>
-            </a:r>
-            <a:endParaRPr lang="zh-CN" altLang="en-US" dirty="0"/>
-          </a:p>
-        </p:txBody>
-      </p:sp>
-      <p:sp>
-        <p:nvSpPr>
-          <p:cNvPr id="3" name="内容占位符 2">
+            <a:r>
+              <a:rPr lang="zh-CN" altLang="en-US" sz="2800" dirty="0"/>
+              <a:t>实物图</a:t>
+            </a:r>
+          </a:p>
+        </p:txBody>
+      </p:sp>
+      <p:pic>
+        <p:nvPicPr>
+          <p:cNvPr id="5" name="内容占位符 4">
             <a:extLst>
               <a:ext uri="{FF2B5EF4-FFF2-40B4-BE49-F238E27FC236}">
-                <a16:creationId xmlns:a16="http://schemas.microsoft.com/office/drawing/2014/main" id="{67906A4E-AC44-42E4-A766-55459EB43F37}"/>
+                <a16:creationId xmlns:a16="http://schemas.microsoft.com/office/drawing/2014/main" id="{6B5E2774-A538-4DEF-8D67-1D5191FDFAC5}"/>
               </a:ext>
             </a:extLst>
           </p:cNvPr>
-          <p:cNvSpPr>
-            <a:spLocks noGrp="1"/>
-          </p:cNvSpPr>
+          <p:cNvPicPr>
+            <a:picLocks noGrp="1" noChangeAspect="1"/>
+          </p:cNvPicPr>
           <p:nvPr>
             <p:ph idx="1"/>
           </p:nvPr>
-        </p:nvSpPr>
-        <p:spPr/>
-        <p:txBody>
-          <a:bodyPr>
-            <a:normAutofit fontScale="92500" lnSpcReduction="10000"/>
-          </a:bodyPr>
-          <a:lstStyle/>
-          <a:p>
-            <a:r>
-              <a:rPr lang="en-US" altLang="zh-CN" dirty="0"/>
-              <a:t>RGB</a:t>
-            </a:r>
-            <a:r>
-              <a:rPr lang="zh-CN" altLang="zh-CN" dirty="0"/>
-              <a:t>也分共阳和共阴，</a:t>
-            </a:r>
-            <a:r>
-              <a:rPr lang="en-US" altLang="zh-CN" dirty="0"/>
-              <a:t>LED </a:t>
-            </a:r>
-            <a:r>
-              <a:rPr lang="zh-CN" altLang="zh-CN" dirty="0"/>
-              <a:t>一共</a:t>
-            </a:r>
-            <a:r>
-              <a:rPr lang="en-US" altLang="zh-CN" dirty="0"/>
-              <a:t> 4 </a:t>
-            </a:r>
-            <a:r>
-              <a:rPr lang="zh-CN" altLang="zh-CN" dirty="0"/>
-              <a:t>个有效引脚，</a:t>
-            </a:r>
-            <a:r>
-              <a:rPr lang="en-US" altLang="zh-CN" dirty="0"/>
-              <a:t>1 </a:t>
-            </a:r>
-            <a:r>
-              <a:rPr lang="zh-CN" altLang="zh-CN" dirty="0"/>
-              <a:t>个公共端，另外</a:t>
-            </a:r>
-            <a:r>
-              <a:rPr lang="en-US" altLang="zh-CN" dirty="0"/>
-              <a:t> 3 </a:t>
-            </a:r>
-            <a:r>
-              <a:rPr lang="zh-CN" altLang="zh-CN" dirty="0"/>
-              <a:t>个是三种</a:t>
-            </a:r>
-            <a:r>
-              <a:rPr lang="zh-CN" altLang="en-US" dirty="0"/>
-              <a:t>不同</a:t>
-            </a:r>
-            <a:r>
-              <a:rPr lang="zh-CN" altLang="zh-CN" dirty="0"/>
-              <a:t>颜色端</a:t>
-            </a:r>
-            <a:r>
-              <a:rPr lang="zh-CN" altLang="en-US" dirty="0"/>
-              <a:t>口</a:t>
-            </a:r>
-            <a:endParaRPr lang="en-US" altLang="zh-CN" dirty="0"/>
-          </a:p>
-          <a:p>
-            <a:r>
-              <a:rPr lang="zh-CN" altLang="zh-CN" dirty="0"/>
-              <a:t>模块有</a:t>
-            </a:r>
-            <a:r>
-              <a:rPr lang="en-US" altLang="zh-CN" dirty="0"/>
-              <a:t>3</a:t>
-            </a:r>
-            <a:r>
-              <a:rPr lang="zh-CN" altLang="zh-CN" dirty="0"/>
-              <a:t>个输出</a:t>
-            </a:r>
-          </a:p>
-          <a:p>
-            <a:pPr lvl="1"/>
-            <a:r>
-              <a:rPr lang="en-US" altLang="zh-CN" dirty="0"/>
-              <a:t>1. R</a:t>
-            </a:r>
-            <a:r>
-              <a:rPr lang="zh-CN" altLang="zh-CN" dirty="0"/>
-              <a:t>，红色输出</a:t>
-            </a:r>
-            <a:r>
-              <a:rPr lang="en-US" altLang="zh-CN" dirty="0"/>
-              <a:t>,</a:t>
-            </a:r>
-            <a:endParaRPr lang="zh-CN" altLang="zh-CN" dirty="0"/>
-          </a:p>
-          <a:p>
-            <a:pPr lvl="1"/>
-            <a:r>
-              <a:rPr lang="en-US" altLang="zh-CN" dirty="0"/>
-              <a:t>2. G</a:t>
-            </a:r>
-            <a:r>
-              <a:rPr lang="zh-CN" altLang="zh-CN" dirty="0"/>
-              <a:t>，绿色输出</a:t>
-            </a:r>
-            <a:r>
-              <a:rPr lang="en-US" altLang="zh-CN" dirty="0"/>
-              <a:t>,</a:t>
-            </a:r>
-            <a:endParaRPr lang="zh-CN" altLang="zh-CN" dirty="0"/>
-          </a:p>
-          <a:p>
-            <a:pPr lvl="1"/>
-            <a:r>
-              <a:rPr lang="en-US" altLang="zh-CN" dirty="0"/>
-              <a:t>3. B</a:t>
-            </a:r>
-            <a:r>
-              <a:rPr lang="zh-CN" altLang="zh-CN" dirty="0"/>
-              <a:t>，蓝色输出</a:t>
-            </a:r>
-            <a:r>
-              <a:rPr lang="en-US" altLang="zh-CN" dirty="0"/>
-              <a:t>.</a:t>
-            </a:r>
-            <a:endParaRPr lang="zh-CN" altLang="zh-CN" dirty="0"/>
-          </a:p>
-          <a:p>
-            <a:r>
-              <a:rPr lang="zh-CN" altLang="zh-CN" dirty="0"/>
-              <a:t>模块特点</a:t>
-            </a:r>
-          </a:p>
-          <a:p>
-            <a:pPr lvl="1"/>
-            <a:r>
-              <a:rPr lang="en-US" altLang="zh-CN" dirty="0"/>
-              <a:t>3</a:t>
-            </a:r>
-            <a:r>
-              <a:rPr lang="zh-CN" altLang="zh-CN" dirty="0"/>
-              <a:t>组信号输出，可通过单片机编程实现</a:t>
-            </a:r>
-            <a:r>
-              <a:rPr lang="en-US" altLang="zh-CN" dirty="0"/>
-              <a:t>R</a:t>
-            </a:r>
-            <a:r>
-              <a:rPr lang="zh-CN" altLang="zh-CN" dirty="0"/>
-              <a:t>，</a:t>
-            </a:r>
-            <a:r>
-              <a:rPr lang="en-US" altLang="zh-CN" dirty="0"/>
-              <a:t>G</a:t>
-            </a:r>
-            <a:r>
-              <a:rPr lang="zh-CN" altLang="zh-CN" dirty="0"/>
-              <a:t>，</a:t>
-            </a:r>
-            <a:r>
-              <a:rPr lang="en-US" altLang="zh-CN" dirty="0"/>
-              <a:t>B</a:t>
-            </a:r>
-            <a:r>
-              <a:rPr lang="zh-CN" altLang="zh-CN" dirty="0"/>
-              <a:t>三种颜色的混合达到全彩的效果，</a:t>
-            </a:r>
-          </a:p>
-          <a:p>
-            <a:endParaRPr lang="zh-CN" altLang="en-US" dirty="0"/>
-          </a:p>
-        </p:txBody>
-      </p:sp>
+        </p:nvPicPr>
+        <p:blipFill>
+          <a:blip r:embed="rId2"/>
+          <a:stretch>
+            <a:fillRect/>
+          </a:stretch>
+        </p:blipFill>
+        <p:spPr>
+          <a:xfrm>
+            <a:off x="4964505" y="2667000"/>
+            <a:ext cx="2963077" cy="3332163"/>
+          </a:xfrm>
+          <a:prstGeom prst="rect">
+            <a:avLst/>
+          </a:prstGeom>
+        </p:spPr>
+      </p:pic>
       <p:pic>
         <p:nvPicPr>
           <p:cNvPr id="4" name="图片 3">
             <a:extLst>
               <a:ext uri="{FF2B5EF4-FFF2-40B4-BE49-F238E27FC236}">
-                <a16:creationId xmlns:a16="http://schemas.microsoft.com/office/drawing/2014/main" id="{9169CC8F-0FE4-4AB7-B799-39A53B1D0328}"/>
+                <a16:creationId xmlns:a16="http://schemas.microsoft.com/office/drawing/2014/main" id="{D732819E-2E94-3D73-CD02-9B4FFD66FAB2}"/>
               </a:ext>
             </a:extLst>
           </p:cNvPr>
@@ -8435,15 +8478,15 @@
           <p:nvPr/>
         </p:nvPicPr>
         <p:blipFill>
-          <a:blip r:embed="rId2"/>
+          <a:blip r:embed="rId3"/>
           <a:stretch>
             <a:fillRect/>
           </a:stretch>
         </p:blipFill>
         <p:spPr>
           <a:xfrm>
-            <a:off x="7961216" y="3172475"/>
-            <a:ext cx="2286198" cy="1944793"/>
+            <a:off x="6877686" y="7620"/>
+            <a:ext cx="3772535" cy="673100"/>
           </a:xfrm>
           <a:prstGeom prst="rect">
             <a:avLst/>
@@ -8453,7 +8496,7 @@
     </p:spTree>
     <p:extLst>
       <p:ext uri="{BB962C8B-B14F-4D97-AF65-F5344CB8AC3E}">
-        <p14:creationId xmlns:p14="http://schemas.microsoft.com/office/powerpoint/2010/main" val="3783533767"/>
+        <p14:creationId xmlns:p14="http://schemas.microsoft.com/office/powerpoint/2010/main" val="1863002030"/>
       </p:ext>
     </p:extLst>
   </p:cSld>
@@ -8497,7 +8540,7 @@
           <p:cNvPr id="2" name="标题 1">
             <a:extLst>
               <a:ext uri="{FF2B5EF4-FFF2-40B4-BE49-F238E27FC236}">
-                <a16:creationId xmlns:a16="http://schemas.microsoft.com/office/drawing/2014/main" id="{50B8F9BB-F17F-4BC3-B88A-E8C183C8030C}"/>
+                <a16:creationId xmlns:a16="http://schemas.microsoft.com/office/drawing/2014/main" id="{AF1B85FA-2E01-429B-8771-DEA2E7DB3BC2}"/>
               </a:ext>
             </a:extLst>
           </p:cNvPr>
@@ -8515,17 +8558,18 @@
           <a:p>
             <a:pPr algn="ctr"/>
             <a:r>
+              <a:rPr lang="en-US" altLang="zh-CN" dirty="0"/>
+              <a:t>RGB</a:t>
+            </a:r>
+            <a:r>
               <a:rPr lang="zh-CN" altLang="en-US" dirty="0"/>
-              <a:t>实验</a:t>
+              <a:t>三基色</a:t>
             </a:r>
             <a:r>
               <a:rPr lang="en-US" altLang="zh-CN" dirty="0"/>
-              <a:t>18</a:t>
-            </a:r>
-            <a:r>
-              <a:rPr lang="zh-CN" altLang="en-US" dirty="0"/>
-              <a:t>：显示七彩色</a:t>
-            </a:r>
+              <a:t>LED</a:t>
+            </a:r>
+            <a:endParaRPr lang="zh-CN" altLang="en-US" dirty="0"/>
           </a:p>
         </p:txBody>
       </p:sp>
@@ -8534,7 +8578,7 @@
           <p:cNvPr id="3" name="内容占位符 2">
             <a:extLst>
               <a:ext uri="{FF2B5EF4-FFF2-40B4-BE49-F238E27FC236}">
-                <a16:creationId xmlns:a16="http://schemas.microsoft.com/office/drawing/2014/main" id="{C21081C3-C2CB-4249-9147-408E1099AF61}"/>
+                <a16:creationId xmlns:a16="http://schemas.microsoft.com/office/drawing/2014/main" id="{36497081-4954-4308-9AEF-67EDC3BE0D59}"/>
               </a:ext>
             </a:extLst>
           </p:cNvPr>
@@ -8547,35 +8591,205 @@
         </p:nvSpPr>
         <p:spPr/>
         <p:txBody>
-          <a:bodyPr/>
+          <a:bodyPr>
+            <a:normAutofit lnSpcReduction="10000"/>
+          </a:bodyPr>
           <a:lstStyle/>
           <a:p>
-            <a:pPr marL="457200" indent="-457200">
-              <a:buFont typeface="+mj-lt"/>
-              <a:buAutoNum type="arabicPeriod"/>
-            </a:pPr>
+            <a:r>
+              <a:rPr lang="zh-CN" altLang="zh-CN" dirty="0"/>
+              <a:t>三基色是指</a:t>
+            </a:r>
+            <a:r>
+              <a:rPr lang="en-US" altLang="zh-CN" dirty="0"/>
+              <a:t> RGB </a:t>
+            </a:r>
+            <a:r>
+              <a:rPr lang="zh-CN" altLang="zh-CN" dirty="0"/>
+              <a:t>三种颜色，</a:t>
+            </a:r>
+            <a:r>
+              <a:rPr lang="en-US" altLang="zh-CN" dirty="0"/>
+              <a:t>R=Red</a:t>
+            </a:r>
+            <a:r>
+              <a:rPr lang="zh-CN" altLang="zh-CN" dirty="0"/>
+              <a:t>，</a:t>
+            </a:r>
+            <a:r>
+              <a:rPr lang="en-US" altLang="zh-CN" dirty="0"/>
+              <a:t>G=Green</a:t>
+            </a:r>
+            <a:r>
+              <a:rPr lang="zh-CN" altLang="zh-CN" dirty="0"/>
+              <a:t>，</a:t>
+            </a:r>
+            <a:r>
+              <a:rPr lang="en-US" altLang="zh-CN" dirty="0"/>
+              <a:t>B=Blue</a:t>
+            </a:r>
+            <a:r>
+              <a:rPr lang="zh-CN" altLang="zh-CN" dirty="0"/>
+              <a:t>，通过这三种颜色不同比例的混合，可以显示任何颜色</a:t>
+            </a:r>
             <a:r>
               <a:rPr lang="zh-CN" altLang="en-US" dirty="0"/>
-              <a:t>显示三基色</a:t>
+              <a:t>。</a:t>
             </a:r>
             <a:endParaRPr lang="en-US" altLang="zh-CN" dirty="0"/>
           </a:p>
           <a:p>
-            <a:pPr marL="457200" indent="-457200">
-              <a:buFont typeface="+mj-lt"/>
-              <a:buAutoNum type="arabicPeriod"/>
-            </a:pPr>
+            <a:r>
+              <a:rPr lang="zh-CN" altLang="zh-CN" dirty="0"/>
+              <a:t>全彩的</a:t>
+            </a:r>
+            <a:r>
+              <a:rPr lang="en-US" altLang="zh-CN" dirty="0"/>
+              <a:t> LED </a:t>
+            </a:r>
+            <a:r>
+              <a:rPr lang="zh-CN" altLang="zh-CN" dirty="0"/>
+              <a:t>屏幕就是通过这种单个的</a:t>
+            </a:r>
+            <a:r>
+              <a:rPr lang="en-US" altLang="zh-CN" dirty="0"/>
+              <a:t> RGB </a:t>
+            </a:r>
+            <a:r>
+              <a:rPr lang="zh-CN" altLang="zh-CN" dirty="0"/>
+              <a:t>灯珠集成在一起做成的，一个</a:t>
+            </a:r>
+            <a:r>
+              <a:rPr lang="en-US" altLang="zh-CN" dirty="0"/>
+              <a:t> LED </a:t>
+            </a:r>
+            <a:r>
+              <a:rPr lang="zh-CN" altLang="zh-CN" dirty="0"/>
+              <a:t>就是一个像素，这个像素可以通过程序控制显示任何颜色、任何灰度</a:t>
+            </a:r>
             <a:r>
               <a:rPr lang="zh-CN" altLang="en-US" dirty="0"/>
-              <a:t>显示七彩色</a:t>
-            </a:r>
-          </a:p>
-        </p:txBody>
-      </p:sp>
+              <a:t>。</a:t>
+            </a:r>
+            <a:endParaRPr lang="en-US" altLang="zh-CN" dirty="0"/>
+          </a:p>
+          <a:p>
+            <a:r>
+              <a:rPr lang="zh-CN" altLang="zh-CN" dirty="0"/>
+              <a:t>使用</a:t>
+            </a:r>
+            <a:r>
+              <a:rPr lang="en-US" altLang="zh-CN" dirty="0"/>
+              <a:t> 1 </a:t>
+            </a:r>
+            <a:r>
+              <a:rPr lang="zh-CN" altLang="zh-CN" dirty="0"/>
+              <a:t>个单色 </a:t>
+            </a:r>
+            <a:r>
+              <a:rPr lang="en-US" altLang="zh-CN" dirty="0"/>
+              <a:t>LED</a:t>
+            </a:r>
+            <a:r>
+              <a:rPr lang="zh-CN" altLang="zh-CN" dirty="0"/>
+              <a:t>，主要功能是亮度变化，如果三种颜色都用</a:t>
+            </a:r>
+            <a:r>
+              <a:rPr lang="en-US" altLang="zh-CN" dirty="0"/>
+              <a:t> PWM </a:t>
+            </a:r>
+            <a:r>
+              <a:rPr lang="zh-CN" altLang="zh-CN" dirty="0"/>
+              <a:t>控制亮度，就可以混合出不同的比例</a:t>
+            </a:r>
+            <a:r>
+              <a:rPr lang="zh-CN" altLang="en-US" dirty="0"/>
+              <a:t>。</a:t>
+            </a:r>
+            <a:endParaRPr lang="en-US" altLang="zh-CN" dirty="0"/>
+          </a:p>
+          <a:p>
+            <a:r>
+              <a:rPr lang="zh-CN" altLang="zh-CN" dirty="0"/>
+              <a:t>既然三基色灯是</a:t>
+            </a:r>
+            <a:r>
+              <a:rPr lang="en-US" altLang="zh-CN" dirty="0"/>
+              <a:t> 3 </a:t>
+            </a:r>
+            <a:r>
+              <a:rPr lang="zh-CN" altLang="zh-CN" dirty="0"/>
+              <a:t>种颜色灯的组合，那么控制部分也就变得非常明确，</a:t>
+            </a:r>
+            <a:r>
+              <a:rPr lang="en-US" altLang="zh-CN" dirty="0"/>
+              <a:t>1 </a:t>
+            </a:r>
+            <a:r>
+              <a:rPr lang="zh-CN" altLang="zh-CN" dirty="0"/>
+              <a:t>种颜色用</a:t>
+            </a:r>
+            <a:r>
+              <a:rPr lang="en-US" altLang="zh-CN" dirty="0"/>
+              <a:t> 1 </a:t>
+            </a:r>
+            <a:r>
+              <a:rPr lang="zh-CN" altLang="zh-CN" dirty="0"/>
+              <a:t>路</a:t>
+            </a:r>
+            <a:r>
+              <a:rPr lang="en-US" altLang="zh-CN" dirty="0"/>
+              <a:t> PWM</a:t>
+            </a:r>
+            <a:r>
+              <a:rPr lang="zh-CN" altLang="zh-CN" dirty="0"/>
+              <a:t>，三种颜色就用三路</a:t>
+            </a:r>
+            <a:r>
+              <a:rPr lang="en-US" altLang="zh-CN" dirty="0"/>
+              <a:t> PWM</a:t>
+            </a:r>
+            <a:r>
+              <a:rPr lang="zh-CN" altLang="en-US" dirty="0"/>
+              <a:t>。</a:t>
+            </a:r>
+          </a:p>
+        </p:txBody>
+      </p:sp>
+      <p:pic>
+        <p:nvPicPr>
+          <p:cNvPr id="4" name="图片 3">
+            <a:extLst>
+              <a:ext uri="{FF2B5EF4-FFF2-40B4-BE49-F238E27FC236}">
+                <a16:creationId xmlns:a16="http://schemas.microsoft.com/office/drawing/2014/main" id="{5155AAE7-1C04-8234-8083-0CB71ED60B88}"/>
+              </a:ext>
+            </a:extLst>
+          </p:cNvPr>
+          <p:cNvPicPr>
+            <a:picLocks noChangeAspect="1"/>
+          </p:cNvPicPr>
+          <p:nvPr/>
+        </p:nvPicPr>
+        <p:blipFill>
+          <a:blip r:embed="rId2"/>
+          <a:stretch>
+            <a:fillRect/>
+          </a:stretch>
+        </p:blipFill>
+        <p:spPr>
+          <a:xfrm>
+            <a:off x="6877686" y="7620"/>
+            <a:ext cx="3772535" cy="673100"/>
+          </a:xfrm>
+          <a:prstGeom prst="rect">
+            <a:avLst/>
+          </a:prstGeom>
+        </p:spPr>
+      </p:pic>
     </p:spTree>
     <p:extLst>
       <p:ext uri="{BB962C8B-B14F-4D97-AF65-F5344CB8AC3E}">
-        <p14:creationId xmlns:p14="http://schemas.microsoft.com/office/powerpoint/2010/main" val="2498476827"/>
+        <p14:creationId xmlns:p14="http://schemas.microsoft.com/office/powerpoint/2010/main" val="2903688124"/>
       </p:ext>
     </p:extLst>
   </p:cSld>
@@ -8619,7 +8833,7 @@
           <p:cNvPr id="2" name="标题 1">
             <a:extLst>
               <a:ext uri="{FF2B5EF4-FFF2-40B4-BE49-F238E27FC236}">
-                <a16:creationId xmlns:a16="http://schemas.microsoft.com/office/drawing/2014/main" id="{A976392F-0B18-4436-94E3-EF9ED7CEE7AB}"/>
+                <a16:creationId xmlns:a16="http://schemas.microsoft.com/office/drawing/2014/main" id="{E48454E6-1F09-4CEE-91D7-0E3549A1EBCE}"/>
               </a:ext>
             </a:extLst>
           </p:cNvPr>
@@ -8637,9 +8851,18 @@
           <a:p>
             <a:pPr algn="ctr"/>
             <a:r>
+              <a:rPr lang="en-US" altLang="zh-CN" dirty="0"/>
+              <a:t>RGB</a:t>
+            </a:r>
+            <a:r>
               <a:rPr lang="zh-CN" altLang="en-US" dirty="0"/>
-              <a:t>舵机</a:t>
-            </a:r>
+              <a:t>三基色</a:t>
+            </a:r>
+            <a:r>
+              <a:rPr lang="en-US" altLang="zh-CN" dirty="0"/>
+              <a:t>LED</a:t>
+            </a:r>
+            <a:endParaRPr lang="zh-CN" altLang="en-US" dirty="0"/>
           </a:p>
         </p:txBody>
       </p:sp>
@@ -8648,7 +8871,7 @@
           <p:cNvPr id="3" name="内容占位符 2">
             <a:extLst>
               <a:ext uri="{FF2B5EF4-FFF2-40B4-BE49-F238E27FC236}">
-                <a16:creationId xmlns:a16="http://schemas.microsoft.com/office/drawing/2014/main" id="{6ED24CE4-2393-40C1-A0B7-5D905E2454CC}"/>
+                <a16:creationId xmlns:a16="http://schemas.microsoft.com/office/drawing/2014/main" id="{67906A4E-AC44-42E4-A766-55459EB43F37}"/>
               </a:ext>
             </a:extLst>
           </p:cNvPr>
@@ -8662,57 +8885,236 @@
         <p:spPr/>
         <p:txBody>
           <a:bodyPr>
-            <a:normAutofit lnSpcReduction="10000"/>
+            <a:normAutofit fontScale="92500" lnSpcReduction="10000"/>
           </a:bodyPr>
           <a:lstStyle/>
           <a:p>
             <a:r>
+              <a:rPr lang="en-US" altLang="zh-CN" dirty="0"/>
+              <a:t>RGB</a:t>
+            </a:r>
+            <a:r>
               <a:rPr lang="zh-CN" altLang="zh-CN" dirty="0"/>
-              <a:t>舵机是用来控制舵的，比如轮船的方向舵，飞机的方向舵、升降舵等，这些都需要控制一定的角度，但并非需要连续旋转。所以一般舵机都是只能转动一定的角度，这里说的舵机主要应用于航模、车模和监控等多种领域</a:t>
+              <a:t>也分共阳和共阴，</a:t>
+            </a:r>
+            <a:r>
+              <a:rPr lang="en-US" altLang="zh-CN" dirty="0"/>
+              <a:t>LED </a:t>
+            </a:r>
+            <a:r>
+              <a:rPr lang="zh-CN" altLang="zh-CN" dirty="0"/>
+              <a:t>一共</a:t>
+            </a:r>
+            <a:r>
+              <a:rPr lang="en-US" altLang="zh-CN" dirty="0"/>
+              <a:t> 4 </a:t>
+            </a:r>
+            <a:r>
+              <a:rPr lang="zh-CN" altLang="zh-CN" dirty="0"/>
+              <a:t>个有效引脚，</a:t>
+            </a:r>
+            <a:r>
+              <a:rPr lang="en-US" altLang="zh-CN" dirty="0"/>
+              <a:t>1 </a:t>
+            </a:r>
+            <a:r>
+              <a:rPr lang="zh-CN" altLang="zh-CN" dirty="0"/>
+              <a:t>个公共端，另外</a:t>
+            </a:r>
+            <a:r>
+              <a:rPr lang="en-US" altLang="zh-CN" dirty="0"/>
+              <a:t> 3 </a:t>
+            </a:r>
+            <a:r>
+              <a:rPr lang="zh-CN" altLang="zh-CN" dirty="0"/>
+              <a:t>个是三种</a:t>
             </a:r>
             <a:r>
               <a:rPr lang="zh-CN" altLang="en-US" dirty="0"/>
-              <a:t>。</a:t>
+              <a:t>不同</a:t>
+            </a:r>
+            <a:r>
+              <a:rPr lang="zh-CN" altLang="zh-CN" dirty="0"/>
+              <a:t>颜色端</a:t>
+            </a:r>
+            <a:r>
+              <a:rPr lang="zh-CN" altLang="en-US" dirty="0"/>
+              <a:t>口</a:t>
             </a:r>
             <a:endParaRPr lang="en-US" altLang="zh-CN" dirty="0"/>
           </a:p>
           <a:p>
             <a:r>
               <a:rPr lang="zh-CN" altLang="zh-CN" dirty="0"/>
-              <a:t>舵机，又称为伺服马达，是一种具有闭环控制系统的机电结构。舵机内部是有直流电机，位置电位器和驱动反馈电路板组成，其工作原理是由控制器发出</a:t>
+              <a:t>模块有</a:t>
             </a:r>
             <a:r>
               <a:rPr lang="en-US" altLang="zh-CN" dirty="0"/>
-              <a:t>PWM</a:t>
+              <a:t>3</a:t>
             </a:r>
             <a:r>
               <a:rPr lang="zh-CN" altLang="zh-CN" dirty="0"/>
-              <a:t>（脉冲宽度调制）信号给舵机，经电路板上的</a:t>
-            </a:r>
+              <a:t>个输出</a:t>
+            </a:r>
+          </a:p>
+          <a:p>
+            <a:pPr lvl="1"/>
             <a:r>
               <a:rPr lang="en-US" altLang="zh-CN" dirty="0"/>
-              <a:t>IC</a:t>
+              <a:t>1. R</a:t>
             </a:r>
             <a:r>
               <a:rPr lang="zh-CN" altLang="zh-CN" dirty="0"/>
-              <a:t>处理后计算出转动方向，在驱动直流电机转动，透过减速齿轮将动力传至摆臂，同时由位置电位器（检测器）返回位置信号，判断是否已经到达设定位置，一般舵机只能旋转</a:t>
+              <a:t>，红色输出</a:t>
             </a:r>
             <a:r>
               <a:rPr lang="en-US" altLang="zh-CN" dirty="0"/>
-              <a:t>180</a:t>
+              <a:t>,</a:t>
+            </a:r>
+            <a:endParaRPr lang="zh-CN" altLang="zh-CN" dirty="0"/>
+          </a:p>
+          <a:p>
+            <a:pPr lvl="1"/>
+            <a:r>
+              <a:rPr lang="en-US" altLang="zh-CN" dirty="0"/>
+              <a:t>2. G</a:t>
             </a:r>
             <a:r>
               <a:rPr lang="zh-CN" altLang="zh-CN" dirty="0"/>
-              <a:t>度。</a:t>
-            </a:r>
+              <a:t>，绿色输出</a:t>
+            </a:r>
+            <a:r>
+              <a:rPr lang="en-US" altLang="zh-CN" dirty="0"/>
+              <a:t>,</a:t>
+            </a:r>
+            <a:endParaRPr lang="zh-CN" altLang="zh-CN" dirty="0"/>
+          </a:p>
+          <a:p>
+            <a:pPr lvl="1"/>
+            <a:r>
+              <a:rPr lang="en-US" altLang="zh-CN" dirty="0"/>
+              <a:t>3. B</a:t>
+            </a:r>
+            <a:r>
+              <a:rPr lang="zh-CN" altLang="zh-CN" dirty="0"/>
+              <a:t>，蓝色输出</a:t>
+            </a:r>
+            <a:r>
+              <a:rPr lang="en-US" altLang="zh-CN" dirty="0"/>
+              <a:t>.</a:t>
+            </a:r>
+            <a:endParaRPr lang="zh-CN" altLang="zh-CN" dirty="0"/>
+          </a:p>
+          <a:p>
+            <a:r>
+              <a:rPr lang="zh-CN" altLang="zh-CN" dirty="0"/>
+              <a:t>模块特点</a:t>
+            </a:r>
+          </a:p>
+          <a:p>
+            <a:pPr lvl="1"/>
+            <a:r>
+              <a:rPr lang="en-US" altLang="zh-CN" dirty="0"/>
+              <a:t>3</a:t>
+            </a:r>
+            <a:r>
+              <a:rPr lang="zh-CN" altLang="zh-CN" dirty="0"/>
+              <a:t>组信号输出，可通过单片机编程实现</a:t>
+            </a:r>
+            <a:r>
+              <a:rPr lang="en-US" altLang="zh-CN" dirty="0"/>
+              <a:t>R</a:t>
+            </a:r>
+            <a:r>
+              <a:rPr lang="zh-CN" altLang="zh-CN" dirty="0"/>
+              <a:t>，</a:t>
+            </a:r>
+            <a:r>
+              <a:rPr lang="en-US" altLang="zh-CN" dirty="0"/>
+              <a:t>G</a:t>
+            </a:r>
+            <a:r>
+              <a:rPr lang="zh-CN" altLang="zh-CN" dirty="0"/>
+              <a:t>，</a:t>
+            </a:r>
+            <a:r>
+              <a:rPr lang="en-US" altLang="zh-CN" dirty="0"/>
+              <a:t>B</a:t>
+            </a:r>
+            <a:r>
+              <a:rPr lang="zh-CN" altLang="zh-CN" dirty="0"/>
+              <a:t>三种颜色的混合达到全彩的效果，</a:t>
+            </a:r>
+          </a:p>
+          <a:p>
             <a:endParaRPr lang="zh-CN" altLang="en-US" dirty="0"/>
           </a:p>
         </p:txBody>
       </p:sp>
+      <p:pic>
+        <p:nvPicPr>
+          <p:cNvPr id="4" name="图片 3">
+            <a:extLst>
+              <a:ext uri="{FF2B5EF4-FFF2-40B4-BE49-F238E27FC236}">
+                <a16:creationId xmlns:a16="http://schemas.microsoft.com/office/drawing/2014/main" id="{9169CC8F-0FE4-4AB7-B799-39A53B1D0328}"/>
+              </a:ext>
+            </a:extLst>
+          </p:cNvPr>
+          <p:cNvPicPr>
+            <a:picLocks noChangeAspect="1"/>
+          </p:cNvPicPr>
+          <p:nvPr/>
+        </p:nvPicPr>
+        <p:blipFill>
+          <a:blip r:embed="rId2"/>
+          <a:stretch>
+            <a:fillRect/>
+          </a:stretch>
+        </p:blipFill>
+        <p:spPr>
+          <a:xfrm>
+            <a:off x="7961216" y="3172475"/>
+            <a:ext cx="2286198" cy="1944793"/>
+          </a:xfrm>
+          <a:prstGeom prst="rect">
+            <a:avLst/>
+          </a:prstGeom>
+        </p:spPr>
+      </p:pic>
+      <p:pic>
+        <p:nvPicPr>
+          <p:cNvPr id="5" name="图片 4">
+            <a:extLst>
+              <a:ext uri="{FF2B5EF4-FFF2-40B4-BE49-F238E27FC236}">
+                <a16:creationId xmlns:a16="http://schemas.microsoft.com/office/drawing/2014/main" id="{3F1501A2-AA2B-12A2-AD76-E5A895E81BBF}"/>
+              </a:ext>
+            </a:extLst>
+          </p:cNvPr>
+          <p:cNvPicPr>
+            <a:picLocks noChangeAspect="1"/>
+          </p:cNvPicPr>
+          <p:nvPr/>
+        </p:nvPicPr>
+        <p:blipFill>
+          <a:blip r:embed="rId3"/>
+          <a:stretch>
+            <a:fillRect/>
+          </a:stretch>
+        </p:blipFill>
+        <p:spPr>
+          <a:xfrm>
+            <a:off x="6877686" y="7620"/>
+            <a:ext cx="3772535" cy="673100"/>
+          </a:xfrm>
+          <a:prstGeom prst="rect">
+            <a:avLst/>
+          </a:prstGeom>
+        </p:spPr>
+      </p:pic>
     </p:spTree>
     <p:extLst>
       <p:ext uri="{BB962C8B-B14F-4D97-AF65-F5344CB8AC3E}">
-        <p14:creationId xmlns:p14="http://schemas.microsoft.com/office/powerpoint/2010/main" val="1749902172"/>
+        <p14:creationId xmlns:p14="http://schemas.microsoft.com/office/powerpoint/2010/main" val="3783533767"/>
       </p:ext>
     </p:extLst>
   </p:cSld>
@@ -8819,6 +9221,36 @@
           </a:p>
         </p:txBody>
       </p:sp>
+      <p:pic>
+        <p:nvPicPr>
+          <p:cNvPr id="4" name="图片 3">
+            <a:extLst>
+              <a:ext uri="{FF2B5EF4-FFF2-40B4-BE49-F238E27FC236}">
+                <a16:creationId xmlns:a16="http://schemas.microsoft.com/office/drawing/2014/main" id="{6CF09FBE-36F6-3A35-0AEA-F4537453D2B0}"/>
+              </a:ext>
+            </a:extLst>
+          </p:cNvPr>
+          <p:cNvPicPr>
+            <a:picLocks noChangeAspect="1"/>
+          </p:cNvPicPr>
+          <p:nvPr/>
+        </p:nvPicPr>
+        <p:blipFill>
+          <a:blip r:embed="rId3"/>
+          <a:stretch>
+            <a:fillRect/>
+          </a:stretch>
+        </p:blipFill>
+        <p:spPr>
+          <a:xfrm>
+            <a:off x="6877686" y="7620"/>
+            <a:ext cx="3772535" cy="673100"/>
+          </a:xfrm>
+          <a:prstGeom prst="rect">
+            <a:avLst/>
+          </a:prstGeom>
+        </p:spPr>
+      </p:pic>
     </p:spTree>
     <p:extLst>
       <p:ext uri="{BB962C8B-B14F-4D97-AF65-F5344CB8AC3E}">
@@ -8845,6 +9277,325 @@
 </file>
 
 <file path=ppt/slides/slide20.xml><?xml version="1.0" encoding="utf-8"?>
+<p:sld xmlns:a="http://schemas.openxmlformats.org/drawingml/2006/main" xmlns:r="http://schemas.openxmlformats.org/officeDocument/2006/relationships" xmlns:p="http://schemas.openxmlformats.org/presentationml/2006/main">
+  <p:cSld>
+    <p:spTree>
+      <p:nvGrpSpPr>
+        <p:cNvPr id="1" name=""/>
+        <p:cNvGrpSpPr/>
+        <p:nvPr/>
+      </p:nvGrpSpPr>
+      <p:grpSpPr>
+        <a:xfrm>
+          <a:off x="0" y="0"/>
+          <a:ext cx="0" cy="0"/>
+          <a:chOff x="0" y="0"/>
+          <a:chExt cx="0" cy="0"/>
+        </a:xfrm>
+      </p:grpSpPr>
+      <p:sp>
+        <p:nvSpPr>
+          <p:cNvPr id="2" name="标题 1">
+            <a:extLst>
+              <a:ext uri="{FF2B5EF4-FFF2-40B4-BE49-F238E27FC236}">
+                <a16:creationId xmlns:a16="http://schemas.microsoft.com/office/drawing/2014/main" id="{50B8F9BB-F17F-4BC3-B88A-E8C183C8030C}"/>
+              </a:ext>
+            </a:extLst>
+          </p:cNvPr>
+          <p:cNvSpPr>
+            <a:spLocks noGrp="1"/>
+          </p:cNvSpPr>
+          <p:nvPr>
+            <p:ph type="title"/>
+          </p:nvPr>
+        </p:nvSpPr>
+        <p:spPr/>
+        <p:txBody>
+          <a:bodyPr/>
+          <a:lstStyle/>
+          <a:p>
+            <a:pPr algn="ctr"/>
+            <a:r>
+              <a:rPr lang="zh-CN" altLang="en-US" dirty="0"/>
+              <a:t>实验</a:t>
+            </a:r>
+            <a:r>
+              <a:rPr lang="en-US" altLang="zh-CN" dirty="0"/>
+              <a:t>18</a:t>
+            </a:r>
+            <a:r>
+              <a:rPr lang="zh-CN" altLang="en-US" dirty="0"/>
+              <a:t>：显示七彩色</a:t>
+            </a:r>
+          </a:p>
+        </p:txBody>
+      </p:sp>
+      <p:sp>
+        <p:nvSpPr>
+          <p:cNvPr id="3" name="内容占位符 2">
+            <a:extLst>
+              <a:ext uri="{FF2B5EF4-FFF2-40B4-BE49-F238E27FC236}">
+                <a16:creationId xmlns:a16="http://schemas.microsoft.com/office/drawing/2014/main" id="{C21081C3-C2CB-4249-9147-408E1099AF61}"/>
+              </a:ext>
+            </a:extLst>
+          </p:cNvPr>
+          <p:cNvSpPr>
+            <a:spLocks noGrp="1"/>
+          </p:cNvSpPr>
+          <p:nvPr>
+            <p:ph idx="1"/>
+          </p:nvPr>
+        </p:nvSpPr>
+        <p:spPr/>
+        <p:txBody>
+          <a:bodyPr/>
+          <a:lstStyle/>
+          <a:p>
+            <a:pPr marL="457200" indent="-457200">
+              <a:buFont typeface="+mj-lt"/>
+              <a:buAutoNum type="arabicPeriod"/>
+            </a:pPr>
+            <a:r>
+              <a:rPr lang="zh-CN" altLang="en-US" dirty="0"/>
+              <a:t>显示三基色</a:t>
+            </a:r>
+            <a:endParaRPr lang="en-US" altLang="zh-CN" dirty="0"/>
+          </a:p>
+          <a:p>
+            <a:pPr marL="457200" indent="-457200">
+              <a:buFont typeface="+mj-lt"/>
+              <a:buAutoNum type="arabicPeriod"/>
+            </a:pPr>
+            <a:r>
+              <a:rPr lang="zh-CN" altLang="en-US" dirty="0"/>
+              <a:t>显示七彩色</a:t>
+            </a:r>
+          </a:p>
+        </p:txBody>
+      </p:sp>
+      <p:pic>
+        <p:nvPicPr>
+          <p:cNvPr id="4" name="图片 3">
+            <a:extLst>
+              <a:ext uri="{FF2B5EF4-FFF2-40B4-BE49-F238E27FC236}">
+                <a16:creationId xmlns:a16="http://schemas.microsoft.com/office/drawing/2014/main" id="{26E40C6B-7E9F-92DF-7995-BBE45F96E4F4}"/>
+              </a:ext>
+            </a:extLst>
+          </p:cNvPr>
+          <p:cNvPicPr>
+            <a:picLocks noChangeAspect="1"/>
+          </p:cNvPicPr>
+          <p:nvPr/>
+        </p:nvPicPr>
+        <p:blipFill>
+          <a:blip r:embed="rId2"/>
+          <a:stretch>
+            <a:fillRect/>
+          </a:stretch>
+        </p:blipFill>
+        <p:spPr>
+          <a:xfrm>
+            <a:off x="6877686" y="7620"/>
+            <a:ext cx="3772535" cy="673100"/>
+          </a:xfrm>
+          <a:prstGeom prst="rect">
+            <a:avLst/>
+          </a:prstGeom>
+        </p:spPr>
+      </p:pic>
+    </p:spTree>
+    <p:extLst>
+      <p:ext uri="{BB962C8B-B14F-4D97-AF65-F5344CB8AC3E}">
+        <p14:creationId xmlns:p14="http://schemas.microsoft.com/office/powerpoint/2010/main" val="2498476827"/>
+      </p:ext>
+    </p:extLst>
+  </p:cSld>
+  <p:clrMapOvr>
+    <a:masterClrMapping/>
+  </p:clrMapOvr>
+  <mc:AlternateContent xmlns:mc="http://schemas.openxmlformats.org/markup-compatibility/2006" xmlns:p14="http://schemas.microsoft.com/office/powerpoint/2010/main">
+    <mc:Choice Requires="p14">
+      <p:transition spd="slow" p14:dur="1250">
+        <p:push dir="u"/>
+      </p:transition>
+    </mc:Choice>
+    <mc:Fallback xmlns="">
+      <p:transition spd="slow">
+        <p:push dir="u"/>
+      </p:transition>
+    </mc:Fallback>
+  </mc:AlternateContent>
+</p:sld>
+</file>
+
+<file path=ppt/slides/slide21.xml><?xml version="1.0" encoding="utf-8"?>
+<p:sld xmlns:a="http://schemas.openxmlformats.org/drawingml/2006/main" xmlns:r="http://schemas.openxmlformats.org/officeDocument/2006/relationships" xmlns:p="http://schemas.openxmlformats.org/presentationml/2006/main">
+  <p:cSld>
+    <p:spTree>
+      <p:nvGrpSpPr>
+        <p:cNvPr id="1" name=""/>
+        <p:cNvGrpSpPr/>
+        <p:nvPr/>
+      </p:nvGrpSpPr>
+      <p:grpSpPr>
+        <a:xfrm>
+          <a:off x="0" y="0"/>
+          <a:ext cx="0" cy="0"/>
+          <a:chOff x="0" y="0"/>
+          <a:chExt cx="0" cy="0"/>
+        </a:xfrm>
+      </p:grpSpPr>
+      <p:sp>
+        <p:nvSpPr>
+          <p:cNvPr id="2" name="标题 1">
+            <a:extLst>
+              <a:ext uri="{FF2B5EF4-FFF2-40B4-BE49-F238E27FC236}">
+                <a16:creationId xmlns:a16="http://schemas.microsoft.com/office/drawing/2014/main" id="{A976392F-0B18-4436-94E3-EF9ED7CEE7AB}"/>
+              </a:ext>
+            </a:extLst>
+          </p:cNvPr>
+          <p:cNvSpPr>
+            <a:spLocks noGrp="1"/>
+          </p:cNvSpPr>
+          <p:nvPr>
+            <p:ph type="title"/>
+          </p:nvPr>
+        </p:nvSpPr>
+        <p:spPr/>
+        <p:txBody>
+          <a:bodyPr/>
+          <a:lstStyle/>
+          <a:p>
+            <a:pPr algn="ctr"/>
+            <a:r>
+              <a:rPr lang="zh-CN" altLang="en-US" dirty="0"/>
+              <a:t>舵机</a:t>
+            </a:r>
+          </a:p>
+        </p:txBody>
+      </p:sp>
+      <p:sp>
+        <p:nvSpPr>
+          <p:cNvPr id="3" name="内容占位符 2">
+            <a:extLst>
+              <a:ext uri="{FF2B5EF4-FFF2-40B4-BE49-F238E27FC236}">
+                <a16:creationId xmlns:a16="http://schemas.microsoft.com/office/drawing/2014/main" id="{6ED24CE4-2393-40C1-A0B7-5D905E2454CC}"/>
+              </a:ext>
+            </a:extLst>
+          </p:cNvPr>
+          <p:cNvSpPr>
+            <a:spLocks noGrp="1"/>
+          </p:cNvSpPr>
+          <p:nvPr>
+            <p:ph idx="1"/>
+          </p:nvPr>
+        </p:nvSpPr>
+        <p:spPr/>
+        <p:txBody>
+          <a:bodyPr>
+            <a:normAutofit lnSpcReduction="10000"/>
+          </a:bodyPr>
+          <a:lstStyle/>
+          <a:p>
+            <a:r>
+              <a:rPr lang="zh-CN" altLang="zh-CN" dirty="0"/>
+              <a:t>舵机是用来控制舵的，比如轮船的方向舵，飞机的方向舵、升降舵等，这些都需要控制一定的角度，但并非需要连续旋转。所以一般舵机都是只能转动一定的角度，这里说的舵机主要应用于航模、车模和监控等多种领域</a:t>
+            </a:r>
+            <a:r>
+              <a:rPr lang="zh-CN" altLang="en-US" dirty="0"/>
+              <a:t>。</a:t>
+            </a:r>
+            <a:endParaRPr lang="en-US" altLang="zh-CN" dirty="0"/>
+          </a:p>
+          <a:p>
+            <a:r>
+              <a:rPr lang="zh-CN" altLang="zh-CN" dirty="0"/>
+              <a:t>舵机，又称为伺服马达，是一种具有闭环控制系统的机电结构。舵机内部是有直流电机，位置电位器和驱动反馈电路板组成，其工作原理是由控制器发出</a:t>
+            </a:r>
+            <a:r>
+              <a:rPr lang="en-US" altLang="zh-CN" dirty="0"/>
+              <a:t>PWM</a:t>
+            </a:r>
+            <a:r>
+              <a:rPr lang="zh-CN" altLang="zh-CN" dirty="0"/>
+              <a:t>（脉冲宽度调制）信号给舵机，经电路板上的</a:t>
+            </a:r>
+            <a:r>
+              <a:rPr lang="en-US" altLang="zh-CN" dirty="0"/>
+              <a:t>IC</a:t>
+            </a:r>
+            <a:r>
+              <a:rPr lang="zh-CN" altLang="zh-CN" dirty="0"/>
+              <a:t>处理后计算出转动方向，在驱动直流电机转动，透过减速齿轮将动力传至摆臂，同时由位置电位器（检测器）返回位置信号，判断是否已经到达设定位置，一般舵机只能旋转</a:t>
+            </a:r>
+            <a:r>
+              <a:rPr lang="en-US" altLang="zh-CN" dirty="0"/>
+              <a:t>180</a:t>
+            </a:r>
+            <a:r>
+              <a:rPr lang="zh-CN" altLang="zh-CN" dirty="0"/>
+              <a:t>度。</a:t>
+            </a:r>
+            <a:endParaRPr lang="zh-CN" altLang="en-US" dirty="0"/>
+          </a:p>
+        </p:txBody>
+      </p:sp>
+      <p:pic>
+        <p:nvPicPr>
+          <p:cNvPr id="4" name="图片 3">
+            <a:extLst>
+              <a:ext uri="{FF2B5EF4-FFF2-40B4-BE49-F238E27FC236}">
+                <a16:creationId xmlns:a16="http://schemas.microsoft.com/office/drawing/2014/main" id="{32B4AE61-95E4-B94E-91A6-970C948627D0}"/>
+              </a:ext>
+            </a:extLst>
+          </p:cNvPr>
+          <p:cNvPicPr>
+            <a:picLocks noChangeAspect="1"/>
+          </p:cNvPicPr>
+          <p:nvPr/>
+        </p:nvPicPr>
+        <p:blipFill>
+          <a:blip r:embed="rId2"/>
+          <a:stretch>
+            <a:fillRect/>
+          </a:stretch>
+        </p:blipFill>
+        <p:spPr>
+          <a:xfrm>
+            <a:off x="6877686" y="7620"/>
+            <a:ext cx="3772535" cy="673100"/>
+          </a:xfrm>
+          <a:prstGeom prst="rect">
+            <a:avLst/>
+          </a:prstGeom>
+        </p:spPr>
+      </p:pic>
+    </p:spTree>
+    <p:extLst>
+      <p:ext uri="{BB962C8B-B14F-4D97-AF65-F5344CB8AC3E}">
+        <p14:creationId xmlns:p14="http://schemas.microsoft.com/office/powerpoint/2010/main" val="1749902172"/>
+      </p:ext>
+    </p:extLst>
+  </p:cSld>
+  <p:clrMapOvr>
+    <a:masterClrMapping/>
+  </p:clrMapOvr>
+  <mc:AlternateContent xmlns:mc="http://schemas.openxmlformats.org/markup-compatibility/2006" xmlns:p14="http://schemas.microsoft.com/office/powerpoint/2010/main">
+    <mc:Choice Requires="p14">
+      <p:transition spd="slow" p14:dur="1250">
+        <p:push dir="u"/>
+      </p:transition>
+    </mc:Choice>
+    <mc:Fallback xmlns="">
+      <p:transition spd="slow">
+        <p:push dir="u"/>
+      </p:transition>
+    </mc:Fallback>
+  </mc:AlternateContent>
+</p:sld>
+</file>
+
+<file path=ppt/slides/slide22.xml><?xml version="1.0" encoding="utf-8"?>
 <p:sld xmlns:a="http://schemas.openxmlformats.org/drawingml/2006/main" xmlns:r="http://schemas.openxmlformats.org/officeDocument/2006/relationships" xmlns:p="http://schemas.openxmlformats.org/presentationml/2006/main">
   <p:cSld>
     <p:spTree>
@@ -8994,579 +9745,40 @@
           </a:prstGeom>
         </p:spPr>
       </p:pic>
+      <p:pic>
+        <p:nvPicPr>
+          <p:cNvPr id="6" name="图片 5">
+            <a:extLst>
+              <a:ext uri="{FF2B5EF4-FFF2-40B4-BE49-F238E27FC236}">
+                <a16:creationId xmlns:a16="http://schemas.microsoft.com/office/drawing/2014/main" id="{772214FC-620B-CC03-0EA1-8F8354C10887}"/>
+              </a:ext>
+            </a:extLst>
+          </p:cNvPr>
+          <p:cNvPicPr>
+            <a:picLocks noChangeAspect="1"/>
+          </p:cNvPicPr>
+          <p:nvPr/>
+        </p:nvPicPr>
+        <p:blipFill>
+          <a:blip r:embed="rId5"/>
+          <a:stretch>
+            <a:fillRect/>
+          </a:stretch>
+        </p:blipFill>
+        <p:spPr>
+          <a:xfrm>
+            <a:off x="6877686" y="7620"/>
+            <a:ext cx="3772535" cy="673100"/>
+          </a:xfrm>
+          <a:prstGeom prst="rect">
+            <a:avLst/>
+          </a:prstGeom>
+        </p:spPr>
+      </p:pic>
     </p:spTree>
     <p:extLst>
       <p:ext uri="{BB962C8B-B14F-4D97-AF65-F5344CB8AC3E}">
         <p14:creationId xmlns:p14="http://schemas.microsoft.com/office/powerpoint/2010/main" val="2621344265"/>
-      </p:ext>
-    </p:extLst>
-  </p:cSld>
-  <p:clrMapOvr>
-    <a:masterClrMapping/>
-  </p:clrMapOvr>
-  <mc:AlternateContent xmlns:mc="http://schemas.openxmlformats.org/markup-compatibility/2006" xmlns:p14="http://schemas.microsoft.com/office/powerpoint/2010/main">
-    <mc:Choice Requires="p14">
-      <p:transition spd="slow" p14:dur="1250">
-        <p:push dir="u"/>
-      </p:transition>
-    </mc:Choice>
-    <mc:Fallback xmlns="">
-      <p:transition spd="slow">
-        <p:push dir="u"/>
-      </p:transition>
-    </mc:Fallback>
-  </mc:AlternateContent>
-</p:sld>
-</file>
-
-<file path=ppt/slides/slide21.xml><?xml version="1.0" encoding="utf-8"?>
-<p:sld xmlns:a="http://schemas.openxmlformats.org/drawingml/2006/main" xmlns:r="http://schemas.openxmlformats.org/officeDocument/2006/relationships" xmlns:p="http://schemas.openxmlformats.org/presentationml/2006/main">
-  <p:cSld>
-    <p:spTree>
-      <p:nvGrpSpPr>
-        <p:cNvPr id="1" name=""/>
-        <p:cNvGrpSpPr/>
-        <p:nvPr/>
-      </p:nvGrpSpPr>
-      <p:grpSpPr>
-        <a:xfrm>
-          <a:off x="0" y="0"/>
-          <a:ext cx="0" cy="0"/>
-          <a:chOff x="0" y="0"/>
-          <a:chExt cx="0" cy="0"/>
-        </a:xfrm>
-      </p:grpSpPr>
-      <p:sp>
-        <p:nvSpPr>
-          <p:cNvPr id="2" name="标题 1">
-            <a:extLst>
-              <a:ext uri="{FF2B5EF4-FFF2-40B4-BE49-F238E27FC236}">
-                <a16:creationId xmlns:a16="http://schemas.microsoft.com/office/drawing/2014/main" id="{06FE020C-4E96-4A47-AE54-A32DEA63ECCC}"/>
-              </a:ext>
-            </a:extLst>
-          </p:cNvPr>
-          <p:cNvSpPr>
-            <a:spLocks noGrp="1"/>
-          </p:cNvSpPr>
-          <p:nvPr>
-            <p:ph type="title"/>
-          </p:nvPr>
-        </p:nvSpPr>
-        <p:spPr/>
-        <p:txBody>
-          <a:bodyPr/>
-          <a:lstStyle/>
-          <a:p>
-            <a:pPr algn="ctr"/>
-            <a:r>
-              <a:rPr lang="zh-CN" altLang="en-US" dirty="0"/>
-              <a:t>舵机（续）</a:t>
-            </a:r>
-          </a:p>
-        </p:txBody>
-      </p:sp>
-      <p:sp>
-        <p:nvSpPr>
-          <p:cNvPr id="3" name="内容占位符 2">
-            <a:extLst>
-              <a:ext uri="{FF2B5EF4-FFF2-40B4-BE49-F238E27FC236}">
-                <a16:creationId xmlns:a16="http://schemas.microsoft.com/office/drawing/2014/main" id="{C6C388AA-7A77-4DD8-9BC4-DF16FEA68FDF}"/>
-              </a:ext>
-            </a:extLst>
-          </p:cNvPr>
-          <p:cNvSpPr>
-            <a:spLocks noGrp="1"/>
-          </p:cNvSpPr>
-          <p:nvPr>
-            <p:ph idx="1"/>
-          </p:nvPr>
-        </p:nvSpPr>
-        <p:spPr/>
-        <p:txBody>
-          <a:bodyPr>
-            <a:normAutofit fontScale="70000" lnSpcReduction="20000"/>
-          </a:bodyPr>
-          <a:lstStyle/>
-          <a:p>
-            <a:r>
-              <a:rPr lang="zh-CN" altLang="zh-CN" sz="2000" dirty="0"/>
-              <a:t>舵机的转动位置是靠控制</a:t>
-            </a:r>
-            <a:r>
-              <a:rPr lang="en-US" altLang="zh-CN" sz="2000" dirty="0"/>
-              <a:t>PWM</a:t>
-            </a:r>
-            <a:r>
-              <a:rPr lang="zh-CN" altLang="zh-CN" sz="2000" dirty="0"/>
-              <a:t>（脉冲宽度调制）信号的占空比来实现的，标准</a:t>
-            </a:r>
-            <a:r>
-              <a:rPr lang="en-US" altLang="zh-CN" sz="2000" dirty="0"/>
-              <a:t>PWM</a:t>
-            </a:r>
-            <a:r>
-              <a:rPr lang="zh-CN" altLang="zh-CN" sz="2000" dirty="0"/>
-              <a:t>（脉冲宽度调制）信号的周期固定为</a:t>
-            </a:r>
-            <a:r>
-              <a:rPr lang="en-US" altLang="zh-CN" sz="2000" dirty="0"/>
-              <a:t>20ms</a:t>
-            </a:r>
-            <a:r>
-              <a:rPr lang="zh-CN" altLang="zh-CN" sz="2000" dirty="0"/>
-              <a:t>，占空比为</a:t>
-            </a:r>
-            <a:r>
-              <a:rPr lang="en-US" altLang="zh-CN" sz="2000" dirty="0"/>
-              <a:t>0.5-2.5ms</a:t>
-            </a:r>
-            <a:r>
-              <a:rPr lang="zh-CN" altLang="zh-CN" sz="2000" dirty="0"/>
-              <a:t>的正脉冲宽度和舵机的转角</a:t>
-            </a:r>
-            <a:r>
-              <a:rPr lang="en-US" altLang="zh-CN" sz="2000" dirty="0"/>
-              <a:t>-90</a:t>
-            </a:r>
-            <a:r>
-              <a:rPr lang="zh-CN" altLang="zh-CN" sz="2000" dirty="0"/>
-              <a:t>°到</a:t>
-            </a:r>
-            <a:r>
-              <a:rPr lang="en-US" altLang="zh-CN" sz="2000" dirty="0"/>
-              <a:t>90</a:t>
-            </a:r>
-            <a:r>
-              <a:rPr lang="zh-CN" altLang="zh-CN" sz="2000" dirty="0"/>
-              <a:t>°相对应</a:t>
-            </a:r>
-            <a:endParaRPr lang="en-US" altLang="zh-CN" sz="2000" dirty="0"/>
-          </a:p>
-          <a:p>
-            <a:r>
-              <a:rPr lang="en-US" altLang="zh-CN" sz="2000" dirty="0"/>
-              <a:t>Arduino</a:t>
-            </a:r>
-            <a:r>
-              <a:rPr lang="zh-CN" altLang="zh-CN" sz="2000" dirty="0"/>
-              <a:t>官提供了一个舵机调用函数库</a:t>
-            </a:r>
-            <a:r>
-              <a:rPr lang="en-US" altLang="zh-CN" sz="2000" dirty="0"/>
-              <a:t>servo</a:t>
-            </a:r>
-            <a:r>
-              <a:rPr lang="zh-CN" altLang="en-US" sz="2000" dirty="0"/>
-              <a:t>（</a:t>
-            </a:r>
-            <a:r>
-              <a:rPr lang="en-US" altLang="zh-CN" sz="2000" dirty="0">
-                <a:hlinkClick r:id="rId2"/>
-              </a:rPr>
-              <a:t>https://www.arduino.cc/en/Reference/Servo</a:t>
-            </a:r>
-            <a:r>
-              <a:rPr lang="zh-CN" altLang="en-US" sz="2000" dirty="0"/>
-              <a:t>）</a:t>
-            </a:r>
-            <a:r>
-              <a:rPr lang="zh-CN" altLang="zh-CN" sz="2000" dirty="0"/>
-              <a:t>，可以让</a:t>
-            </a:r>
-            <a:r>
-              <a:rPr lang="en-US" altLang="zh-CN" sz="2000" dirty="0"/>
-              <a:t>Arduino</a:t>
-            </a:r>
-            <a:r>
-              <a:rPr lang="zh-CN" altLang="zh-CN" sz="2000" dirty="0"/>
-              <a:t>任意</a:t>
-            </a:r>
-            <a:r>
-              <a:rPr lang="en-US" altLang="zh-CN" sz="2000" dirty="0"/>
-              <a:t>I/O</a:t>
-            </a:r>
-            <a:r>
-              <a:rPr lang="zh-CN" altLang="zh-CN" sz="2000" dirty="0"/>
-              <a:t>口控制舵机。</a:t>
-            </a:r>
-          </a:p>
-          <a:p>
-            <a:r>
-              <a:rPr lang="en-US" altLang="zh-CN" sz="2000" b="1" dirty="0"/>
-              <a:t>servo</a:t>
-            </a:r>
-            <a:r>
-              <a:rPr lang="zh-CN" altLang="zh-CN" sz="2000" b="1" dirty="0"/>
-              <a:t>类下成员函数：</a:t>
-            </a:r>
-            <a:endParaRPr lang="zh-CN" altLang="zh-CN" sz="2000" dirty="0"/>
-          </a:p>
-          <a:p>
-            <a:pPr marL="914400" lvl="1" indent="-457200">
-              <a:buFont typeface="+mj-lt"/>
-              <a:buAutoNum type="arabicPeriod"/>
-            </a:pPr>
-            <a:r>
-              <a:rPr lang="en-US" altLang="zh-CN" sz="2000" b="1" dirty="0"/>
-              <a:t>attach()		//</a:t>
-            </a:r>
-            <a:r>
-              <a:rPr lang="zh-CN" altLang="zh-CN" sz="2000" dirty="0"/>
-              <a:t>连接舵机，（具有</a:t>
-            </a:r>
-            <a:r>
-              <a:rPr lang="en-US" altLang="zh-CN" sz="2000" dirty="0"/>
-              <a:t>PWM</a:t>
-            </a:r>
-            <a:r>
-              <a:rPr lang="zh-CN" altLang="zh-CN" sz="2000" dirty="0"/>
-              <a:t>功能的引脚）</a:t>
-            </a:r>
-          </a:p>
-          <a:p>
-            <a:pPr marL="914400" lvl="1" indent="-457200">
-              <a:buFont typeface="+mj-lt"/>
-              <a:buAutoNum type="arabicPeriod"/>
-            </a:pPr>
-            <a:r>
-              <a:rPr lang="en-US" altLang="zh-CN" sz="2000" b="1" dirty="0"/>
-              <a:t>write()		//</a:t>
-            </a:r>
-            <a:r>
-              <a:rPr lang="zh-CN" altLang="zh-CN" sz="2000" dirty="0"/>
-              <a:t>角度控制（</a:t>
-            </a:r>
-            <a:r>
-              <a:rPr lang="en-US" altLang="zh-CN" sz="2000" dirty="0"/>
-              <a:t>0</a:t>
-            </a:r>
-            <a:r>
-              <a:rPr lang="zh-CN" altLang="zh-CN" sz="2000" dirty="0"/>
-              <a:t>°到</a:t>
-            </a:r>
-            <a:r>
-              <a:rPr lang="en-US" altLang="zh-CN" sz="2000" dirty="0"/>
-              <a:t>180</a:t>
-            </a:r>
-            <a:r>
-              <a:rPr lang="zh-CN" altLang="zh-CN" sz="2000" dirty="0"/>
-              <a:t>°）</a:t>
-            </a:r>
-          </a:p>
-          <a:p>
-            <a:pPr marL="914400" lvl="1" indent="-457200">
-              <a:buFont typeface="+mj-lt"/>
-              <a:buAutoNum type="arabicPeriod"/>
-            </a:pPr>
-            <a:r>
-              <a:rPr lang="en-US" altLang="zh-CN" sz="2000" b="1" dirty="0" err="1"/>
-              <a:t>writeMicroseconds</a:t>
-            </a:r>
-            <a:r>
-              <a:rPr lang="en-US" altLang="zh-CN" sz="2000" b="1" dirty="0"/>
-              <a:t>()	//</a:t>
-            </a:r>
-            <a:r>
-              <a:rPr lang="zh-CN" altLang="zh-CN" sz="2000" dirty="0"/>
-              <a:t>输入一个值单位为</a:t>
-            </a:r>
-            <a:r>
-              <a:rPr lang="en-US" altLang="zh-CN" sz="2000" dirty="0"/>
-              <a:t>us,</a:t>
-            </a:r>
-            <a:r>
-              <a:rPr lang="zh-CN" altLang="zh-CN" sz="2000" dirty="0"/>
-              <a:t>来控制舵机转动到相应角度，输入值为</a:t>
-            </a:r>
-            <a:r>
-              <a:rPr lang="en-US" altLang="zh-CN" sz="2000" dirty="0"/>
-              <a:t>1000</a:t>
-            </a:r>
-            <a:r>
-              <a:rPr lang="zh-CN" altLang="zh-CN" sz="2000" dirty="0"/>
-              <a:t>时舵机轴转动到逆时针最大位置。输入值为</a:t>
-            </a:r>
-            <a:r>
-              <a:rPr lang="en-US" altLang="zh-CN" sz="2000" dirty="0"/>
-              <a:t>2000</a:t>
-            </a:r>
-            <a:r>
-              <a:rPr lang="zh-CN" altLang="zh-CN" sz="2000" dirty="0"/>
-              <a:t>时舵机轴转动到顺时针最大位置。输入值为</a:t>
-            </a:r>
-            <a:r>
-              <a:rPr lang="en-US" altLang="zh-CN" sz="2000" dirty="0"/>
-              <a:t>1500</a:t>
-            </a:r>
-            <a:r>
-              <a:rPr lang="zh-CN" altLang="zh-CN" sz="2000" dirty="0"/>
-              <a:t>时舵机轴在中间位置。</a:t>
-            </a:r>
-          </a:p>
-          <a:p>
-            <a:pPr marL="914400" lvl="1" indent="-457200">
-              <a:buFont typeface="+mj-lt"/>
-              <a:buAutoNum type="arabicPeriod"/>
-            </a:pPr>
-            <a:r>
-              <a:rPr lang="en-US" altLang="zh-CN" sz="2000" b="1" dirty="0"/>
-              <a:t>read()		 //</a:t>
-            </a:r>
-            <a:r>
-              <a:rPr lang="zh-CN" altLang="zh-CN" sz="2000" dirty="0"/>
-              <a:t>读上一次舵机转动角度，可理解为读取最后一条</a:t>
-            </a:r>
-            <a:r>
-              <a:rPr lang="en-US" altLang="zh-CN" sz="2000" dirty="0"/>
-              <a:t>write()</a:t>
-            </a:r>
-            <a:r>
-              <a:rPr lang="zh-CN" altLang="zh-CN" sz="2000" dirty="0"/>
-              <a:t>命令中的值。</a:t>
-            </a:r>
-          </a:p>
-          <a:p>
-            <a:pPr marL="914400" lvl="1" indent="-457200">
-              <a:buFont typeface="+mj-lt"/>
-              <a:buAutoNum type="arabicPeriod"/>
-            </a:pPr>
-            <a:r>
-              <a:rPr lang="en-US" altLang="zh-CN" sz="2000" b="1" dirty="0"/>
-              <a:t>attached()	//</a:t>
-            </a:r>
-            <a:r>
-              <a:rPr lang="zh-CN" altLang="zh-CN" sz="2000" dirty="0"/>
-              <a:t>判断舵机参数是否已发送到舵机所在接口</a:t>
-            </a:r>
-          </a:p>
-          <a:p>
-            <a:pPr marL="914400" lvl="1" indent="-457200">
-              <a:buFont typeface="+mj-lt"/>
-              <a:buAutoNum type="arabicPeriod"/>
-            </a:pPr>
-            <a:r>
-              <a:rPr lang="en-US" altLang="zh-CN" sz="2000" b="1" dirty="0"/>
-              <a:t>detach()	//</a:t>
-            </a:r>
-            <a:r>
-              <a:rPr lang="zh-CN" altLang="zh-CN" sz="2000" dirty="0"/>
-              <a:t>断开舵机连接</a:t>
-            </a:r>
-          </a:p>
-        </p:txBody>
-      </p:sp>
-    </p:spTree>
-    <p:extLst>
-      <p:ext uri="{BB962C8B-B14F-4D97-AF65-F5344CB8AC3E}">
-        <p14:creationId xmlns:p14="http://schemas.microsoft.com/office/powerpoint/2010/main" val="4271875593"/>
-      </p:ext>
-    </p:extLst>
-  </p:cSld>
-  <p:clrMapOvr>
-    <a:masterClrMapping/>
-  </p:clrMapOvr>
-  <mc:AlternateContent xmlns:mc="http://schemas.openxmlformats.org/markup-compatibility/2006" xmlns:p14="http://schemas.microsoft.com/office/powerpoint/2010/main">
-    <mc:Choice Requires="p14">
-      <p:transition spd="slow" p14:dur="1250">
-        <p:push dir="u"/>
-      </p:transition>
-    </mc:Choice>
-    <mc:Fallback xmlns="">
-      <p:transition spd="slow">
-        <p:push dir="u"/>
-      </p:transition>
-    </mc:Fallback>
-  </mc:AlternateContent>
-</p:sld>
-</file>
-
-<file path=ppt/slides/slide22.xml><?xml version="1.0" encoding="utf-8"?>
-<p:sld xmlns:a="http://schemas.openxmlformats.org/drawingml/2006/main" xmlns:r="http://schemas.openxmlformats.org/officeDocument/2006/relationships" xmlns:p="http://schemas.openxmlformats.org/presentationml/2006/main">
-  <p:cSld>
-    <p:spTree>
-      <p:nvGrpSpPr>
-        <p:cNvPr id="1" name=""/>
-        <p:cNvGrpSpPr/>
-        <p:nvPr/>
-      </p:nvGrpSpPr>
-      <p:grpSpPr>
-        <a:xfrm>
-          <a:off x="0" y="0"/>
-          <a:ext cx="0" cy="0"/>
-          <a:chOff x="0" y="0"/>
-          <a:chExt cx="0" cy="0"/>
-        </a:xfrm>
-      </p:grpSpPr>
-      <p:sp>
-        <p:nvSpPr>
-          <p:cNvPr id="2" name="标题 1">
-            <a:extLst>
-              <a:ext uri="{FF2B5EF4-FFF2-40B4-BE49-F238E27FC236}">
-                <a16:creationId xmlns:a16="http://schemas.microsoft.com/office/drawing/2014/main" id="{107EB29B-D4FE-4EC0-AC04-3A86D186B7D7}"/>
-              </a:ext>
-            </a:extLst>
-          </p:cNvPr>
-          <p:cNvSpPr>
-            <a:spLocks noGrp="1"/>
-          </p:cNvSpPr>
-          <p:nvPr>
-            <p:ph type="title"/>
-          </p:nvPr>
-        </p:nvSpPr>
-        <p:spPr/>
-        <p:txBody>
-          <a:bodyPr/>
-          <a:lstStyle/>
-          <a:p>
-            <a:pPr algn="ctr"/>
-            <a:r>
-              <a:rPr lang="zh-CN" altLang="en-US" dirty="0"/>
-              <a:t>实验</a:t>
-            </a:r>
-            <a:r>
-              <a:rPr lang="en-US" altLang="zh-CN" dirty="0"/>
-              <a:t>19</a:t>
-            </a:r>
-            <a:r>
-              <a:rPr lang="zh-CN" altLang="en-US" dirty="0"/>
-              <a:t>：</a:t>
-            </a:r>
-            <a:r>
-              <a:rPr lang="en-US" altLang="zh-CN" dirty="0"/>
-              <a:t>180</a:t>
-            </a:r>
-            <a:r>
-              <a:rPr lang="zh-CN" altLang="en-US" dirty="0"/>
-              <a:t>转舵</a:t>
-            </a:r>
-          </a:p>
-        </p:txBody>
-      </p:sp>
-      <p:sp>
-        <p:nvSpPr>
-          <p:cNvPr id="3" name="内容占位符 2">
-            <a:extLst>
-              <a:ext uri="{FF2B5EF4-FFF2-40B4-BE49-F238E27FC236}">
-                <a16:creationId xmlns:a16="http://schemas.microsoft.com/office/drawing/2014/main" id="{729CC475-62B3-4DEC-BB13-F9E9A014B084}"/>
-              </a:ext>
-            </a:extLst>
-          </p:cNvPr>
-          <p:cNvSpPr>
-            <a:spLocks noGrp="1"/>
-          </p:cNvSpPr>
-          <p:nvPr>
-            <p:ph idx="1"/>
-          </p:nvPr>
-        </p:nvSpPr>
-        <p:spPr/>
-        <p:txBody>
-          <a:bodyPr>
-            <a:normAutofit/>
-          </a:bodyPr>
-          <a:lstStyle/>
-          <a:p>
-            <a:r>
-              <a:rPr lang="zh-CN" altLang="en-US" dirty="0"/>
-              <a:t>实验器材</a:t>
-            </a:r>
-            <a:endParaRPr lang="en-US" altLang="zh-CN" dirty="0"/>
-          </a:p>
-          <a:p>
-            <a:pPr lvl="1"/>
-            <a:r>
-              <a:rPr lang="en-US" altLang="zh-CN" dirty="0" err="1"/>
-              <a:t>NodeMCU</a:t>
-            </a:r>
-            <a:r>
-              <a:rPr lang="zh-CN" altLang="zh-CN" dirty="0"/>
-              <a:t>板子</a:t>
-            </a:r>
-            <a:endParaRPr lang="zh-CN" altLang="zh-CN" sz="700" dirty="0"/>
-          </a:p>
-          <a:p>
-            <a:pPr lvl="1"/>
-            <a:r>
-              <a:rPr lang="en-US" altLang="zh-CN" dirty="0"/>
-              <a:t>USB</a:t>
-            </a:r>
-            <a:r>
-              <a:rPr lang="zh-CN" altLang="zh-CN" dirty="0"/>
-              <a:t>下载线</a:t>
-            </a:r>
-            <a:endParaRPr lang="zh-CN" altLang="zh-CN" sz="700" dirty="0"/>
-          </a:p>
-          <a:p>
-            <a:pPr lvl="1"/>
-            <a:r>
-              <a:rPr lang="zh-CN" altLang="zh-CN" dirty="0"/>
-              <a:t>面包板</a:t>
-            </a:r>
-            <a:r>
-              <a:rPr lang="zh-CN" altLang="en-US" dirty="0"/>
-              <a:t>及跳线</a:t>
-            </a:r>
-            <a:endParaRPr lang="zh-CN" altLang="zh-CN" sz="700" dirty="0"/>
-          </a:p>
-          <a:p>
-            <a:pPr lvl="1"/>
-            <a:r>
-              <a:rPr lang="zh-CN" altLang="zh-CN" dirty="0"/>
-              <a:t>舵机</a:t>
-            </a:r>
-            <a:r>
-              <a:rPr lang="en-US" altLang="zh-CN" dirty="0"/>
-              <a:t>1</a:t>
-            </a:r>
-            <a:r>
-              <a:rPr lang="zh-CN" altLang="zh-CN" dirty="0"/>
-              <a:t>个</a:t>
-            </a:r>
-            <a:endParaRPr lang="zh-CN" altLang="zh-CN" sz="700" dirty="0"/>
-          </a:p>
-          <a:p>
-            <a:r>
-              <a:rPr lang="zh-CN" altLang="en-US" dirty="0"/>
-              <a:t>接线</a:t>
-            </a:r>
-            <a:endParaRPr lang="en-US" altLang="zh-CN" dirty="0"/>
-          </a:p>
-          <a:p>
-            <a:pPr lvl="1"/>
-            <a:r>
-              <a:rPr lang="zh-CN" altLang="en-US" dirty="0"/>
-              <a:t>红线接</a:t>
-            </a:r>
-            <a:r>
-              <a:rPr lang="en-US" altLang="zh-CN" dirty="0"/>
-              <a:t>VCC</a:t>
-            </a:r>
-            <a:r>
-              <a:rPr lang="zh-CN" altLang="en-US" dirty="0"/>
-              <a:t>正极，橙色线接</a:t>
-            </a:r>
-            <a:r>
-              <a:rPr lang="en-US" altLang="zh-CN" dirty="0"/>
-              <a:t>6</a:t>
-            </a:r>
-            <a:r>
-              <a:rPr lang="zh-CN" altLang="en-US" dirty="0"/>
-              <a:t>引脚，棕色或黑色的线接</a:t>
-            </a:r>
-            <a:r>
-              <a:rPr lang="en-US" altLang="zh-CN" dirty="0"/>
-              <a:t>GND</a:t>
-            </a:r>
-            <a:r>
-              <a:rPr lang="zh-CN" altLang="en-US" dirty="0"/>
-              <a:t>负极</a:t>
-            </a:r>
-          </a:p>
-        </p:txBody>
-      </p:sp>
-    </p:spTree>
-    <p:extLst>
-      <p:ext uri="{BB962C8B-B14F-4D97-AF65-F5344CB8AC3E}">
-        <p14:creationId xmlns:p14="http://schemas.microsoft.com/office/powerpoint/2010/main" val="1356780347"/>
       </p:ext>
     </p:extLst>
   </p:cSld>
@@ -9610,7 +9822,7 @@
           <p:cNvPr id="2" name="标题 1">
             <a:extLst>
               <a:ext uri="{FF2B5EF4-FFF2-40B4-BE49-F238E27FC236}">
-                <a16:creationId xmlns:a16="http://schemas.microsoft.com/office/drawing/2014/main" id="{3F49AC83-9691-4C91-847B-3B045A9C22B5}"/>
+                <a16:creationId xmlns:a16="http://schemas.microsoft.com/office/drawing/2014/main" id="{06FE020C-4E96-4A47-AE54-A32DEA63ECCC}"/>
               </a:ext>
             </a:extLst>
           </p:cNvPr>
@@ -9629,15 +9841,7 @@
             <a:pPr algn="ctr"/>
             <a:r>
               <a:rPr lang="zh-CN" altLang="en-US" dirty="0"/>
-              <a:t>实验</a:t>
-            </a:r>
-            <a:r>
-              <a:rPr lang="en-US" altLang="zh-CN" dirty="0"/>
-              <a:t>20</a:t>
-            </a:r>
-            <a:r>
-              <a:rPr lang="zh-CN" altLang="en-US" dirty="0"/>
-              <a:t>：电位器控制舵机</a:t>
+              <a:t>舵机（续）</a:t>
             </a:r>
           </a:p>
         </p:txBody>
@@ -9647,7 +9851,7 @@
           <p:cNvPr id="3" name="内容占位符 2">
             <a:extLst>
               <a:ext uri="{FF2B5EF4-FFF2-40B4-BE49-F238E27FC236}">
-                <a16:creationId xmlns:a16="http://schemas.microsoft.com/office/drawing/2014/main" id="{AB6AB1FF-93FD-4B00-8B21-3F572878F075}"/>
+                <a16:creationId xmlns:a16="http://schemas.microsoft.com/office/drawing/2014/main" id="{C6C388AA-7A77-4DD8-9BC4-DF16FEA68FDF}"/>
               </a:ext>
             </a:extLst>
           </p:cNvPr>
@@ -9660,27 +9864,312 @@
         </p:nvSpPr>
         <p:spPr/>
         <p:txBody>
-          <a:bodyPr/>
+          <a:bodyPr>
+            <a:normAutofit fontScale="70000" lnSpcReduction="20000"/>
+          </a:bodyPr>
           <a:lstStyle/>
           <a:p>
             <a:r>
-              <a:rPr lang="zh-CN" altLang="en-US" dirty="0"/>
-              <a:t>使用电位器控制舵机转动</a:t>
-            </a:r>
-            <a:endParaRPr lang="en-US" altLang="zh-CN" dirty="0"/>
-          </a:p>
-          <a:p>
-            <a:r>
-              <a:rPr lang="zh-CN" altLang="en-US" dirty="0"/>
-              <a:t>电路保持不变</a:t>
-            </a:r>
-          </a:p>
-        </p:txBody>
-      </p:sp>
+              <a:rPr lang="zh-CN" altLang="zh-CN" sz="2000" dirty="0"/>
+              <a:t>舵机的转动位置是靠控制</a:t>
+            </a:r>
+            <a:r>
+              <a:rPr lang="en-US" altLang="zh-CN" sz="2000" dirty="0"/>
+              <a:t>PWM</a:t>
+            </a:r>
+            <a:r>
+              <a:rPr lang="zh-CN" altLang="zh-CN" sz="2000" dirty="0"/>
+              <a:t>（脉冲宽度调制）信号的占空比来实现的，标准</a:t>
+            </a:r>
+            <a:r>
+              <a:rPr lang="en-US" altLang="zh-CN" sz="2000" dirty="0"/>
+              <a:t>PWM</a:t>
+            </a:r>
+            <a:r>
+              <a:rPr lang="zh-CN" altLang="zh-CN" sz="2000" dirty="0"/>
+              <a:t>（脉冲宽度调制）信号的周期固定为</a:t>
+            </a:r>
+            <a:r>
+              <a:rPr lang="en-US" altLang="zh-CN" sz="2000" dirty="0"/>
+              <a:t>20ms</a:t>
+            </a:r>
+            <a:r>
+              <a:rPr lang="zh-CN" altLang="zh-CN" sz="2000" dirty="0"/>
+              <a:t>，占空比为</a:t>
+            </a:r>
+            <a:r>
+              <a:rPr lang="en-US" altLang="zh-CN" sz="2000" dirty="0"/>
+              <a:t>0.5-2.5ms</a:t>
+            </a:r>
+            <a:r>
+              <a:rPr lang="zh-CN" altLang="zh-CN" sz="2000" dirty="0"/>
+              <a:t>的正脉冲宽度和舵机的转角</a:t>
+            </a:r>
+            <a:r>
+              <a:rPr lang="en-US" altLang="zh-CN" sz="2000" dirty="0"/>
+              <a:t>-90</a:t>
+            </a:r>
+            <a:r>
+              <a:rPr lang="zh-CN" altLang="zh-CN" sz="2000" dirty="0"/>
+              <a:t>°到</a:t>
+            </a:r>
+            <a:r>
+              <a:rPr lang="en-US" altLang="zh-CN" sz="2000" dirty="0"/>
+              <a:t>90</a:t>
+            </a:r>
+            <a:r>
+              <a:rPr lang="zh-CN" altLang="zh-CN" sz="2000" dirty="0"/>
+              <a:t>°相对应</a:t>
+            </a:r>
+            <a:endParaRPr lang="en-US" altLang="zh-CN" sz="2000" dirty="0"/>
+          </a:p>
+          <a:p>
+            <a:r>
+              <a:rPr lang="en-US" altLang="zh-CN" sz="2000" dirty="0"/>
+              <a:t>Arduino</a:t>
+            </a:r>
+            <a:r>
+              <a:rPr lang="zh-CN" altLang="zh-CN" sz="2000" dirty="0"/>
+              <a:t>官提供了一个舵机调用函数库</a:t>
+            </a:r>
+            <a:r>
+              <a:rPr lang="en-US" altLang="zh-CN" sz="2000" dirty="0"/>
+              <a:t>servo</a:t>
+            </a:r>
+            <a:r>
+              <a:rPr lang="zh-CN" altLang="en-US" sz="2000" dirty="0"/>
+              <a:t>（</a:t>
+            </a:r>
+            <a:r>
+              <a:rPr lang="en-US" altLang="zh-CN" sz="2000" dirty="0">
+                <a:hlinkClick r:id="rId2"/>
+              </a:rPr>
+              <a:t>https://www.arduino.cc/en/Reference/Servo</a:t>
+            </a:r>
+            <a:r>
+              <a:rPr lang="zh-CN" altLang="en-US" sz="2000" dirty="0"/>
+              <a:t>）</a:t>
+            </a:r>
+            <a:r>
+              <a:rPr lang="zh-CN" altLang="zh-CN" sz="2000" dirty="0"/>
+              <a:t>，可以让</a:t>
+            </a:r>
+            <a:r>
+              <a:rPr lang="en-US" altLang="zh-CN" sz="2000" dirty="0"/>
+              <a:t>Arduino</a:t>
+            </a:r>
+            <a:r>
+              <a:rPr lang="zh-CN" altLang="zh-CN" sz="2000" dirty="0"/>
+              <a:t>任意</a:t>
+            </a:r>
+            <a:r>
+              <a:rPr lang="en-US" altLang="zh-CN" sz="2000" dirty="0"/>
+              <a:t>I/O</a:t>
+            </a:r>
+            <a:r>
+              <a:rPr lang="zh-CN" altLang="zh-CN" sz="2000" dirty="0"/>
+              <a:t>口控制舵机。</a:t>
+            </a:r>
+          </a:p>
+          <a:p>
+            <a:r>
+              <a:rPr lang="en-US" altLang="zh-CN" sz="2000" b="1" dirty="0"/>
+              <a:t>servo</a:t>
+            </a:r>
+            <a:r>
+              <a:rPr lang="zh-CN" altLang="zh-CN" sz="2000" b="1" dirty="0"/>
+              <a:t>类下成员函数：</a:t>
+            </a:r>
+            <a:endParaRPr lang="zh-CN" altLang="zh-CN" sz="2000" dirty="0"/>
+          </a:p>
+          <a:p>
+            <a:pPr marL="914400" lvl="1" indent="-457200">
+              <a:buFont typeface="+mj-lt"/>
+              <a:buAutoNum type="arabicPeriod"/>
+            </a:pPr>
+            <a:r>
+              <a:rPr lang="en-US" altLang="zh-CN" sz="2000" b="1" dirty="0"/>
+              <a:t>attach()		//</a:t>
+            </a:r>
+            <a:r>
+              <a:rPr lang="zh-CN" altLang="zh-CN" sz="2000" dirty="0"/>
+              <a:t>连接舵机，（具有</a:t>
+            </a:r>
+            <a:r>
+              <a:rPr lang="en-US" altLang="zh-CN" sz="2000" dirty="0"/>
+              <a:t>PWM</a:t>
+            </a:r>
+            <a:r>
+              <a:rPr lang="zh-CN" altLang="zh-CN" sz="2000" dirty="0"/>
+              <a:t>功能的引脚）</a:t>
+            </a:r>
+          </a:p>
+          <a:p>
+            <a:pPr marL="914400" lvl="1" indent="-457200">
+              <a:buFont typeface="+mj-lt"/>
+              <a:buAutoNum type="arabicPeriod"/>
+            </a:pPr>
+            <a:r>
+              <a:rPr lang="en-US" altLang="zh-CN" sz="2000" b="1" dirty="0"/>
+              <a:t>write()		//</a:t>
+            </a:r>
+            <a:r>
+              <a:rPr lang="zh-CN" altLang="zh-CN" sz="2000" dirty="0"/>
+              <a:t>角度控制（</a:t>
+            </a:r>
+            <a:r>
+              <a:rPr lang="en-US" altLang="zh-CN" sz="2000" dirty="0"/>
+              <a:t>0</a:t>
+            </a:r>
+            <a:r>
+              <a:rPr lang="zh-CN" altLang="zh-CN" sz="2000" dirty="0"/>
+              <a:t>°到</a:t>
+            </a:r>
+            <a:r>
+              <a:rPr lang="en-US" altLang="zh-CN" sz="2000" dirty="0"/>
+              <a:t>180</a:t>
+            </a:r>
+            <a:r>
+              <a:rPr lang="zh-CN" altLang="zh-CN" sz="2000" dirty="0"/>
+              <a:t>°）</a:t>
+            </a:r>
+          </a:p>
+          <a:p>
+            <a:pPr marL="914400" lvl="1" indent="-457200">
+              <a:buFont typeface="+mj-lt"/>
+              <a:buAutoNum type="arabicPeriod"/>
+            </a:pPr>
+            <a:r>
+              <a:rPr lang="en-US" altLang="zh-CN" sz="2000" b="1" dirty="0" err="1"/>
+              <a:t>writeMicroseconds</a:t>
+            </a:r>
+            <a:r>
+              <a:rPr lang="en-US" altLang="zh-CN" sz="2000" b="1" dirty="0"/>
+              <a:t>()	//</a:t>
+            </a:r>
+            <a:r>
+              <a:rPr lang="zh-CN" altLang="zh-CN" sz="2000" dirty="0"/>
+              <a:t>输入一个值单位为</a:t>
+            </a:r>
+            <a:r>
+              <a:rPr lang="en-US" altLang="zh-CN" sz="2000" dirty="0"/>
+              <a:t>us,</a:t>
+            </a:r>
+            <a:r>
+              <a:rPr lang="zh-CN" altLang="zh-CN" sz="2000" dirty="0"/>
+              <a:t>来控制舵机转动到相应角度，输入值为</a:t>
+            </a:r>
+            <a:r>
+              <a:rPr lang="en-US" altLang="zh-CN" sz="2000" dirty="0"/>
+              <a:t>1000</a:t>
+            </a:r>
+            <a:r>
+              <a:rPr lang="zh-CN" altLang="zh-CN" sz="2000" dirty="0"/>
+              <a:t>时舵机轴转动到逆时针最大位置。输入值为</a:t>
+            </a:r>
+            <a:r>
+              <a:rPr lang="en-US" altLang="zh-CN" sz="2000" dirty="0"/>
+              <a:t>2000</a:t>
+            </a:r>
+            <a:r>
+              <a:rPr lang="zh-CN" altLang="zh-CN" sz="2000" dirty="0"/>
+              <a:t>时舵机轴转动到顺时针最大位置。输入值为</a:t>
+            </a:r>
+            <a:r>
+              <a:rPr lang="en-US" altLang="zh-CN" sz="2000" dirty="0"/>
+              <a:t>1500</a:t>
+            </a:r>
+            <a:r>
+              <a:rPr lang="zh-CN" altLang="zh-CN" sz="2000" dirty="0"/>
+              <a:t>时舵机轴在中间位置。</a:t>
+            </a:r>
+          </a:p>
+          <a:p>
+            <a:pPr marL="914400" lvl="1" indent="-457200">
+              <a:buFont typeface="+mj-lt"/>
+              <a:buAutoNum type="arabicPeriod"/>
+            </a:pPr>
+            <a:r>
+              <a:rPr lang="en-US" altLang="zh-CN" sz="2000" b="1" dirty="0"/>
+              <a:t>read()		 //</a:t>
+            </a:r>
+            <a:r>
+              <a:rPr lang="zh-CN" altLang="zh-CN" sz="2000" dirty="0"/>
+              <a:t>读上一次舵机转动角度，可理解为读取最后一条</a:t>
+            </a:r>
+            <a:r>
+              <a:rPr lang="en-US" altLang="zh-CN" sz="2000" dirty="0"/>
+              <a:t>write()</a:t>
+            </a:r>
+            <a:r>
+              <a:rPr lang="zh-CN" altLang="zh-CN" sz="2000" dirty="0"/>
+              <a:t>命令中的值。</a:t>
+            </a:r>
+          </a:p>
+          <a:p>
+            <a:pPr marL="914400" lvl="1" indent="-457200">
+              <a:buFont typeface="+mj-lt"/>
+              <a:buAutoNum type="arabicPeriod"/>
+            </a:pPr>
+            <a:r>
+              <a:rPr lang="en-US" altLang="zh-CN" sz="2000" b="1" dirty="0"/>
+              <a:t>attached()	//</a:t>
+            </a:r>
+            <a:r>
+              <a:rPr lang="zh-CN" altLang="zh-CN" sz="2000" dirty="0"/>
+              <a:t>判断舵机参数是否已发送到舵机所在接口</a:t>
+            </a:r>
+          </a:p>
+          <a:p>
+            <a:pPr marL="914400" lvl="1" indent="-457200">
+              <a:buFont typeface="+mj-lt"/>
+              <a:buAutoNum type="arabicPeriod"/>
+            </a:pPr>
+            <a:r>
+              <a:rPr lang="en-US" altLang="zh-CN" sz="2000" b="1" dirty="0"/>
+              <a:t>detach()	//</a:t>
+            </a:r>
+            <a:r>
+              <a:rPr lang="zh-CN" altLang="zh-CN" sz="2000" dirty="0"/>
+              <a:t>断开舵机连接</a:t>
+            </a:r>
+          </a:p>
+        </p:txBody>
+      </p:sp>
+      <p:pic>
+        <p:nvPicPr>
+          <p:cNvPr id="4" name="图片 3">
+            <a:extLst>
+              <a:ext uri="{FF2B5EF4-FFF2-40B4-BE49-F238E27FC236}">
+                <a16:creationId xmlns:a16="http://schemas.microsoft.com/office/drawing/2014/main" id="{76F0C320-F6F0-8C4C-7DDC-284757CE4CBE}"/>
+              </a:ext>
+            </a:extLst>
+          </p:cNvPr>
+          <p:cNvPicPr>
+            <a:picLocks noChangeAspect="1"/>
+          </p:cNvPicPr>
+          <p:nvPr/>
+        </p:nvPicPr>
+        <p:blipFill>
+          <a:blip r:embed="rId3"/>
+          <a:stretch>
+            <a:fillRect/>
+          </a:stretch>
+        </p:blipFill>
+        <p:spPr>
+          <a:xfrm>
+            <a:off x="6877686" y="7620"/>
+            <a:ext cx="3772535" cy="673100"/>
+          </a:xfrm>
+          <a:prstGeom prst="rect">
+            <a:avLst/>
+          </a:prstGeom>
+        </p:spPr>
+      </p:pic>
     </p:spTree>
     <p:extLst>
       <p:ext uri="{BB962C8B-B14F-4D97-AF65-F5344CB8AC3E}">
-        <p14:creationId xmlns:p14="http://schemas.microsoft.com/office/powerpoint/2010/main" val="2703238040"/>
+        <p14:creationId xmlns:p14="http://schemas.microsoft.com/office/powerpoint/2010/main" val="4271875593"/>
       </p:ext>
     </p:extLst>
   </p:cSld>
@@ -9724,7 +10213,7 @@
           <p:cNvPr id="2" name="标题 1">
             <a:extLst>
               <a:ext uri="{FF2B5EF4-FFF2-40B4-BE49-F238E27FC236}">
-                <a16:creationId xmlns:a16="http://schemas.microsoft.com/office/drawing/2014/main" id="{5FB73EBC-6791-4AE9-9DEC-C745E9726251}"/>
+                <a16:creationId xmlns:a16="http://schemas.microsoft.com/office/drawing/2014/main" id="{107EB29B-D4FE-4EC0-AC04-3A86D186B7D7}"/>
               </a:ext>
             </a:extLst>
           </p:cNvPr>
@@ -9742,12 +10231,24 @@
           <a:p>
             <a:pPr algn="ctr"/>
             <a:r>
+              <a:rPr lang="zh-CN" altLang="en-US" dirty="0"/>
+              <a:t>实验</a:t>
+            </a:r>
+            <a:r>
               <a:rPr lang="en-US" altLang="zh-CN" dirty="0"/>
-              <a:t>DS1302</a:t>
+              <a:t>19</a:t>
             </a:r>
             <a:r>
               <a:rPr lang="zh-CN" altLang="en-US" dirty="0"/>
-              <a:t>时钟</a:t>
+              <a:t>：</a:t>
+            </a:r>
+            <a:r>
+              <a:rPr lang="en-US" altLang="zh-CN" dirty="0"/>
+              <a:t>180</a:t>
+            </a:r>
+            <a:r>
+              <a:rPr lang="zh-CN" altLang="en-US" dirty="0"/>
+              <a:t>转舵</a:t>
             </a:r>
           </a:p>
         </p:txBody>
@@ -9757,7 +10258,7 @@
           <p:cNvPr id="3" name="内容占位符 2">
             <a:extLst>
               <a:ext uri="{FF2B5EF4-FFF2-40B4-BE49-F238E27FC236}">
-                <a16:creationId xmlns:a16="http://schemas.microsoft.com/office/drawing/2014/main" id="{46610B04-BAAA-422E-BF75-9C031AD70B75}"/>
+                <a16:creationId xmlns:a16="http://schemas.microsoft.com/office/drawing/2014/main" id="{729CC475-62B3-4DEC-BB13-F9E9A014B084}"/>
               </a:ext>
             </a:extLst>
           </p:cNvPr>
@@ -9770,94 +10271,143 @@
         </p:nvSpPr>
         <p:spPr/>
         <p:txBody>
-          <a:bodyPr/>
+          <a:bodyPr>
+            <a:normAutofit/>
+          </a:bodyPr>
           <a:lstStyle/>
           <a:p>
             <a:r>
+              <a:rPr lang="zh-CN" altLang="en-US" dirty="0"/>
+              <a:t>实验器材</a:t>
+            </a:r>
+            <a:endParaRPr lang="en-US" altLang="zh-CN" dirty="0"/>
+          </a:p>
+          <a:p>
+            <a:pPr lvl="1"/>
+            <a:r>
+              <a:rPr lang="en-US" altLang="zh-CN" dirty="0" err="1"/>
+              <a:t>NodeMCU</a:t>
+            </a:r>
+            <a:r>
+              <a:rPr lang="zh-CN" altLang="zh-CN" dirty="0"/>
+              <a:t>板子</a:t>
+            </a:r>
+            <a:endParaRPr lang="zh-CN" altLang="zh-CN" sz="700" dirty="0"/>
+          </a:p>
+          <a:p>
+            <a:pPr lvl="1"/>
+            <a:r>
               <a:rPr lang="en-US" altLang="zh-CN" dirty="0"/>
-              <a:t>DS1302</a:t>
+              <a:t>USB</a:t>
             </a:r>
             <a:r>
               <a:rPr lang="zh-CN" altLang="zh-CN" dirty="0"/>
-              <a:t>是由美国</a:t>
+              <a:t>下载线</a:t>
+            </a:r>
+            <a:endParaRPr lang="zh-CN" altLang="zh-CN" sz="700" dirty="0"/>
+          </a:p>
+          <a:p>
+            <a:pPr lvl="1"/>
+            <a:r>
+              <a:rPr lang="zh-CN" altLang="zh-CN" dirty="0"/>
+              <a:t>面包板</a:t>
+            </a:r>
+            <a:r>
+              <a:rPr lang="zh-CN" altLang="en-US" dirty="0"/>
+              <a:t>及跳线</a:t>
+            </a:r>
+            <a:endParaRPr lang="zh-CN" altLang="zh-CN" sz="700" dirty="0"/>
+          </a:p>
+          <a:p>
+            <a:pPr lvl="1"/>
+            <a:r>
+              <a:rPr lang="zh-CN" altLang="zh-CN" dirty="0"/>
+              <a:t>舵机</a:t>
             </a:r>
             <a:r>
               <a:rPr lang="en-US" altLang="zh-CN" dirty="0"/>
-              <a:t>DALLAS</a:t>
+              <a:t>1</a:t>
             </a:r>
             <a:r>
               <a:rPr lang="zh-CN" altLang="zh-CN" dirty="0"/>
-              <a:t>公司推出的具有涓细电流充电能力的低功耗实时时钟芯片。它可以对年、月、日、周、时、分、秒进行计时，且具有闰年补偿等多种功能。</a:t>
-            </a:r>
-          </a:p>
-          <a:p>
-            <a:r>
-              <a:rPr lang="zh-CN" altLang="zh-CN" dirty="0"/>
-              <a:t>采用串行数据传输，可为掉电保护电源提供可编程的充电功能，并且可以关闭充电功能。</a:t>
+              <a:t>个</a:t>
+            </a:r>
+            <a:endParaRPr lang="zh-CN" altLang="zh-CN" sz="700" dirty="0"/>
+          </a:p>
+          <a:p>
+            <a:r>
+              <a:rPr lang="zh-CN" altLang="en-US" dirty="0"/>
+              <a:t>接线</a:t>
             </a:r>
             <a:endParaRPr lang="en-US" altLang="zh-CN" dirty="0"/>
           </a:p>
           <a:p>
-            <a:r>
-              <a:rPr lang="zh-CN" altLang="zh-CN" dirty="0"/>
-              <a:t>采用普通</a:t>
+            <a:pPr lvl="1"/>
+            <a:r>
+              <a:rPr lang="zh-CN" altLang="en-US" dirty="0"/>
+              <a:t>红线接</a:t>
             </a:r>
             <a:r>
               <a:rPr lang="en-US" altLang="zh-CN" dirty="0"/>
-              <a:t>32.768kHz</a:t>
-            </a:r>
-            <a:r>
-              <a:rPr lang="zh-CN" altLang="zh-CN" dirty="0"/>
-              <a:t>晶振工作电压为</a:t>
+              <a:t>VCC</a:t>
+            </a:r>
+            <a:r>
+              <a:rPr lang="zh-CN" altLang="en-US" dirty="0"/>
+              <a:t>正极，橙色线接</a:t>
             </a:r>
             <a:r>
               <a:rPr lang="en-US" altLang="zh-CN" dirty="0"/>
-              <a:t>2.0V~5.5V,</a:t>
-            </a:r>
-            <a:r>
-              <a:rPr lang="zh-CN" altLang="zh-CN" dirty="0"/>
-              <a:t>采用三线接口与</a:t>
+              <a:t>6</a:t>
+            </a:r>
+            <a:r>
+              <a:rPr lang="zh-CN" altLang="en-US" dirty="0"/>
+              <a:t>引脚，棕色或黑色的线接</a:t>
             </a:r>
             <a:r>
               <a:rPr lang="en-US" altLang="zh-CN" dirty="0"/>
-              <a:t>CPU</a:t>
-            </a:r>
-            <a:r>
-              <a:rPr lang="zh-CN" altLang="zh-CN" dirty="0"/>
-              <a:t>进行</a:t>
+              <a:t>GND</a:t>
             </a:r>
             <a:r>
               <a:rPr lang="zh-CN" altLang="en-US" dirty="0"/>
-              <a:t>同步通信</a:t>
-            </a:r>
-            <a:r>
-              <a:rPr lang="zh-CN" altLang="zh-CN" dirty="0"/>
-              <a:t>，可以跟</a:t>
-            </a:r>
-            <a:r>
-              <a:rPr lang="en-US" altLang="zh-CN" dirty="0"/>
-              <a:t>Arduino</a:t>
-            </a:r>
-            <a:r>
-              <a:rPr lang="zh-CN" altLang="zh-CN" dirty="0"/>
-              <a:t>只需要</a:t>
-            </a:r>
-            <a:r>
-              <a:rPr lang="en-US" altLang="zh-CN" dirty="0"/>
-              <a:t>3</a:t>
-            </a:r>
-            <a:r>
-              <a:rPr lang="zh-CN" altLang="zh-CN" dirty="0"/>
-              <a:t>条数据连接线即可使用。</a:t>
-            </a:r>
-            <a:endParaRPr lang="en-US" altLang="zh-CN" dirty="0"/>
-          </a:p>
-        </p:txBody>
-      </p:sp>
+              <a:t>负极</a:t>
+            </a:r>
+          </a:p>
+        </p:txBody>
+      </p:sp>
+      <p:pic>
+        <p:nvPicPr>
+          <p:cNvPr id="4" name="图片 3">
+            <a:extLst>
+              <a:ext uri="{FF2B5EF4-FFF2-40B4-BE49-F238E27FC236}">
+                <a16:creationId xmlns:a16="http://schemas.microsoft.com/office/drawing/2014/main" id="{FA71F53A-E549-A722-B794-74A488985F7F}"/>
+              </a:ext>
+            </a:extLst>
+          </p:cNvPr>
+          <p:cNvPicPr>
+            <a:picLocks noChangeAspect="1"/>
+          </p:cNvPicPr>
+          <p:nvPr/>
+        </p:nvPicPr>
+        <p:blipFill>
+          <a:blip r:embed="rId2"/>
+          <a:stretch>
+            <a:fillRect/>
+          </a:stretch>
+        </p:blipFill>
+        <p:spPr>
+          <a:xfrm>
+            <a:off x="6877686" y="7620"/>
+            <a:ext cx="3772535" cy="673100"/>
+          </a:xfrm>
+          <a:prstGeom prst="rect">
+            <a:avLst/>
+          </a:prstGeom>
+        </p:spPr>
+      </p:pic>
     </p:spTree>
     <p:extLst>
       <p:ext uri="{BB962C8B-B14F-4D97-AF65-F5344CB8AC3E}">
-        <p14:creationId xmlns:p14="http://schemas.microsoft.com/office/powerpoint/2010/main" val="3076044546"/>
+        <p14:creationId xmlns:p14="http://schemas.microsoft.com/office/powerpoint/2010/main" val="1356780347"/>
       </p:ext>
     </p:extLst>
   </p:cSld>
@@ -9901,7 +10451,7 @@
           <p:cNvPr id="2" name="标题 1">
             <a:extLst>
               <a:ext uri="{FF2B5EF4-FFF2-40B4-BE49-F238E27FC236}">
-                <a16:creationId xmlns:a16="http://schemas.microsoft.com/office/drawing/2014/main" id="{74DD0957-884A-4BA6-8648-F52C901C8C72}"/>
+                <a16:creationId xmlns:a16="http://schemas.microsoft.com/office/drawing/2014/main" id="{3F49AC83-9691-4C91-847B-3B045A9C22B5}"/>
               </a:ext>
             </a:extLst>
           </p:cNvPr>
@@ -9917,23 +10467,19 @@
           <a:bodyPr/>
           <a:lstStyle/>
           <a:p>
-            <a:r>
-              <a:rPr lang="en-US" altLang="zh-CN" sz="2800" dirty="0">
-                <a:solidFill>
-                  <a:prstClr val="black"/>
-                </a:solidFill>
-              </a:rPr>
-              <a:t>DS1302</a:t>
-            </a:r>
-            <a:r>
-              <a:rPr lang="zh-CN" altLang="en-US" sz="2800" dirty="0">
-                <a:solidFill>
-                  <a:prstClr val="black"/>
-                </a:solidFill>
-              </a:rPr>
-              <a:t>芯片引脚图</a:t>
-            </a:r>
-            <a:endParaRPr lang="zh-CN" altLang="en-US" dirty="0"/>
+            <a:pPr algn="ctr"/>
+            <a:r>
+              <a:rPr lang="zh-CN" altLang="en-US" dirty="0"/>
+              <a:t>实验</a:t>
+            </a:r>
+            <a:r>
+              <a:rPr lang="en-US" altLang="zh-CN" dirty="0"/>
+              <a:t>20</a:t>
+            </a:r>
+            <a:r>
+              <a:rPr lang="zh-CN" altLang="en-US" dirty="0"/>
+              <a:t>：电位器控制舵机</a:t>
+            </a:r>
           </a:p>
         </p:txBody>
       </p:sp>
@@ -9942,7 +10488,7 @@
           <p:cNvPr id="3" name="内容占位符 2">
             <a:extLst>
               <a:ext uri="{FF2B5EF4-FFF2-40B4-BE49-F238E27FC236}">
-                <a16:creationId xmlns:a16="http://schemas.microsoft.com/office/drawing/2014/main" id="{4672D6F2-608F-4D55-AA38-0C48D74B1C8F}"/>
+                <a16:creationId xmlns:a16="http://schemas.microsoft.com/office/drawing/2014/main" id="{AB6AB1FF-93FD-4B00-8B21-3F572878F075}"/>
               </a:ext>
             </a:extLst>
           </p:cNvPr>
@@ -9955,277 +10501,34 @@
         </p:nvSpPr>
         <p:spPr/>
         <p:txBody>
-          <a:bodyPr>
-            <a:normAutofit fontScale="92500" lnSpcReduction="20000"/>
-          </a:bodyPr>
+          <a:bodyPr/>
           <a:lstStyle/>
           <a:p>
             <a:r>
-              <a:rPr lang="en-US" altLang="zh-CN" sz="2600" dirty="0">
-                <a:latin typeface="宋体" panose="02010600030101010101" pitchFamily="2" charset="-122"/>
-                <a:ea typeface="宋体" panose="02010600030101010101" pitchFamily="2" charset="-122"/>
-              </a:rPr>
-              <a:t>Vcc2</a:t>
-            </a:r>
-            <a:r>
-              <a:rPr lang="zh-CN" altLang="zh-CN" sz="2600" dirty="0">
-                <a:latin typeface="宋体" panose="02010600030101010101" pitchFamily="2" charset="-122"/>
-                <a:ea typeface="宋体" panose="02010600030101010101" pitchFamily="2" charset="-122"/>
-              </a:rPr>
-              <a:t>：主电源</a:t>
-            </a:r>
-          </a:p>
-          <a:p>
-            <a:r>
-              <a:rPr lang="en-US" altLang="zh-CN" sz="2600" dirty="0">
-                <a:latin typeface="宋体" panose="02010600030101010101" pitchFamily="2" charset="-122"/>
-                <a:ea typeface="宋体" panose="02010600030101010101" pitchFamily="2" charset="-122"/>
-              </a:rPr>
-              <a:t>VCC1</a:t>
-            </a:r>
-            <a:r>
-              <a:rPr lang="zh-CN" altLang="zh-CN" sz="2600" dirty="0">
-                <a:latin typeface="宋体" panose="02010600030101010101" pitchFamily="2" charset="-122"/>
-                <a:ea typeface="宋体" panose="02010600030101010101" pitchFamily="2" charset="-122"/>
-              </a:rPr>
-              <a:t>：后备电源。在主电源关闭的情况下，也能保持时钟的连续运行。</a:t>
-            </a:r>
-            <a:r>
-              <a:rPr lang="en-US" altLang="zh-CN" sz="2600" dirty="0">
-                <a:latin typeface="宋体" panose="02010600030101010101" pitchFamily="2" charset="-122"/>
-                <a:ea typeface="宋体" panose="02010600030101010101" pitchFamily="2" charset="-122"/>
-              </a:rPr>
-              <a:t>DS1302</a:t>
-            </a:r>
-            <a:r>
-              <a:rPr lang="zh-CN" altLang="zh-CN" sz="2600" dirty="0">
-                <a:latin typeface="宋体" panose="02010600030101010101" pitchFamily="2" charset="-122"/>
-                <a:ea typeface="宋体" panose="02010600030101010101" pitchFamily="2" charset="-122"/>
-              </a:rPr>
-              <a:t>由</a:t>
-            </a:r>
-            <a:r>
-              <a:rPr lang="en-US" altLang="zh-CN" sz="2600" dirty="0">
-                <a:latin typeface="宋体" panose="02010600030101010101" pitchFamily="2" charset="-122"/>
-                <a:ea typeface="宋体" panose="02010600030101010101" pitchFamily="2" charset="-122"/>
-              </a:rPr>
-              <a:t>Vcc1</a:t>
-            </a:r>
-            <a:r>
-              <a:rPr lang="zh-CN" altLang="zh-CN" sz="2600" dirty="0">
-                <a:latin typeface="宋体" panose="02010600030101010101" pitchFamily="2" charset="-122"/>
-                <a:ea typeface="宋体" panose="02010600030101010101" pitchFamily="2" charset="-122"/>
-              </a:rPr>
-              <a:t>或</a:t>
-            </a:r>
-            <a:r>
-              <a:rPr lang="en-US" altLang="zh-CN" sz="2600" dirty="0">
-                <a:latin typeface="宋体" panose="02010600030101010101" pitchFamily="2" charset="-122"/>
-                <a:ea typeface="宋体" panose="02010600030101010101" pitchFamily="2" charset="-122"/>
-              </a:rPr>
-              <a:t>Vcc2</a:t>
-            </a:r>
-            <a:r>
-              <a:rPr lang="zh-CN" altLang="zh-CN" sz="2600" dirty="0">
-                <a:latin typeface="宋体" panose="02010600030101010101" pitchFamily="2" charset="-122"/>
-                <a:ea typeface="宋体" panose="02010600030101010101" pitchFamily="2" charset="-122"/>
-              </a:rPr>
-              <a:t>两者中的较大者供电。</a:t>
-            </a:r>
-            <a:r>
-              <a:rPr lang="zh-CN" altLang="en-US" sz="2600" dirty="0">
-                <a:latin typeface="宋体" panose="02010600030101010101" pitchFamily="2" charset="-122"/>
-                <a:ea typeface="宋体" panose="02010600030101010101" pitchFamily="2" charset="-122"/>
-              </a:rPr>
-              <a:t>可以接一个</a:t>
-            </a:r>
-            <a:r>
-              <a:rPr lang="en-US" altLang="zh-CN" sz="2600" dirty="0">
-                <a:latin typeface="宋体" panose="02010600030101010101" pitchFamily="2" charset="-122"/>
-                <a:ea typeface="宋体" panose="02010600030101010101" pitchFamily="2" charset="-122"/>
-              </a:rPr>
-              <a:t>3v</a:t>
-            </a:r>
-            <a:r>
-              <a:rPr lang="zh-CN" altLang="en-US" sz="2600" dirty="0">
-                <a:latin typeface="宋体" panose="02010600030101010101" pitchFamily="2" charset="-122"/>
-                <a:ea typeface="宋体" panose="02010600030101010101" pitchFamily="2" charset="-122"/>
-              </a:rPr>
-              <a:t>的纽扣电池， 接</a:t>
-            </a:r>
-            <a:r>
-              <a:rPr lang="en-US" altLang="zh-CN" sz="2600" dirty="0">
-                <a:latin typeface="宋体" panose="02010600030101010101" pitchFamily="2" charset="-122"/>
-                <a:ea typeface="宋体" panose="02010600030101010101" pitchFamily="2" charset="-122"/>
-              </a:rPr>
-              <a:t>5v</a:t>
-            </a:r>
-            <a:r>
-              <a:rPr lang="zh-CN" altLang="en-US" sz="2600" dirty="0">
-                <a:latin typeface="宋体" panose="02010600030101010101" pitchFamily="2" charset="-122"/>
-                <a:ea typeface="宋体" panose="02010600030101010101" pitchFamily="2" charset="-122"/>
-              </a:rPr>
-              <a:t>的外接电源，当外界电源断电后，就会使用纽扣电池供电</a:t>
-            </a:r>
-            <a:endParaRPr lang="zh-CN" altLang="zh-CN" sz="2600" dirty="0">
-              <a:latin typeface="宋体" panose="02010600030101010101" pitchFamily="2" charset="-122"/>
-              <a:ea typeface="宋体" panose="02010600030101010101" pitchFamily="2" charset="-122"/>
-            </a:endParaRPr>
-          </a:p>
-          <a:p>
-            <a:r>
-              <a:rPr lang="en-US" altLang="zh-CN" sz="2600" dirty="0">
-                <a:latin typeface="宋体" panose="02010600030101010101" pitchFamily="2" charset="-122"/>
-                <a:ea typeface="宋体" panose="02010600030101010101" pitchFamily="2" charset="-122"/>
-              </a:rPr>
-              <a:t>X1</a:t>
-            </a:r>
-            <a:r>
-              <a:rPr lang="zh-CN" altLang="zh-CN" sz="2600" dirty="0">
-                <a:latin typeface="宋体" panose="02010600030101010101" pitchFamily="2" charset="-122"/>
-                <a:ea typeface="宋体" panose="02010600030101010101" pitchFamily="2" charset="-122"/>
-              </a:rPr>
-              <a:t>、</a:t>
-            </a:r>
-            <a:r>
-              <a:rPr lang="en-US" altLang="zh-CN" sz="2600" dirty="0">
-                <a:latin typeface="宋体" panose="02010600030101010101" pitchFamily="2" charset="-122"/>
-                <a:ea typeface="宋体" panose="02010600030101010101" pitchFamily="2" charset="-122"/>
-              </a:rPr>
-              <a:t>X2</a:t>
-            </a:r>
-            <a:r>
-              <a:rPr lang="zh-CN" altLang="zh-CN" sz="2600" dirty="0">
-                <a:latin typeface="宋体" panose="02010600030101010101" pitchFamily="2" charset="-122"/>
-                <a:ea typeface="宋体" panose="02010600030101010101" pitchFamily="2" charset="-122"/>
-              </a:rPr>
-              <a:t>：振荡源，外接</a:t>
-            </a:r>
-            <a:r>
-              <a:rPr lang="en-US" altLang="zh-CN" sz="2600" dirty="0">
-                <a:latin typeface="宋体" panose="02010600030101010101" pitchFamily="2" charset="-122"/>
-                <a:ea typeface="宋体" panose="02010600030101010101" pitchFamily="2" charset="-122"/>
-              </a:rPr>
-              <a:t>32.768kHz</a:t>
-            </a:r>
-            <a:r>
-              <a:rPr lang="zh-CN" altLang="zh-CN" sz="2600" dirty="0">
-                <a:latin typeface="宋体" panose="02010600030101010101" pitchFamily="2" charset="-122"/>
-                <a:ea typeface="宋体" panose="02010600030101010101" pitchFamily="2" charset="-122"/>
-              </a:rPr>
-              <a:t>晶振。</a:t>
-            </a:r>
-          </a:p>
-          <a:p>
-            <a:r>
-              <a:rPr lang="en-US" altLang="zh-CN" sz="2600" dirty="0">
-                <a:latin typeface="宋体" panose="02010600030101010101" pitchFamily="2" charset="-122"/>
-                <a:ea typeface="宋体" panose="02010600030101010101" pitchFamily="2" charset="-122"/>
-              </a:rPr>
-              <a:t>RST </a:t>
-            </a:r>
-            <a:r>
-              <a:rPr lang="zh-CN" altLang="zh-CN" sz="2600" dirty="0">
-                <a:latin typeface="宋体" panose="02010600030101010101" pitchFamily="2" charset="-122"/>
-                <a:ea typeface="宋体" panose="02010600030101010101" pitchFamily="2" charset="-122"/>
-              </a:rPr>
-              <a:t>：复位</a:t>
-            </a:r>
-            <a:r>
-              <a:rPr lang="en-US" altLang="zh-CN" sz="2600" dirty="0">
-                <a:latin typeface="宋体" panose="02010600030101010101" pitchFamily="2" charset="-122"/>
-                <a:ea typeface="宋体" panose="02010600030101010101" pitchFamily="2" charset="-122"/>
-              </a:rPr>
-              <a:t>/</a:t>
-            </a:r>
-            <a:r>
-              <a:rPr lang="zh-CN" altLang="en-US" sz="2600" dirty="0">
-                <a:latin typeface="宋体" panose="02010600030101010101" pitchFamily="2" charset="-122"/>
-                <a:ea typeface="宋体" panose="02010600030101010101" pitchFamily="2" charset="-122"/>
-              </a:rPr>
-              <a:t>片选线</a:t>
-            </a:r>
-            <a:endParaRPr lang="en-US" altLang="zh-CN" sz="2600" dirty="0">
-              <a:latin typeface="宋体" panose="02010600030101010101" pitchFamily="2" charset="-122"/>
-              <a:ea typeface="宋体" panose="02010600030101010101" pitchFamily="2" charset="-122"/>
-            </a:endParaRPr>
-          </a:p>
-          <a:p>
-            <a:r>
-              <a:rPr lang="en-US" altLang="zh-CN" sz="2600" dirty="0">
-                <a:latin typeface="宋体" panose="02010600030101010101" pitchFamily="2" charset="-122"/>
-                <a:ea typeface="宋体" panose="02010600030101010101" pitchFamily="2" charset="-122"/>
-              </a:rPr>
-              <a:t>I/O </a:t>
-            </a:r>
-            <a:r>
-              <a:rPr lang="zh-CN" altLang="zh-CN" sz="2600" dirty="0">
-                <a:latin typeface="宋体" panose="02010600030101010101" pitchFamily="2" charset="-122"/>
-                <a:ea typeface="宋体" panose="02010600030101010101" pitchFamily="2" charset="-122"/>
-              </a:rPr>
-              <a:t>：串行数据输入输出端</a:t>
-            </a:r>
-            <a:r>
-              <a:rPr lang="en-US" altLang="zh-CN" sz="2600" dirty="0">
-                <a:latin typeface="宋体" panose="02010600030101010101" pitchFamily="2" charset="-122"/>
-                <a:ea typeface="宋体" panose="02010600030101010101" pitchFamily="2" charset="-122"/>
-              </a:rPr>
-              <a:t>(</a:t>
-            </a:r>
-            <a:r>
-              <a:rPr lang="zh-CN" altLang="zh-CN" sz="2600" dirty="0">
-                <a:latin typeface="宋体" panose="02010600030101010101" pitchFamily="2" charset="-122"/>
-                <a:ea typeface="宋体" panose="02010600030101010101" pitchFamily="2" charset="-122"/>
-              </a:rPr>
-              <a:t>双向</a:t>
-            </a:r>
-            <a:r>
-              <a:rPr lang="en-US" altLang="zh-CN" sz="2600" dirty="0">
-                <a:latin typeface="宋体" panose="02010600030101010101" pitchFamily="2" charset="-122"/>
-                <a:ea typeface="宋体" panose="02010600030101010101" pitchFamily="2" charset="-122"/>
-              </a:rPr>
-              <a:t>)</a:t>
-            </a:r>
-            <a:r>
-              <a:rPr lang="zh-CN" altLang="zh-CN" sz="2600" dirty="0">
-                <a:latin typeface="宋体" panose="02010600030101010101" pitchFamily="2" charset="-122"/>
-                <a:ea typeface="宋体" panose="02010600030101010101" pitchFamily="2" charset="-122"/>
-              </a:rPr>
-              <a:t>；</a:t>
-            </a:r>
-          </a:p>
-          <a:p>
-            <a:r>
-              <a:rPr lang="en-US" altLang="zh-CN" sz="2600" dirty="0">
-                <a:latin typeface="宋体" panose="02010600030101010101" pitchFamily="2" charset="-122"/>
-                <a:ea typeface="宋体" panose="02010600030101010101" pitchFamily="2" charset="-122"/>
-              </a:rPr>
-              <a:t>SCLK</a:t>
-            </a:r>
-            <a:r>
-              <a:rPr lang="zh-CN" altLang="zh-CN" sz="2600" dirty="0">
-                <a:latin typeface="宋体" panose="02010600030101010101" pitchFamily="2" charset="-122"/>
-                <a:ea typeface="宋体" panose="02010600030101010101" pitchFamily="2" charset="-122"/>
-              </a:rPr>
-              <a:t>：时钟输入端。</a:t>
-            </a:r>
-          </a:p>
-          <a:p>
-            <a:endParaRPr lang="zh-CN" altLang="en-US" dirty="0"/>
+              <a:rPr lang="zh-CN" altLang="en-US" dirty="0"/>
+              <a:t>使用电位器控制舵机转动</a:t>
+            </a:r>
+            <a:endParaRPr lang="en-US" altLang="zh-CN" dirty="0"/>
+          </a:p>
+          <a:p>
+            <a:r>
+              <a:rPr lang="zh-CN" altLang="en-US" dirty="0"/>
+              <a:t>电路保持不变</a:t>
+            </a:r>
           </a:p>
         </p:txBody>
       </p:sp>
       <p:pic>
         <p:nvPicPr>
-          <p:cNvPr id="4" name="内容占位符 3" descr="t01ff1dfe65719a8abc">
+          <p:cNvPr id="4" name="图片 3">
             <a:extLst>
               <a:ext uri="{FF2B5EF4-FFF2-40B4-BE49-F238E27FC236}">
-                <a16:creationId xmlns:a16="http://schemas.microsoft.com/office/drawing/2014/main" id="{CB8643CD-3C1C-43BC-9527-0E58E9F8AD73}"/>
+                <a16:creationId xmlns:a16="http://schemas.microsoft.com/office/drawing/2014/main" id="{0E42E74B-E14E-D0D4-6ADC-A576C6A80946}"/>
               </a:ext>
             </a:extLst>
           </p:cNvPr>
           <p:cNvPicPr>
-            <a:picLocks/>
+            <a:picLocks noChangeAspect="1"/>
           </p:cNvPicPr>
           <p:nvPr/>
         </p:nvPicPr>
@@ -10237,8 +10540,8 @@
         </p:blipFill>
         <p:spPr>
           <a:xfrm>
-            <a:off x="7597664" y="4001294"/>
-            <a:ext cx="3057143" cy="1781424"/>
+            <a:off x="6877686" y="7620"/>
+            <a:ext cx="3772535" cy="673100"/>
           </a:xfrm>
           <a:prstGeom prst="rect">
             <a:avLst/>
@@ -10248,7 +10551,7 @@
     </p:spTree>
     <p:extLst>
       <p:ext uri="{BB962C8B-B14F-4D97-AF65-F5344CB8AC3E}">
-        <p14:creationId xmlns:p14="http://schemas.microsoft.com/office/powerpoint/2010/main" val="447454756"/>
+        <p14:creationId xmlns:p14="http://schemas.microsoft.com/office/powerpoint/2010/main" val="2703238040"/>
       </p:ext>
     </p:extLst>
   </p:cSld>
@@ -10292,7 +10595,7 @@
           <p:cNvPr id="2" name="标题 1">
             <a:extLst>
               <a:ext uri="{FF2B5EF4-FFF2-40B4-BE49-F238E27FC236}">
-                <a16:creationId xmlns:a16="http://schemas.microsoft.com/office/drawing/2014/main" id="{F50AD1AF-5ED0-4139-ADAF-626229929CF5}"/>
+                <a16:creationId xmlns:a16="http://schemas.microsoft.com/office/drawing/2014/main" id="{5FB73EBC-6791-4AE9-9DEC-C745E9726251}"/>
               </a:ext>
             </a:extLst>
           </p:cNvPr>
@@ -10305,33 +10608,136 @@
         </p:nvSpPr>
         <p:spPr/>
         <p:txBody>
-          <a:bodyPr>
-            <a:normAutofit/>
-          </a:bodyPr>
+          <a:bodyPr/>
           <a:lstStyle/>
           <a:p>
-            <a:r>
-              <a:rPr lang="zh-CN" altLang="en-US" sz="2800" dirty="0"/>
-              <a:t>原理图</a:t>
-            </a:r>
+            <a:pPr algn="ctr"/>
+            <a:r>
+              <a:rPr lang="en-US" altLang="zh-CN" dirty="0"/>
+              <a:t>DS1302</a:t>
+            </a:r>
+            <a:r>
+              <a:rPr lang="zh-CN" altLang="en-US" dirty="0"/>
+              <a:t>时钟</a:t>
+            </a:r>
+          </a:p>
+        </p:txBody>
+      </p:sp>
+      <p:sp>
+        <p:nvSpPr>
+          <p:cNvPr id="3" name="内容占位符 2">
+            <a:extLst>
+              <a:ext uri="{FF2B5EF4-FFF2-40B4-BE49-F238E27FC236}">
+                <a16:creationId xmlns:a16="http://schemas.microsoft.com/office/drawing/2014/main" id="{46610B04-BAAA-422E-BF75-9C031AD70B75}"/>
+              </a:ext>
+            </a:extLst>
+          </p:cNvPr>
+          <p:cNvSpPr>
+            <a:spLocks noGrp="1"/>
+          </p:cNvSpPr>
+          <p:nvPr>
+            <p:ph idx="1"/>
+          </p:nvPr>
+        </p:nvSpPr>
+        <p:spPr/>
+        <p:txBody>
+          <a:bodyPr/>
+          <a:lstStyle/>
+          <a:p>
+            <a:r>
+              <a:rPr lang="en-US" altLang="zh-CN" dirty="0"/>
+              <a:t>DS1302</a:t>
+            </a:r>
+            <a:r>
+              <a:rPr lang="zh-CN" altLang="zh-CN" dirty="0"/>
+              <a:t>是由美国</a:t>
+            </a:r>
+            <a:r>
+              <a:rPr lang="en-US" altLang="zh-CN" dirty="0"/>
+              <a:t>DALLAS</a:t>
+            </a:r>
+            <a:r>
+              <a:rPr lang="zh-CN" altLang="zh-CN" dirty="0"/>
+              <a:t>公司推出的具有涓细电流充电能力的低功耗实时时钟芯片。它可以对年、月、日、周、时、分、秒进行计时，且具有闰年补偿等多种功能。</a:t>
+            </a:r>
+          </a:p>
+          <a:p>
+            <a:r>
+              <a:rPr lang="zh-CN" altLang="zh-CN" dirty="0"/>
+              <a:t>采用串行数据传输，可为掉电保护电源提供可编程的充电功能，并且可以关闭充电功能。</a:t>
+            </a:r>
+            <a:endParaRPr lang="en-US" altLang="zh-CN" dirty="0"/>
+          </a:p>
+          <a:p>
+            <a:r>
+              <a:rPr lang="zh-CN" altLang="zh-CN" dirty="0"/>
+              <a:t>采用普通</a:t>
+            </a:r>
+            <a:r>
+              <a:rPr lang="en-US" altLang="zh-CN" dirty="0"/>
+              <a:t>32.768kHz</a:t>
+            </a:r>
+            <a:r>
+              <a:rPr lang="zh-CN" altLang="zh-CN" dirty="0"/>
+              <a:t>晶振工作电压为</a:t>
+            </a:r>
+            <a:r>
+              <a:rPr lang="en-US" altLang="zh-CN" dirty="0"/>
+              <a:t>2.0V~5.5V,</a:t>
+            </a:r>
+            <a:r>
+              <a:rPr lang="zh-CN" altLang="zh-CN" dirty="0"/>
+              <a:t>采用三线接口与</a:t>
+            </a:r>
+            <a:r>
+              <a:rPr lang="en-US" altLang="zh-CN" dirty="0"/>
+              <a:t>CPU</a:t>
+            </a:r>
+            <a:r>
+              <a:rPr lang="zh-CN" altLang="zh-CN" dirty="0"/>
+              <a:t>进行</a:t>
+            </a:r>
+            <a:r>
+              <a:rPr lang="zh-CN" altLang="en-US" dirty="0"/>
+              <a:t>同步通信</a:t>
+            </a:r>
+            <a:r>
+              <a:rPr lang="zh-CN" altLang="zh-CN" dirty="0"/>
+              <a:t>，可以跟</a:t>
+            </a:r>
+            <a:r>
+              <a:rPr lang="en-US" altLang="zh-CN" dirty="0"/>
+              <a:t>Arduino</a:t>
+            </a:r>
+            <a:r>
+              <a:rPr lang="zh-CN" altLang="zh-CN" dirty="0"/>
+              <a:t>只需要</a:t>
+            </a:r>
+            <a:r>
+              <a:rPr lang="en-US" altLang="zh-CN" dirty="0"/>
+              <a:t>3</a:t>
+            </a:r>
+            <a:r>
+              <a:rPr lang="zh-CN" altLang="zh-CN" dirty="0"/>
+              <a:t>条数据连接线即可使用。</a:t>
+            </a:r>
+            <a:endParaRPr lang="en-US" altLang="zh-CN" dirty="0"/>
           </a:p>
         </p:txBody>
       </p:sp>
       <p:pic>
         <p:nvPicPr>
-          <p:cNvPr id="5" name="内容占位符 4">
+          <p:cNvPr id="4" name="图片 3">
             <a:extLst>
               <a:ext uri="{FF2B5EF4-FFF2-40B4-BE49-F238E27FC236}">
-                <a16:creationId xmlns:a16="http://schemas.microsoft.com/office/drawing/2014/main" id="{645E7070-5FBC-4CCE-9435-E7EA8458650F}"/>
+                <a16:creationId xmlns:a16="http://schemas.microsoft.com/office/drawing/2014/main" id="{2C2F6305-A7F1-A2CA-2C01-04B59EEE36E5}"/>
               </a:ext>
             </a:extLst>
           </p:cNvPr>
           <p:cNvPicPr>
-            <a:picLocks noGrp="1" noChangeAspect="1"/>
+            <a:picLocks noChangeAspect="1"/>
           </p:cNvPicPr>
-          <p:nvPr>
-            <p:ph idx="1"/>
-          </p:nvPr>
+          <p:nvPr/>
         </p:nvPicPr>
         <p:blipFill>
           <a:blip r:embed="rId2"/>
@@ -10341,8 +10747,8 @@
         </p:blipFill>
         <p:spPr>
           <a:xfrm>
-            <a:off x="4879236" y="3345444"/>
-            <a:ext cx="3133616" cy="1975275"/>
+            <a:off x="6877686" y="7620"/>
+            <a:ext cx="3772535" cy="673100"/>
           </a:xfrm>
           <a:prstGeom prst="rect">
             <a:avLst/>
@@ -10352,7 +10758,7 @@
     </p:spTree>
     <p:extLst>
       <p:ext uri="{BB962C8B-B14F-4D97-AF65-F5344CB8AC3E}">
-        <p14:creationId xmlns:p14="http://schemas.microsoft.com/office/powerpoint/2010/main" val="3651698160"/>
+        <p14:creationId xmlns:p14="http://schemas.microsoft.com/office/powerpoint/2010/main" val="3076044546"/>
       </p:ext>
     </p:extLst>
   </p:cSld>
@@ -10396,6 +10802,561 @@
           <p:cNvPr id="2" name="标题 1">
             <a:extLst>
               <a:ext uri="{FF2B5EF4-FFF2-40B4-BE49-F238E27FC236}">
+                <a16:creationId xmlns:a16="http://schemas.microsoft.com/office/drawing/2014/main" id="{74DD0957-884A-4BA6-8648-F52C901C8C72}"/>
+              </a:ext>
+            </a:extLst>
+          </p:cNvPr>
+          <p:cNvSpPr>
+            <a:spLocks noGrp="1"/>
+          </p:cNvSpPr>
+          <p:nvPr>
+            <p:ph type="title"/>
+          </p:nvPr>
+        </p:nvSpPr>
+        <p:spPr/>
+        <p:txBody>
+          <a:bodyPr/>
+          <a:lstStyle/>
+          <a:p>
+            <a:r>
+              <a:rPr lang="en-US" altLang="zh-CN" sz="2800" dirty="0">
+                <a:solidFill>
+                  <a:prstClr val="black"/>
+                </a:solidFill>
+              </a:rPr>
+              <a:t>DS1302</a:t>
+            </a:r>
+            <a:r>
+              <a:rPr lang="zh-CN" altLang="en-US" sz="2800" dirty="0">
+                <a:solidFill>
+                  <a:prstClr val="black"/>
+                </a:solidFill>
+              </a:rPr>
+              <a:t>芯片引脚图</a:t>
+            </a:r>
+            <a:endParaRPr lang="zh-CN" altLang="en-US" dirty="0"/>
+          </a:p>
+        </p:txBody>
+      </p:sp>
+      <p:sp>
+        <p:nvSpPr>
+          <p:cNvPr id="3" name="内容占位符 2">
+            <a:extLst>
+              <a:ext uri="{FF2B5EF4-FFF2-40B4-BE49-F238E27FC236}">
+                <a16:creationId xmlns:a16="http://schemas.microsoft.com/office/drawing/2014/main" id="{4672D6F2-608F-4D55-AA38-0C48D74B1C8F}"/>
+              </a:ext>
+            </a:extLst>
+          </p:cNvPr>
+          <p:cNvSpPr>
+            <a:spLocks noGrp="1"/>
+          </p:cNvSpPr>
+          <p:nvPr>
+            <p:ph idx="1"/>
+          </p:nvPr>
+        </p:nvSpPr>
+        <p:spPr/>
+        <p:txBody>
+          <a:bodyPr>
+            <a:normAutofit fontScale="92500" lnSpcReduction="20000"/>
+          </a:bodyPr>
+          <a:lstStyle/>
+          <a:p>
+            <a:r>
+              <a:rPr lang="en-US" altLang="zh-CN" sz="2600" dirty="0">
+                <a:latin typeface="宋体" panose="02010600030101010101" pitchFamily="2" charset="-122"/>
+                <a:ea typeface="宋体" panose="02010600030101010101" pitchFamily="2" charset="-122"/>
+              </a:rPr>
+              <a:t>Vcc2</a:t>
+            </a:r>
+            <a:r>
+              <a:rPr lang="zh-CN" altLang="zh-CN" sz="2600" dirty="0">
+                <a:latin typeface="宋体" panose="02010600030101010101" pitchFamily="2" charset="-122"/>
+                <a:ea typeface="宋体" panose="02010600030101010101" pitchFamily="2" charset="-122"/>
+              </a:rPr>
+              <a:t>：主电源</a:t>
+            </a:r>
+          </a:p>
+          <a:p>
+            <a:r>
+              <a:rPr lang="en-US" altLang="zh-CN" sz="2600" dirty="0">
+                <a:latin typeface="宋体" panose="02010600030101010101" pitchFamily="2" charset="-122"/>
+                <a:ea typeface="宋体" panose="02010600030101010101" pitchFamily="2" charset="-122"/>
+              </a:rPr>
+              <a:t>VCC1</a:t>
+            </a:r>
+            <a:r>
+              <a:rPr lang="zh-CN" altLang="zh-CN" sz="2600" dirty="0">
+                <a:latin typeface="宋体" panose="02010600030101010101" pitchFamily="2" charset="-122"/>
+                <a:ea typeface="宋体" panose="02010600030101010101" pitchFamily="2" charset="-122"/>
+              </a:rPr>
+              <a:t>：后备电源。在主电源关闭的情况下，也能保持时钟的连续运行。</a:t>
+            </a:r>
+            <a:r>
+              <a:rPr lang="en-US" altLang="zh-CN" sz="2600" dirty="0">
+                <a:latin typeface="宋体" panose="02010600030101010101" pitchFamily="2" charset="-122"/>
+                <a:ea typeface="宋体" panose="02010600030101010101" pitchFamily="2" charset="-122"/>
+              </a:rPr>
+              <a:t>DS1302</a:t>
+            </a:r>
+            <a:r>
+              <a:rPr lang="zh-CN" altLang="zh-CN" sz="2600" dirty="0">
+                <a:latin typeface="宋体" panose="02010600030101010101" pitchFamily="2" charset="-122"/>
+                <a:ea typeface="宋体" panose="02010600030101010101" pitchFamily="2" charset="-122"/>
+              </a:rPr>
+              <a:t>由</a:t>
+            </a:r>
+            <a:r>
+              <a:rPr lang="en-US" altLang="zh-CN" sz="2600" dirty="0">
+                <a:latin typeface="宋体" panose="02010600030101010101" pitchFamily="2" charset="-122"/>
+                <a:ea typeface="宋体" panose="02010600030101010101" pitchFamily="2" charset="-122"/>
+              </a:rPr>
+              <a:t>Vcc1</a:t>
+            </a:r>
+            <a:r>
+              <a:rPr lang="zh-CN" altLang="zh-CN" sz="2600" dirty="0">
+                <a:latin typeface="宋体" panose="02010600030101010101" pitchFamily="2" charset="-122"/>
+                <a:ea typeface="宋体" panose="02010600030101010101" pitchFamily="2" charset="-122"/>
+              </a:rPr>
+              <a:t>或</a:t>
+            </a:r>
+            <a:r>
+              <a:rPr lang="en-US" altLang="zh-CN" sz="2600" dirty="0">
+                <a:latin typeface="宋体" panose="02010600030101010101" pitchFamily="2" charset="-122"/>
+                <a:ea typeface="宋体" panose="02010600030101010101" pitchFamily="2" charset="-122"/>
+              </a:rPr>
+              <a:t>Vcc2</a:t>
+            </a:r>
+            <a:r>
+              <a:rPr lang="zh-CN" altLang="zh-CN" sz="2600" dirty="0">
+                <a:latin typeface="宋体" panose="02010600030101010101" pitchFamily="2" charset="-122"/>
+                <a:ea typeface="宋体" panose="02010600030101010101" pitchFamily="2" charset="-122"/>
+              </a:rPr>
+              <a:t>两者中的较大者供电。</a:t>
+            </a:r>
+            <a:r>
+              <a:rPr lang="zh-CN" altLang="en-US" sz="2600" dirty="0">
+                <a:latin typeface="宋体" panose="02010600030101010101" pitchFamily="2" charset="-122"/>
+                <a:ea typeface="宋体" panose="02010600030101010101" pitchFamily="2" charset="-122"/>
+              </a:rPr>
+              <a:t>可以接一个</a:t>
+            </a:r>
+            <a:r>
+              <a:rPr lang="en-US" altLang="zh-CN" sz="2600" dirty="0">
+                <a:latin typeface="宋体" panose="02010600030101010101" pitchFamily="2" charset="-122"/>
+                <a:ea typeface="宋体" panose="02010600030101010101" pitchFamily="2" charset="-122"/>
+              </a:rPr>
+              <a:t>3v</a:t>
+            </a:r>
+            <a:r>
+              <a:rPr lang="zh-CN" altLang="en-US" sz="2600" dirty="0">
+                <a:latin typeface="宋体" panose="02010600030101010101" pitchFamily="2" charset="-122"/>
+                <a:ea typeface="宋体" panose="02010600030101010101" pitchFamily="2" charset="-122"/>
+              </a:rPr>
+              <a:t>的纽扣电池， 接</a:t>
+            </a:r>
+            <a:r>
+              <a:rPr lang="en-US" altLang="zh-CN" sz="2600" dirty="0">
+                <a:latin typeface="宋体" panose="02010600030101010101" pitchFamily="2" charset="-122"/>
+                <a:ea typeface="宋体" panose="02010600030101010101" pitchFamily="2" charset="-122"/>
+              </a:rPr>
+              <a:t>5v</a:t>
+            </a:r>
+            <a:r>
+              <a:rPr lang="zh-CN" altLang="en-US" sz="2600" dirty="0">
+                <a:latin typeface="宋体" panose="02010600030101010101" pitchFamily="2" charset="-122"/>
+                <a:ea typeface="宋体" panose="02010600030101010101" pitchFamily="2" charset="-122"/>
+              </a:rPr>
+              <a:t>的外接电源，当外界电源断电后，就会使用纽扣电池供电</a:t>
+            </a:r>
+            <a:endParaRPr lang="zh-CN" altLang="zh-CN" sz="2600" dirty="0">
+              <a:latin typeface="宋体" panose="02010600030101010101" pitchFamily="2" charset="-122"/>
+              <a:ea typeface="宋体" panose="02010600030101010101" pitchFamily="2" charset="-122"/>
+            </a:endParaRPr>
+          </a:p>
+          <a:p>
+            <a:r>
+              <a:rPr lang="en-US" altLang="zh-CN" sz="2600" dirty="0">
+                <a:latin typeface="宋体" panose="02010600030101010101" pitchFamily="2" charset="-122"/>
+                <a:ea typeface="宋体" panose="02010600030101010101" pitchFamily="2" charset="-122"/>
+              </a:rPr>
+              <a:t>X1</a:t>
+            </a:r>
+            <a:r>
+              <a:rPr lang="zh-CN" altLang="zh-CN" sz="2600" dirty="0">
+                <a:latin typeface="宋体" panose="02010600030101010101" pitchFamily="2" charset="-122"/>
+                <a:ea typeface="宋体" panose="02010600030101010101" pitchFamily="2" charset="-122"/>
+              </a:rPr>
+              <a:t>、</a:t>
+            </a:r>
+            <a:r>
+              <a:rPr lang="en-US" altLang="zh-CN" sz="2600" dirty="0">
+                <a:latin typeface="宋体" panose="02010600030101010101" pitchFamily="2" charset="-122"/>
+                <a:ea typeface="宋体" panose="02010600030101010101" pitchFamily="2" charset="-122"/>
+              </a:rPr>
+              <a:t>X2</a:t>
+            </a:r>
+            <a:r>
+              <a:rPr lang="zh-CN" altLang="zh-CN" sz="2600" dirty="0">
+                <a:latin typeface="宋体" panose="02010600030101010101" pitchFamily="2" charset="-122"/>
+                <a:ea typeface="宋体" panose="02010600030101010101" pitchFamily="2" charset="-122"/>
+              </a:rPr>
+              <a:t>：振荡源，外接</a:t>
+            </a:r>
+            <a:r>
+              <a:rPr lang="en-US" altLang="zh-CN" sz="2600" dirty="0">
+                <a:latin typeface="宋体" panose="02010600030101010101" pitchFamily="2" charset="-122"/>
+                <a:ea typeface="宋体" panose="02010600030101010101" pitchFamily="2" charset="-122"/>
+              </a:rPr>
+              <a:t>32.768kHz</a:t>
+            </a:r>
+            <a:r>
+              <a:rPr lang="zh-CN" altLang="zh-CN" sz="2600" dirty="0">
+                <a:latin typeface="宋体" panose="02010600030101010101" pitchFamily="2" charset="-122"/>
+                <a:ea typeface="宋体" panose="02010600030101010101" pitchFamily="2" charset="-122"/>
+              </a:rPr>
+              <a:t>晶振。</a:t>
+            </a:r>
+          </a:p>
+          <a:p>
+            <a:r>
+              <a:rPr lang="en-US" altLang="zh-CN" sz="2600" dirty="0">
+                <a:latin typeface="宋体" panose="02010600030101010101" pitchFamily="2" charset="-122"/>
+                <a:ea typeface="宋体" panose="02010600030101010101" pitchFamily="2" charset="-122"/>
+              </a:rPr>
+              <a:t>RST </a:t>
+            </a:r>
+            <a:r>
+              <a:rPr lang="zh-CN" altLang="zh-CN" sz="2600" dirty="0">
+                <a:latin typeface="宋体" panose="02010600030101010101" pitchFamily="2" charset="-122"/>
+                <a:ea typeface="宋体" panose="02010600030101010101" pitchFamily="2" charset="-122"/>
+              </a:rPr>
+              <a:t>：复位</a:t>
+            </a:r>
+            <a:r>
+              <a:rPr lang="en-US" altLang="zh-CN" sz="2600" dirty="0">
+                <a:latin typeface="宋体" panose="02010600030101010101" pitchFamily="2" charset="-122"/>
+                <a:ea typeface="宋体" panose="02010600030101010101" pitchFamily="2" charset="-122"/>
+              </a:rPr>
+              <a:t>/</a:t>
+            </a:r>
+            <a:r>
+              <a:rPr lang="zh-CN" altLang="en-US" sz="2600" dirty="0">
+                <a:latin typeface="宋体" panose="02010600030101010101" pitchFamily="2" charset="-122"/>
+                <a:ea typeface="宋体" panose="02010600030101010101" pitchFamily="2" charset="-122"/>
+              </a:rPr>
+              <a:t>片选线</a:t>
+            </a:r>
+            <a:endParaRPr lang="en-US" altLang="zh-CN" sz="2600" dirty="0">
+              <a:latin typeface="宋体" panose="02010600030101010101" pitchFamily="2" charset="-122"/>
+              <a:ea typeface="宋体" panose="02010600030101010101" pitchFamily="2" charset="-122"/>
+            </a:endParaRPr>
+          </a:p>
+          <a:p>
+            <a:r>
+              <a:rPr lang="en-US" altLang="zh-CN" sz="2600" dirty="0">
+                <a:latin typeface="宋体" panose="02010600030101010101" pitchFamily="2" charset="-122"/>
+                <a:ea typeface="宋体" panose="02010600030101010101" pitchFamily="2" charset="-122"/>
+              </a:rPr>
+              <a:t>I/O </a:t>
+            </a:r>
+            <a:r>
+              <a:rPr lang="zh-CN" altLang="zh-CN" sz="2600" dirty="0">
+                <a:latin typeface="宋体" panose="02010600030101010101" pitchFamily="2" charset="-122"/>
+                <a:ea typeface="宋体" panose="02010600030101010101" pitchFamily="2" charset="-122"/>
+              </a:rPr>
+              <a:t>：串行数据输入输出端</a:t>
+            </a:r>
+            <a:r>
+              <a:rPr lang="en-US" altLang="zh-CN" sz="2600" dirty="0">
+                <a:latin typeface="宋体" panose="02010600030101010101" pitchFamily="2" charset="-122"/>
+                <a:ea typeface="宋体" panose="02010600030101010101" pitchFamily="2" charset="-122"/>
+              </a:rPr>
+              <a:t>(</a:t>
+            </a:r>
+            <a:r>
+              <a:rPr lang="zh-CN" altLang="zh-CN" sz="2600" dirty="0">
+                <a:latin typeface="宋体" panose="02010600030101010101" pitchFamily="2" charset="-122"/>
+                <a:ea typeface="宋体" panose="02010600030101010101" pitchFamily="2" charset="-122"/>
+              </a:rPr>
+              <a:t>双向</a:t>
+            </a:r>
+            <a:r>
+              <a:rPr lang="en-US" altLang="zh-CN" sz="2600" dirty="0">
+                <a:latin typeface="宋体" panose="02010600030101010101" pitchFamily="2" charset="-122"/>
+                <a:ea typeface="宋体" panose="02010600030101010101" pitchFamily="2" charset="-122"/>
+              </a:rPr>
+              <a:t>)</a:t>
+            </a:r>
+            <a:r>
+              <a:rPr lang="zh-CN" altLang="zh-CN" sz="2600" dirty="0">
+                <a:latin typeface="宋体" panose="02010600030101010101" pitchFamily="2" charset="-122"/>
+                <a:ea typeface="宋体" panose="02010600030101010101" pitchFamily="2" charset="-122"/>
+              </a:rPr>
+              <a:t>；</a:t>
+            </a:r>
+          </a:p>
+          <a:p>
+            <a:r>
+              <a:rPr lang="en-US" altLang="zh-CN" sz="2600" dirty="0">
+                <a:latin typeface="宋体" panose="02010600030101010101" pitchFamily="2" charset="-122"/>
+                <a:ea typeface="宋体" panose="02010600030101010101" pitchFamily="2" charset="-122"/>
+              </a:rPr>
+              <a:t>SCLK</a:t>
+            </a:r>
+            <a:r>
+              <a:rPr lang="zh-CN" altLang="zh-CN" sz="2600" dirty="0">
+                <a:latin typeface="宋体" panose="02010600030101010101" pitchFamily="2" charset="-122"/>
+                <a:ea typeface="宋体" panose="02010600030101010101" pitchFamily="2" charset="-122"/>
+              </a:rPr>
+              <a:t>：时钟输入端。</a:t>
+            </a:r>
+          </a:p>
+          <a:p>
+            <a:endParaRPr lang="zh-CN" altLang="en-US" dirty="0"/>
+          </a:p>
+        </p:txBody>
+      </p:sp>
+      <p:pic>
+        <p:nvPicPr>
+          <p:cNvPr id="4" name="内容占位符 3" descr="t01ff1dfe65719a8abc">
+            <a:extLst>
+              <a:ext uri="{FF2B5EF4-FFF2-40B4-BE49-F238E27FC236}">
+                <a16:creationId xmlns:a16="http://schemas.microsoft.com/office/drawing/2014/main" id="{CB8643CD-3C1C-43BC-9527-0E58E9F8AD73}"/>
+              </a:ext>
+            </a:extLst>
+          </p:cNvPr>
+          <p:cNvPicPr>
+            <a:picLocks/>
+          </p:cNvPicPr>
+          <p:nvPr/>
+        </p:nvPicPr>
+        <p:blipFill>
+          <a:blip r:embed="rId2"/>
+          <a:stretch>
+            <a:fillRect/>
+          </a:stretch>
+        </p:blipFill>
+        <p:spPr>
+          <a:xfrm>
+            <a:off x="7597664" y="4001294"/>
+            <a:ext cx="3057143" cy="1781424"/>
+          </a:xfrm>
+          <a:prstGeom prst="rect">
+            <a:avLst/>
+          </a:prstGeom>
+        </p:spPr>
+      </p:pic>
+      <p:pic>
+        <p:nvPicPr>
+          <p:cNvPr id="5" name="图片 4">
+            <a:extLst>
+              <a:ext uri="{FF2B5EF4-FFF2-40B4-BE49-F238E27FC236}">
+                <a16:creationId xmlns:a16="http://schemas.microsoft.com/office/drawing/2014/main" id="{2FD9DF59-907B-F017-8DA8-4D7C8AAD5747}"/>
+              </a:ext>
+            </a:extLst>
+          </p:cNvPr>
+          <p:cNvPicPr>
+            <a:picLocks noChangeAspect="1"/>
+          </p:cNvPicPr>
+          <p:nvPr/>
+        </p:nvPicPr>
+        <p:blipFill>
+          <a:blip r:embed="rId3"/>
+          <a:stretch>
+            <a:fillRect/>
+          </a:stretch>
+        </p:blipFill>
+        <p:spPr>
+          <a:xfrm>
+            <a:off x="6877686" y="7620"/>
+            <a:ext cx="3772535" cy="673100"/>
+          </a:xfrm>
+          <a:prstGeom prst="rect">
+            <a:avLst/>
+          </a:prstGeom>
+        </p:spPr>
+      </p:pic>
+    </p:spTree>
+    <p:extLst>
+      <p:ext uri="{BB962C8B-B14F-4D97-AF65-F5344CB8AC3E}">
+        <p14:creationId xmlns:p14="http://schemas.microsoft.com/office/powerpoint/2010/main" val="447454756"/>
+      </p:ext>
+    </p:extLst>
+  </p:cSld>
+  <p:clrMapOvr>
+    <a:masterClrMapping/>
+  </p:clrMapOvr>
+  <mc:AlternateContent xmlns:mc="http://schemas.openxmlformats.org/markup-compatibility/2006" xmlns:p14="http://schemas.microsoft.com/office/powerpoint/2010/main">
+    <mc:Choice Requires="p14">
+      <p:transition spd="slow" p14:dur="1250">
+        <p:push dir="u"/>
+      </p:transition>
+    </mc:Choice>
+    <mc:Fallback xmlns="">
+      <p:transition spd="slow">
+        <p:push dir="u"/>
+      </p:transition>
+    </mc:Fallback>
+  </mc:AlternateContent>
+</p:sld>
+</file>
+
+<file path=ppt/slides/slide28.xml><?xml version="1.0" encoding="utf-8"?>
+<p:sld xmlns:a="http://schemas.openxmlformats.org/drawingml/2006/main" xmlns:r="http://schemas.openxmlformats.org/officeDocument/2006/relationships" xmlns:p="http://schemas.openxmlformats.org/presentationml/2006/main">
+  <p:cSld>
+    <p:spTree>
+      <p:nvGrpSpPr>
+        <p:cNvPr id="1" name=""/>
+        <p:cNvGrpSpPr/>
+        <p:nvPr/>
+      </p:nvGrpSpPr>
+      <p:grpSpPr>
+        <a:xfrm>
+          <a:off x="0" y="0"/>
+          <a:ext cx="0" cy="0"/>
+          <a:chOff x="0" y="0"/>
+          <a:chExt cx="0" cy="0"/>
+        </a:xfrm>
+      </p:grpSpPr>
+      <p:sp>
+        <p:nvSpPr>
+          <p:cNvPr id="2" name="标题 1">
+            <a:extLst>
+              <a:ext uri="{FF2B5EF4-FFF2-40B4-BE49-F238E27FC236}">
+                <a16:creationId xmlns:a16="http://schemas.microsoft.com/office/drawing/2014/main" id="{F50AD1AF-5ED0-4139-ADAF-626229929CF5}"/>
+              </a:ext>
+            </a:extLst>
+          </p:cNvPr>
+          <p:cNvSpPr>
+            <a:spLocks noGrp="1"/>
+          </p:cNvSpPr>
+          <p:nvPr>
+            <p:ph type="title"/>
+          </p:nvPr>
+        </p:nvSpPr>
+        <p:spPr/>
+        <p:txBody>
+          <a:bodyPr>
+            <a:normAutofit/>
+          </a:bodyPr>
+          <a:lstStyle/>
+          <a:p>
+            <a:r>
+              <a:rPr lang="zh-CN" altLang="en-US" sz="2800" dirty="0"/>
+              <a:t>原理图</a:t>
+            </a:r>
+          </a:p>
+        </p:txBody>
+      </p:sp>
+      <p:pic>
+        <p:nvPicPr>
+          <p:cNvPr id="5" name="内容占位符 4">
+            <a:extLst>
+              <a:ext uri="{FF2B5EF4-FFF2-40B4-BE49-F238E27FC236}">
+                <a16:creationId xmlns:a16="http://schemas.microsoft.com/office/drawing/2014/main" id="{645E7070-5FBC-4CCE-9435-E7EA8458650F}"/>
+              </a:ext>
+            </a:extLst>
+          </p:cNvPr>
+          <p:cNvPicPr>
+            <a:picLocks noGrp="1" noChangeAspect="1"/>
+          </p:cNvPicPr>
+          <p:nvPr>
+            <p:ph idx="1"/>
+          </p:nvPr>
+        </p:nvPicPr>
+        <p:blipFill>
+          <a:blip r:embed="rId2"/>
+          <a:stretch>
+            <a:fillRect/>
+          </a:stretch>
+        </p:blipFill>
+        <p:spPr>
+          <a:xfrm>
+            <a:off x="4879236" y="3345444"/>
+            <a:ext cx="3133616" cy="1975275"/>
+          </a:xfrm>
+          <a:prstGeom prst="rect">
+            <a:avLst/>
+          </a:prstGeom>
+        </p:spPr>
+      </p:pic>
+      <p:pic>
+        <p:nvPicPr>
+          <p:cNvPr id="4" name="图片 3">
+            <a:extLst>
+              <a:ext uri="{FF2B5EF4-FFF2-40B4-BE49-F238E27FC236}">
+                <a16:creationId xmlns:a16="http://schemas.microsoft.com/office/drawing/2014/main" id="{96EE811F-FAFD-1A86-7394-EB2AF533FF67}"/>
+              </a:ext>
+            </a:extLst>
+          </p:cNvPr>
+          <p:cNvPicPr>
+            <a:picLocks noChangeAspect="1"/>
+          </p:cNvPicPr>
+          <p:nvPr/>
+        </p:nvPicPr>
+        <p:blipFill>
+          <a:blip r:embed="rId3"/>
+          <a:stretch>
+            <a:fillRect/>
+          </a:stretch>
+        </p:blipFill>
+        <p:spPr>
+          <a:xfrm>
+            <a:off x="6877686" y="7620"/>
+            <a:ext cx="3772535" cy="673100"/>
+          </a:xfrm>
+          <a:prstGeom prst="rect">
+            <a:avLst/>
+          </a:prstGeom>
+        </p:spPr>
+      </p:pic>
+    </p:spTree>
+    <p:extLst>
+      <p:ext uri="{BB962C8B-B14F-4D97-AF65-F5344CB8AC3E}">
+        <p14:creationId xmlns:p14="http://schemas.microsoft.com/office/powerpoint/2010/main" val="3651698160"/>
+      </p:ext>
+    </p:extLst>
+  </p:cSld>
+  <p:clrMapOvr>
+    <a:masterClrMapping/>
+  </p:clrMapOvr>
+  <mc:AlternateContent xmlns:mc="http://schemas.openxmlformats.org/markup-compatibility/2006" xmlns:p14="http://schemas.microsoft.com/office/powerpoint/2010/main">
+    <mc:Choice Requires="p14">
+      <p:transition spd="slow" p14:dur="1250">
+        <p:push dir="u"/>
+      </p:transition>
+    </mc:Choice>
+    <mc:Fallback xmlns="">
+      <p:transition spd="slow">
+        <p:push dir="u"/>
+      </p:transition>
+    </mc:Fallback>
+  </mc:AlternateContent>
+</p:sld>
+</file>
+
+<file path=ppt/slides/slide29.xml><?xml version="1.0" encoding="utf-8"?>
+<p:sld xmlns:a="http://schemas.openxmlformats.org/drawingml/2006/main" xmlns:r="http://schemas.openxmlformats.org/officeDocument/2006/relationships" xmlns:p="http://schemas.openxmlformats.org/presentationml/2006/main">
+  <p:cSld>
+    <p:spTree>
+      <p:nvGrpSpPr>
+        <p:cNvPr id="1" name=""/>
+        <p:cNvGrpSpPr/>
+        <p:nvPr/>
+      </p:nvGrpSpPr>
+      <p:grpSpPr>
+        <a:xfrm>
+          <a:off x="0" y="0"/>
+          <a:ext cx="0" cy="0"/>
+          <a:chOff x="0" y="0"/>
+          <a:chExt cx="0" cy="0"/>
+        </a:xfrm>
+      </p:grpSpPr>
+      <p:sp>
+        <p:nvSpPr>
+          <p:cNvPr id="2" name="标题 1">
+            <a:extLst>
+              <a:ext uri="{FF2B5EF4-FFF2-40B4-BE49-F238E27FC236}">
                 <a16:creationId xmlns:a16="http://schemas.microsoft.com/office/drawing/2014/main" id="{FA31E002-B0AA-4769-9415-EFFF0A7D78A8}"/>
               </a:ext>
             </a:extLst>
@@ -10560,6 +11521,36 @@
           </a:p>
         </p:txBody>
       </p:sp>
+      <p:pic>
+        <p:nvPicPr>
+          <p:cNvPr id="4" name="图片 3">
+            <a:extLst>
+              <a:ext uri="{FF2B5EF4-FFF2-40B4-BE49-F238E27FC236}">
+                <a16:creationId xmlns:a16="http://schemas.microsoft.com/office/drawing/2014/main" id="{C6700DB0-2CA5-3F35-DB58-DD03A1F99BDF}"/>
+              </a:ext>
+            </a:extLst>
+          </p:cNvPr>
+          <p:cNvPicPr>
+            <a:picLocks noChangeAspect="1"/>
+          </p:cNvPicPr>
+          <p:nvPr/>
+        </p:nvPicPr>
+        <p:blipFill>
+          <a:blip r:embed="rId3"/>
+          <a:stretch>
+            <a:fillRect/>
+          </a:stretch>
+        </p:blipFill>
+        <p:spPr>
+          <a:xfrm>
+            <a:off x="6877686" y="7620"/>
+            <a:ext cx="3772535" cy="673100"/>
+          </a:xfrm>
+          <a:prstGeom prst="rect">
+            <a:avLst/>
+          </a:prstGeom>
+        </p:spPr>
+      </p:pic>
     </p:spTree>
     <p:extLst>
       <p:ext uri="{BB962C8B-B14F-4D97-AF65-F5344CB8AC3E}">
@@ -10737,6 +11728,36 @@
           </a:p>
         </p:txBody>
       </p:sp>
+      <p:pic>
+        <p:nvPicPr>
+          <p:cNvPr id="4" name="图片 3">
+            <a:extLst>
+              <a:ext uri="{FF2B5EF4-FFF2-40B4-BE49-F238E27FC236}">
+                <a16:creationId xmlns:a16="http://schemas.microsoft.com/office/drawing/2014/main" id="{7D9EB8F1-8CFD-6BCC-E9E3-A176508D9501}"/>
+              </a:ext>
+            </a:extLst>
+          </p:cNvPr>
+          <p:cNvPicPr>
+            <a:picLocks noChangeAspect="1"/>
+          </p:cNvPicPr>
+          <p:nvPr/>
+        </p:nvPicPr>
+        <p:blipFill>
+          <a:blip r:embed="rId3"/>
+          <a:stretch>
+            <a:fillRect/>
+          </a:stretch>
+        </p:blipFill>
+        <p:spPr>
+          <a:xfrm>
+            <a:off x="6877686" y="7620"/>
+            <a:ext cx="3772535" cy="673100"/>
+          </a:xfrm>
+          <a:prstGeom prst="rect">
+            <a:avLst/>
+          </a:prstGeom>
+        </p:spPr>
+      </p:pic>
     </p:spTree>
     <p:extLst>
       <p:ext uri="{BB962C8B-B14F-4D97-AF65-F5344CB8AC3E}">
@@ -10911,6 +11932,36 @@
           </a:p>
         </p:txBody>
       </p:sp>
+      <p:pic>
+        <p:nvPicPr>
+          <p:cNvPr id="6" name="图片 5">
+            <a:extLst>
+              <a:ext uri="{FF2B5EF4-FFF2-40B4-BE49-F238E27FC236}">
+                <a16:creationId xmlns:a16="http://schemas.microsoft.com/office/drawing/2014/main" id="{565F675B-4A6C-6732-63AD-67F33FE9CF69}"/>
+              </a:ext>
+            </a:extLst>
+          </p:cNvPr>
+          <p:cNvPicPr>
+            <a:picLocks noChangeAspect="1"/>
+          </p:cNvPicPr>
+          <p:nvPr/>
+        </p:nvPicPr>
+        <p:blipFill>
+          <a:blip r:embed="rId3"/>
+          <a:stretch>
+            <a:fillRect/>
+          </a:stretch>
+        </p:blipFill>
+        <p:spPr>
+          <a:xfrm>
+            <a:off x="6877686" y="7620"/>
+            <a:ext cx="3772535" cy="673100"/>
+          </a:xfrm>
+          <a:prstGeom prst="rect">
+            <a:avLst/>
+          </a:prstGeom>
+        </p:spPr>
+      </p:pic>
     </p:spTree>
     <p:extLst>
       <p:ext uri="{BB962C8B-B14F-4D97-AF65-F5344CB8AC3E}">
@@ -11392,6 +12443,36 @@
           </a:p>
         </p:txBody>
       </p:sp>
+      <p:pic>
+        <p:nvPicPr>
+          <p:cNvPr id="6" name="图片 5">
+            <a:extLst>
+              <a:ext uri="{FF2B5EF4-FFF2-40B4-BE49-F238E27FC236}">
+                <a16:creationId xmlns:a16="http://schemas.microsoft.com/office/drawing/2014/main" id="{4A187D01-D787-503B-77F0-84B2F29C095D}"/>
+              </a:ext>
+            </a:extLst>
+          </p:cNvPr>
+          <p:cNvPicPr>
+            <a:picLocks noChangeAspect="1"/>
+          </p:cNvPicPr>
+          <p:nvPr/>
+        </p:nvPicPr>
+        <p:blipFill>
+          <a:blip r:embed="rId3"/>
+          <a:stretch>
+            <a:fillRect/>
+          </a:stretch>
+        </p:blipFill>
+        <p:spPr>
+          <a:xfrm>
+            <a:off x="6877686" y="7620"/>
+            <a:ext cx="3772535" cy="673100"/>
+          </a:xfrm>
+          <a:prstGeom prst="rect">
+            <a:avLst/>
+          </a:prstGeom>
+        </p:spPr>
+      </p:pic>
     </p:spTree>
     <p:extLst>
       <p:ext uri="{BB962C8B-B14F-4D97-AF65-F5344CB8AC3E}">
@@ -11600,6 +12681,36 @@
           </a:p>
         </p:txBody>
       </p:sp>
+      <p:pic>
+        <p:nvPicPr>
+          <p:cNvPr id="6" name="图片 5">
+            <a:extLst>
+              <a:ext uri="{FF2B5EF4-FFF2-40B4-BE49-F238E27FC236}">
+                <a16:creationId xmlns:a16="http://schemas.microsoft.com/office/drawing/2014/main" id="{C4D8F6AB-3B8E-A2EC-61A8-5AA74FD91AAE}"/>
+              </a:ext>
+            </a:extLst>
+          </p:cNvPr>
+          <p:cNvPicPr>
+            <a:picLocks noChangeAspect="1"/>
+          </p:cNvPicPr>
+          <p:nvPr/>
+        </p:nvPicPr>
+        <p:blipFill>
+          <a:blip r:embed="rId3"/>
+          <a:stretch>
+            <a:fillRect/>
+          </a:stretch>
+        </p:blipFill>
+        <p:spPr>
+          <a:xfrm>
+            <a:off x="6877686" y="7620"/>
+            <a:ext cx="3772535" cy="673100"/>
+          </a:xfrm>
+          <a:prstGeom prst="rect">
+            <a:avLst/>
+          </a:prstGeom>
+        </p:spPr>
+      </p:pic>
     </p:spTree>
     <p:extLst>
       <p:ext uri="{BB962C8B-B14F-4D97-AF65-F5344CB8AC3E}">
@@ -11772,6 +12883,36 @@
           </a:p>
         </p:txBody>
       </p:sp>
+      <p:pic>
+        <p:nvPicPr>
+          <p:cNvPr id="6" name="图片 5">
+            <a:extLst>
+              <a:ext uri="{FF2B5EF4-FFF2-40B4-BE49-F238E27FC236}">
+                <a16:creationId xmlns:a16="http://schemas.microsoft.com/office/drawing/2014/main" id="{663FF950-F239-D612-7935-2FEFA8F097F2}"/>
+              </a:ext>
+            </a:extLst>
+          </p:cNvPr>
+          <p:cNvPicPr>
+            <a:picLocks noChangeAspect="1"/>
+          </p:cNvPicPr>
+          <p:nvPr/>
+        </p:nvPicPr>
+        <p:blipFill>
+          <a:blip r:embed="rId3"/>
+          <a:stretch>
+            <a:fillRect/>
+          </a:stretch>
+        </p:blipFill>
+        <p:spPr>
+          <a:xfrm>
+            <a:off x="6877686" y="7620"/>
+            <a:ext cx="3772535" cy="673100"/>
+          </a:xfrm>
+          <a:prstGeom prst="rect">
+            <a:avLst/>
+          </a:prstGeom>
+        </p:spPr>
+      </p:pic>
     </p:spTree>
     <p:extLst>
       <p:ext uri="{BB962C8B-B14F-4D97-AF65-F5344CB8AC3E}">
@@ -11948,6 +13089,36 @@
           </a:p>
         </p:txBody>
       </p:sp>
+      <p:pic>
+        <p:nvPicPr>
+          <p:cNvPr id="6" name="图片 5">
+            <a:extLst>
+              <a:ext uri="{FF2B5EF4-FFF2-40B4-BE49-F238E27FC236}">
+                <a16:creationId xmlns:a16="http://schemas.microsoft.com/office/drawing/2014/main" id="{BC123A20-01BA-FC01-4B84-7C6AD258FEA0}"/>
+              </a:ext>
+            </a:extLst>
+          </p:cNvPr>
+          <p:cNvPicPr>
+            <a:picLocks noChangeAspect="1"/>
+          </p:cNvPicPr>
+          <p:nvPr/>
+        </p:nvPicPr>
+        <p:blipFill>
+          <a:blip r:embed="rId3"/>
+          <a:stretch>
+            <a:fillRect/>
+          </a:stretch>
+        </p:blipFill>
+        <p:spPr>
+          <a:xfrm>
+            <a:off x="6877686" y="7620"/>
+            <a:ext cx="3772535" cy="673100"/>
+          </a:xfrm>
+          <a:prstGeom prst="rect">
+            <a:avLst/>
+          </a:prstGeom>
+        </p:spPr>
+      </p:pic>
     </p:spTree>
     <p:extLst>
       <p:ext uri="{BB962C8B-B14F-4D97-AF65-F5344CB8AC3E}">
@@ -12133,6 +13304,36 @@
           </a:p>
         </p:txBody>
       </p:sp>
+      <p:pic>
+        <p:nvPicPr>
+          <p:cNvPr id="6" name="图片 5">
+            <a:extLst>
+              <a:ext uri="{FF2B5EF4-FFF2-40B4-BE49-F238E27FC236}">
+                <a16:creationId xmlns:a16="http://schemas.microsoft.com/office/drawing/2014/main" id="{1890F6B8-6625-0F22-7979-41D13B68787E}"/>
+              </a:ext>
+            </a:extLst>
+          </p:cNvPr>
+          <p:cNvPicPr>
+            <a:picLocks noChangeAspect="1"/>
+          </p:cNvPicPr>
+          <p:nvPr/>
+        </p:nvPicPr>
+        <p:blipFill>
+          <a:blip r:embed="rId3"/>
+          <a:stretch>
+            <a:fillRect/>
+          </a:stretch>
+        </p:blipFill>
+        <p:spPr>
+          <a:xfrm>
+            <a:off x="6877686" y="7620"/>
+            <a:ext cx="3772535" cy="673100"/>
+          </a:xfrm>
+          <a:prstGeom prst="rect">
+            <a:avLst/>
+          </a:prstGeom>
+        </p:spPr>
+      </p:pic>
     </p:spTree>
     <p:extLst>
       <p:ext uri="{BB962C8B-B14F-4D97-AF65-F5344CB8AC3E}">
